--- a/maintain/vignette-graphics.pptx
+++ b/maintain/vignette-graphics.pptx
@@ -5,11 +5,12 @@
     <p:sldMasterId id="2147483648" r:id="rId1"/>
   </p:sldMasterIdLst>
   <p:notesMasterIdLst>
-    <p:notesMasterId r:id="rId4"/>
+    <p:notesMasterId r:id="rId5"/>
   </p:notesMasterIdLst>
   <p:sldIdLst>
     <p:sldId id="256" r:id="rId2"/>
     <p:sldId id="274" r:id="rId3"/>
+    <p:sldId id="275" r:id="rId4"/>
   </p:sldIdLst>
   <p:sldSz cx="12192000" cy="6858000"/>
   <p:notesSz cx="6858000" cy="9144000"/>
@@ -198,7 +199,7 @@
           <a:p>
             <a:fld id="{84CAEEAC-67FF-4840-85A9-F3712649BA27}" type="datetimeFigureOut">
               <a:rPr lang="en-US" smtClean="0"/>
-              <a:t>2/15/24</a:t>
+              <a:t>3/4/24</a:t>
             </a:fld>
             <a:endParaRPr lang="en-US"/>
           </a:p>
@@ -549,6 +550,90 @@
 </p:notes>
 </file>
 
+<file path=ppt/notesSlides/notesSlide2.xml><?xml version="1.0" encoding="utf-8"?>
+<p:notes xmlns:a="http://schemas.openxmlformats.org/drawingml/2006/main" xmlns:r="http://schemas.openxmlformats.org/officeDocument/2006/relationships" xmlns:p="http://schemas.openxmlformats.org/presentationml/2006/main">
+  <p:cSld>
+    <p:spTree>
+      <p:nvGrpSpPr>
+        <p:cNvPr id="1" name=""/>
+        <p:cNvGrpSpPr/>
+        <p:nvPr/>
+      </p:nvGrpSpPr>
+      <p:grpSpPr>
+        <a:xfrm>
+          <a:off x="0" y="0"/>
+          <a:ext cx="0" cy="0"/>
+          <a:chOff x="0" y="0"/>
+          <a:chExt cx="0" cy="0"/>
+        </a:xfrm>
+      </p:grpSpPr>
+      <p:sp>
+        <p:nvSpPr>
+          <p:cNvPr id="2" name="Slide Image Placeholder 1"/>
+          <p:cNvSpPr>
+            <a:spLocks noGrp="1" noRot="1" noChangeAspect="1"/>
+          </p:cNvSpPr>
+          <p:nvPr>
+            <p:ph type="sldImg"/>
+          </p:nvPr>
+        </p:nvSpPr>
+        <p:spPr/>
+      </p:sp>
+      <p:sp>
+        <p:nvSpPr>
+          <p:cNvPr id="3" name="Notes Placeholder 2"/>
+          <p:cNvSpPr>
+            <a:spLocks noGrp="1"/>
+          </p:cNvSpPr>
+          <p:nvPr>
+            <p:ph type="body" idx="1"/>
+          </p:nvPr>
+        </p:nvSpPr>
+        <p:spPr/>
+        <p:txBody>
+          <a:bodyPr/>
+          <a:lstStyle/>
+          <a:p>
+            <a:endParaRPr lang="en-US" dirty="0"/>
+          </a:p>
+        </p:txBody>
+      </p:sp>
+      <p:sp>
+        <p:nvSpPr>
+          <p:cNvPr id="4" name="Slide Number Placeholder 3"/>
+          <p:cNvSpPr>
+            <a:spLocks noGrp="1"/>
+          </p:cNvSpPr>
+          <p:nvPr>
+            <p:ph type="sldNum" sz="quarter" idx="5"/>
+          </p:nvPr>
+        </p:nvSpPr>
+        <p:spPr/>
+        <p:txBody>
+          <a:bodyPr/>
+          <a:lstStyle/>
+          <a:p>
+            <a:fld id="{F2998699-7F4C-BA48-BF97-DB4BB096FBF4}" type="slidenum">
+              <a:rPr lang="en-US" smtClean="0"/>
+              <a:t>3</a:t>
+            </a:fld>
+            <a:endParaRPr lang="en-US"/>
+          </a:p>
+        </p:txBody>
+      </p:sp>
+    </p:spTree>
+    <p:extLst>
+      <p:ext uri="{BB962C8B-B14F-4D97-AF65-F5344CB8AC3E}">
+        <p14:creationId xmlns:p14="http://schemas.microsoft.com/office/powerpoint/2010/main" val="104630196"/>
+      </p:ext>
+    </p:extLst>
+  </p:cSld>
+  <p:clrMapOvr>
+    <a:masterClrMapping/>
+  </p:clrMapOvr>
+</p:notes>
+</file>
+
 <file path=ppt/slideLayouts/slideLayout1.xml><?xml version="1.0" encoding="utf-8"?>
 <p:sldLayout xmlns:a="http://schemas.openxmlformats.org/drawingml/2006/main" xmlns:r="http://schemas.openxmlformats.org/officeDocument/2006/relationships" xmlns:p="http://schemas.openxmlformats.org/presentationml/2006/main" type="title" preserve="1">
   <p:cSld name="Title Slide">
@@ -696,7 +781,7 @@
           <a:p>
             <a:fld id="{C5E6AE39-EE1F-9040-B805-73A0B32E8AB2}" type="datetimeFigureOut">
               <a:rPr lang="en-US" smtClean="0"/>
-              <a:t>2/15/24</a:t>
+              <a:t>3/4/24</a:t>
             </a:fld>
             <a:endParaRPr lang="en-US"/>
           </a:p>
@@ -894,7 +979,7 @@
           <a:p>
             <a:fld id="{C5E6AE39-EE1F-9040-B805-73A0B32E8AB2}" type="datetimeFigureOut">
               <a:rPr lang="en-US" smtClean="0"/>
-              <a:t>2/15/24</a:t>
+              <a:t>3/4/24</a:t>
             </a:fld>
             <a:endParaRPr lang="en-US"/>
           </a:p>
@@ -1102,7 +1187,7 @@
           <a:p>
             <a:fld id="{C5E6AE39-EE1F-9040-B805-73A0B32E8AB2}" type="datetimeFigureOut">
               <a:rPr lang="en-US" smtClean="0"/>
-              <a:t>2/15/24</a:t>
+              <a:t>3/4/24</a:t>
             </a:fld>
             <a:endParaRPr lang="en-US"/>
           </a:p>
@@ -1300,7 +1385,7 @@
           <a:p>
             <a:fld id="{C5E6AE39-EE1F-9040-B805-73A0B32E8AB2}" type="datetimeFigureOut">
               <a:rPr lang="en-US" smtClean="0"/>
-              <a:t>2/15/24</a:t>
+              <a:t>3/4/24</a:t>
             </a:fld>
             <a:endParaRPr lang="en-US"/>
           </a:p>
@@ -1575,7 +1660,7 @@
           <a:p>
             <a:fld id="{C5E6AE39-EE1F-9040-B805-73A0B32E8AB2}" type="datetimeFigureOut">
               <a:rPr lang="en-US" smtClean="0"/>
-              <a:t>2/15/24</a:t>
+              <a:t>3/4/24</a:t>
             </a:fld>
             <a:endParaRPr lang="en-US"/>
           </a:p>
@@ -1840,7 +1925,7 @@
           <a:p>
             <a:fld id="{C5E6AE39-EE1F-9040-B805-73A0B32E8AB2}" type="datetimeFigureOut">
               <a:rPr lang="en-US" smtClean="0"/>
-              <a:t>2/15/24</a:t>
+              <a:t>3/4/24</a:t>
             </a:fld>
             <a:endParaRPr lang="en-US"/>
           </a:p>
@@ -2252,7 +2337,7 @@
           <a:p>
             <a:fld id="{C5E6AE39-EE1F-9040-B805-73A0B32E8AB2}" type="datetimeFigureOut">
               <a:rPr lang="en-US" smtClean="0"/>
-              <a:t>2/15/24</a:t>
+              <a:t>3/4/24</a:t>
             </a:fld>
             <a:endParaRPr lang="en-US"/>
           </a:p>
@@ -2393,7 +2478,7 @@
           <a:p>
             <a:fld id="{C5E6AE39-EE1F-9040-B805-73A0B32E8AB2}" type="datetimeFigureOut">
               <a:rPr lang="en-US" smtClean="0"/>
-              <a:t>2/15/24</a:t>
+              <a:t>3/4/24</a:t>
             </a:fld>
             <a:endParaRPr lang="en-US"/>
           </a:p>
@@ -2506,7 +2591,7 @@
           <a:p>
             <a:fld id="{C5E6AE39-EE1F-9040-B805-73A0B32E8AB2}" type="datetimeFigureOut">
               <a:rPr lang="en-US" smtClean="0"/>
-              <a:t>2/15/24</a:t>
+              <a:t>3/4/24</a:t>
             </a:fld>
             <a:endParaRPr lang="en-US"/>
           </a:p>
@@ -2817,7 +2902,7 @@
           <a:p>
             <a:fld id="{C5E6AE39-EE1F-9040-B805-73A0B32E8AB2}" type="datetimeFigureOut">
               <a:rPr lang="en-US" smtClean="0"/>
-              <a:t>2/15/24</a:t>
+              <a:t>3/4/24</a:t>
             </a:fld>
             <a:endParaRPr lang="en-US"/>
           </a:p>
@@ -3105,7 +3190,7 @@
           <a:p>
             <a:fld id="{C5E6AE39-EE1F-9040-B805-73A0B32E8AB2}" type="datetimeFigureOut">
               <a:rPr lang="en-US" smtClean="0"/>
-              <a:t>2/15/24</a:t>
+              <a:t>3/4/24</a:t>
             </a:fld>
             <a:endParaRPr lang="en-US"/>
           </a:p>
@@ -3346,7 +3431,7 @@
           <a:p>
             <a:fld id="{C5E6AE39-EE1F-9040-B805-73A0B32E8AB2}" type="datetimeFigureOut">
               <a:rPr lang="en-US" smtClean="0"/>
-              <a:t>2/15/24</a:t>
+              <a:t>3/4/24</a:t>
             </a:fld>
             <a:endParaRPr lang="en-US"/>
           </a:p>
@@ -3852,6 +3937,7373 @@
       </p:grpSpPr>
       <p:sp>
         <p:nvSpPr>
+          <p:cNvPr id="41" name="Rectangle 40">
+            <a:extLst>
+              <a:ext uri="{FF2B5EF4-FFF2-40B4-BE49-F238E27FC236}">
+                <a16:creationId xmlns:a16="http://schemas.microsoft.com/office/drawing/2014/main" id="{EFA05E48-90C3-F9C9-BEB2-E2EC910C9916}"/>
+              </a:ext>
+            </a:extLst>
+          </p:cNvPr>
+          <p:cNvSpPr/>
+          <p:nvPr/>
+        </p:nvSpPr>
+        <p:spPr>
+          <a:xfrm>
+            <a:off x="3333447" y="1878224"/>
+            <a:ext cx="3472090" cy="4832612"/>
+          </a:xfrm>
+          <a:prstGeom prst="rect">
+            <a:avLst/>
+          </a:prstGeom>
+          <a:noFill/>
+          <a:ln w="28575">
+            <a:solidFill>
+              <a:schemeClr val="bg2">
+                <a:lumMod val="10000"/>
+              </a:schemeClr>
+            </a:solidFill>
+          </a:ln>
+        </p:spPr>
+        <p:style>
+          <a:lnRef idx="2">
+            <a:schemeClr val="accent1">
+              <a:shade val="15000"/>
+            </a:schemeClr>
+          </a:lnRef>
+          <a:fillRef idx="1">
+            <a:schemeClr val="accent1"/>
+          </a:fillRef>
+          <a:effectRef idx="0">
+            <a:schemeClr val="accent1"/>
+          </a:effectRef>
+          <a:fontRef idx="minor">
+            <a:schemeClr val="lt1"/>
+          </a:fontRef>
+        </p:style>
+        <p:txBody>
+          <a:bodyPr rtlCol="0" anchor="ctr"/>
+          <a:lstStyle/>
+          <a:p>
+            <a:pPr algn="ctr"/>
+            <a:endParaRPr lang="en-US"/>
+          </a:p>
+        </p:txBody>
+      </p:sp>
+      <p:sp>
+        <p:nvSpPr>
+          <p:cNvPr id="33" name="Title 32">
+            <a:extLst>
+              <a:ext uri="{FF2B5EF4-FFF2-40B4-BE49-F238E27FC236}">
+                <a16:creationId xmlns:a16="http://schemas.microsoft.com/office/drawing/2014/main" id="{85AAB010-2227-975C-1FA4-5B574CD64D06}"/>
+              </a:ext>
+            </a:extLst>
+          </p:cNvPr>
+          <p:cNvSpPr>
+            <a:spLocks noGrp="1"/>
+          </p:cNvSpPr>
+          <p:nvPr>
+            <p:ph type="title"/>
+          </p:nvPr>
+        </p:nvSpPr>
+        <p:spPr>
+          <a:xfrm>
+            <a:off x="0" y="35591"/>
+            <a:ext cx="12192000" cy="317933"/>
+          </a:xfrm>
+        </p:spPr>
+        <p:txBody>
+          <a:bodyPr>
+            <a:normAutofit fontScale="90000"/>
+          </a:bodyPr>
+          <a:lstStyle/>
+          <a:p>
+            <a:r>
+              <a:rPr lang="en-US" sz="2400" dirty="0">
+                <a:latin typeface="+mn-lt"/>
+              </a:rPr>
+              <a:t>Column Key Graphic (for Vignette) – </a:t>
+            </a:r>
+            <a:r>
+              <a:rPr lang="en-US" sz="2400" b="1" dirty="0">
+                <a:latin typeface="+mn-lt"/>
+              </a:rPr>
+              <a:t>VERSION 2</a:t>
+            </a:r>
+            <a:endParaRPr lang="en-US" sz="2400" dirty="0">
+              <a:latin typeface="+mn-lt"/>
+            </a:endParaRPr>
+          </a:p>
+        </p:txBody>
+      </p:sp>
+      <p:grpSp>
+        <p:nvGrpSpPr>
+          <p:cNvPr id="8" name="Group 7">
+            <a:extLst>
+              <a:ext uri="{FF2B5EF4-FFF2-40B4-BE49-F238E27FC236}">
+                <a16:creationId xmlns:a16="http://schemas.microsoft.com/office/drawing/2014/main" id="{33EC9150-EEF3-6A9A-EE55-E96883A4ABDA}"/>
+              </a:ext>
+            </a:extLst>
+          </p:cNvPr>
+          <p:cNvGrpSpPr/>
+          <p:nvPr/>
+        </p:nvGrpSpPr>
+        <p:grpSpPr>
+          <a:xfrm>
+            <a:off x="3976823" y="2103256"/>
+            <a:ext cx="2185338" cy="801833"/>
+            <a:chOff x="1478047" y="1769427"/>
+            <a:chExt cx="2185338" cy="801833"/>
+          </a:xfrm>
+        </p:grpSpPr>
+        <p:sp>
+          <p:nvSpPr>
+            <p:cNvPr id="69" name="Rectangle 68">
+              <a:extLst>
+                <a:ext uri="{FF2B5EF4-FFF2-40B4-BE49-F238E27FC236}">
+                  <a16:creationId xmlns:a16="http://schemas.microsoft.com/office/drawing/2014/main" id="{EF738B85-D6CC-3789-66B1-F0BC872DFF3F}"/>
+                </a:ext>
+              </a:extLst>
+            </p:cNvPr>
+            <p:cNvSpPr/>
+            <p:nvPr/>
+          </p:nvSpPr>
+          <p:spPr>
+            <a:xfrm>
+              <a:off x="1478047" y="1769428"/>
+              <a:ext cx="661337" cy="400916"/>
+            </a:xfrm>
+            <a:prstGeom prst="rect">
+              <a:avLst/>
+            </a:prstGeom>
+            <a:solidFill>
+              <a:schemeClr val="accent2">
+                <a:lumMod val="60000"/>
+                <a:lumOff val="40000"/>
+              </a:schemeClr>
+            </a:solidFill>
+            <a:ln>
+              <a:solidFill>
+                <a:schemeClr val="tx1"/>
+              </a:solidFill>
+            </a:ln>
+          </p:spPr>
+          <p:style>
+            <a:lnRef idx="2">
+              <a:schemeClr val="accent1">
+                <a:shade val="15000"/>
+              </a:schemeClr>
+            </a:lnRef>
+            <a:fillRef idx="1">
+              <a:schemeClr val="accent1"/>
+            </a:fillRef>
+            <a:effectRef idx="0">
+              <a:schemeClr val="accent1"/>
+            </a:effectRef>
+            <a:fontRef idx="minor">
+              <a:schemeClr val="lt1"/>
+            </a:fontRef>
+          </p:style>
+          <p:txBody>
+            <a:bodyPr rtlCol="0" anchor="ctr"/>
+            <a:lstStyle/>
+            <a:p>
+              <a:pPr algn="ctr"/>
+              <a:r>
+                <a:rPr lang="en-US" b="1" dirty="0">
+                  <a:solidFill>
+                    <a:schemeClr val="tx1">
+                      <a:lumMod val="85000"/>
+                      <a:lumOff val="15000"/>
+                    </a:schemeClr>
+                  </a:solidFill>
+                </a:rPr>
+                <a:t>Site</a:t>
+              </a:r>
+            </a:p>
+          </p:txBody>
+        </p:sp>
+        <p:sp>
+          <p:nvSpPr>
+            <p:cNvPr id="70" name="Rectangle 69">
+              <a:extLst>
+                <a:ext uri="{FF2B5EF4-FFF2-40B4-BE49-F238E27FC236}">
+                  <a16:creationId xmlns:a16="http://schemas.microsoft.com/office/drawing/2014/main" id="{857D47D8-6010-C36F-A9F0-D4876188C2BB}"/>
+                </a:ext>
+              </a:extLst>
+            </p:cNvPr>
+            <p:cNvSpPr/>
+            <p:nvPr/>
+          </p:nvSpPr>
+          <p:spPr>
+            <a:xfrm>
+              <a:off x="2136391" y="1769427"/>
+              <a:ext cx="692018" cy="400916"/>
+            </a:xfrm>
+            <a:prstGeom prst="rect">
+              <a:avLst/>
+            </a:prstGeom>
+            <a:solidFill>
+              <a:schemeClr val="accent2">
+                <a:lumMod val="60000"/>
+                <a:lumOff val="40000"/>
+              </a:schemeClr>
+            </a:solidFill>
+            <a:ln>
+              <a:solidFill>
+                <a:schemeClr val="tx1"/>
+              </a:solidFill>
+            </a:ln>
+          </p:spPr>
+          <p:style>
+            <a:lnRef idx="2">
+              <a:schemeClr val="accent1">
+                <a:shade val="15000"/>
+              </a:schemeClr>
+            </a:lnRef>
+            <a:fillRef idx="1">
+              <a:schemeClr val="accent1"/>
+            </a:fillRef>
+            <a:effectRef idx="0">
+              <a:schemeClr val="accent1"/>
+            </a:effectRef>
+            <a:fontRef idx="minor">
+              <a:schemeClr val="lt1"/>
+            </a:fontRef>
+          </p:style>
+          <p:txBody>
+            <a:bodyPr rtlCol="0" anchor="ctr"/>
+            <a:lstStyle/>
+            <a:p>
+              <a:pPr algn="ctr"/>
+              <a:r>
+                <a:rPr lang="en-US" b="1" dirty="0">
+                  <a:solidFill>
+                    <a:schemeClr val="tx1">
+                      <a:lumMod val="85000"/>
+                      <a:lumOff val="15000"/>
+                    </a:schemeClr>
+                  </a:solidFill>
+                </a:rPr>
+                <a:t>Trap</a:t>
+              </a:r>
+            </a:p>
+          </p:txBody>
+        </p:sp>
+        <p:sp>
+          <p:nvSpPr>
+            <p:cNvPr id="71" name="Rectangle 70">
+              <a:extLst>
+                <a:ext uri="{FF2B5EF4-FFF2-40B4-BE49-F238E27FC236}">
+                  <a16:creationId xmlns:a16="http://schemas.microsoft.com/office/drawing/2014/main" id="{2B801006-B8E0-FE2F-255D-9C33CEF1291E}"/>
+                </a:ext>
+              </a:extLst>
+            </p:cNvPr>
+            <p:cNvSpPr/>
+            <p:nvPr/>
+          </p:nvSpPr>
+          <p:spPr>
+            <a:xfrm>
+              <a:off x="2823130" y="1769427"/>
+              <a:ext cx="840254" cy="400916"/>
+            </a:xfrm>
+            <a:prstGeom prst="rect">
+              <a:avLst/>
+            </a:prstGeom>
+            <a:solidFill>
+              <a:schemeClr val="accent2">
+                <a:lumMod val="60000"/>
+                <a:lumOff val="40000"/>
+              </a:schemeClr>
+            </a:solidFill>
+            <a:ln>
+              <a:solidFill>
+                <a:schemeClr val="tx1"/>
+              </a:solidFill>
+            </a:ln>
+          </p:spPr>
+          <p:style>
+            <a:lnRef idx="2">
+              <a:schemeClr val="accent1">
+                <a:shade val="15000"/>
+              </a:schemeClr>
+            </a:lnRef>
+            <a:fillRef idx="1">
+              <a:schemeClr val="accent1"/>
+            </a:fillRef>
+            <a:effectRef idx="0">
+              <a:schemeClr val="accent1"/>
+            </a:effectRef>
+            <a:fontRef idx="minor">
+              <a:schemeClr val="lt1"/>
+            </a:fontRef>
+          </p:style>
+          <p:txBody>
+            <a:bodyPr rtlCol="0" anchor="ctr"/>
+            <a:lstStyle/>
+            <a:p>
+              <a:pPr algn="ctr"/>
+              <a:r>
+                <a:rPr lang="en-US" b="1" dirty="0">
+                  <a:solidFill>
+                    <a:schemeClr val="tx1">
+                      <a:lumMod val="85000"/>
+                      <a:lumOff val="15000"/>
+                    </a:schemeClr>
+                  </a:solidFill>
+                </a:rPr>
+                <a:t>Bugs</a:t>
+              </a:r>
+            </a:p>
+          </p:txBody>
+        </p:sp>
+        <p:sp>
+          <p:nvSpPr>
+            <p:cNvPr id="72" name="Rectangle 71">
+              <a:extLst>
+                <a:ext uri="{FF2B5EF4-FFF2-40B4-BE49-F238E27FC236}">
+                  <a16:creationId xmlns:a16="http://schemas.microsoft.com/office/drawing/2014/main" id="{3C95DD60-6042-6071-41EA-3A7AD7FBE740}"/>
+                </a:ext>
+              </a:extLst>
+            </p:cNvPr>
+            <p:cNvSpPr/>
+            <p:nvPr/>
+          </p:nvSpPr>
+          <p:spPr>
+            <a:xfrm>
+              <a:off x="1478047" y="2170343"/>
+              <a:ext cx="661337" cy="400917"/>
+            </a:xfrm>
+            <a:prstGeom prst="rect">
+              <a:avLst/>
+            </a:prstGeom>
+            <a:solidFill>
+              <a:schemeClr val="accent2">
+                <a:lumMod val="20000"/>
+                <a:lumOff val="80000"/>
+              </a:schemeClr>
+            </a:solidFill>
+            <a:ln>
+              <a:solidFill>
+                <a:schemeClr val="tx1"/>
+              </a:solidFill>
+            </a:ln>
+          </p:spPr>
+          <p:style>
+            <a:lnRef idx="2">
+              <a:schemeClr val="accent1">
+                <a:shade val="15000"/>
+              </a:schemeClr>
+            </a:lnRef>
+            <a:fillRef idx="1">
+              <a:schemeClr val="accent1"/>
+            </a:fillRef>
+            <a:effectRef idx="0">
+              <a:schemeClr val="accent1"/>
+            </a:effectRef>
+            <a:fontRef idx="minor">
+              <a:schemeClr val="lt1"/>
+            </a:fontRef>
+          </p:style>
+          <p:txBody>
+            <a:bodyPr rtlCol="0" anchor="t"/>
+            <a:lstStyle/>
+            <a:p>
+              <a:pPr algn="ctr"/>
+              <a:r>
+                <a:rPr lang="en-US" b="1" dirty="0">
+                  <a:solidFill>
+                    <a:schemeClr val="tx1">
+                      <a:lumMod val="85000"/>
+                      <a:lumOff val="15000"/>
+                    </a:schemeClr>
+                  </a:solidFill>
+                </a:rPr>
+                <a:t>…</a:t>
+              </a:r>
+            </a:p>
+          </p:txBody>
+        </p:sp>
+        <p:sp>
+          <p:nvSpPr>
+            <p:cNvPr id="73" name="Rectangle 72">
+              <a:extLst>
+                <a:ext uri="{FF2B5EF4-FFF2-40B4-BE49-F238E27FC236}">
+                  <a16:creationId xmlns:a16="http://schemas.microsoft.com/office/drawing/2014/main" id="{8083141D-7B4B-A2A9-CB1B-173530164C2D}"/>
+                </a:ext>
+              </a:extLst>
+            </p:cNvPr>
+            <p:cNvSpPr/>
+            <p:nvPr/>
+          </p:nvSpPr>
+          <p:spPr>
+            <a:xfrm>
+              <a:off x="2136391" y="2170342"/>
+              <a:ext cx="692018" cy="400917"/>
+            </a:xfrm>
+            <a:prstGeom prst="rect">
+              <a:avLst/>
+            </a:prstGeom>
+            <a:solidFill>
+              <a:schemeClr val="accent2">
+                <a:lumMod val="20000"/>
+                <a:lumOff val="80000"/>
+              </a:schemeClr>
+            </a:solidFill>
+            <a:ln>
+              <a:solidFill>
+                <a:schemeClr val="tx1"/>
+              </a:solidFill>
+            </a:ln>
+          </p:spPr>
+          <p:style>
+            <a:lnRef idx="2">
+              <a:schemeClr val="accent1">
+                <a:shade val="15000"/>
+              </a:schemeClr>
+            </a:lnRef>
+            <a:fillRef idx="1">
+              <a:schemeClr val="accent1"/>
+            </a:fillRef>
+            <a:effectRef idx="0">
+              <a:schemeClr val="accent1"/>
+            </a:effectRef>
+            <a:fontRef idx="minor">
+              <a:schemeClr val="lt1"/>
+            </a:fontRef>
+          </p:style>
+          <p:txBody>
+            <a:bodyPr rtlCol="0" anchor="t"/>
+            <a:lstStyle/>
+            <a:p>
+              <a:pPr algn="ctr"/>
+              <a:r>
+                <a:rPr lang="en-US" b="1" dirty="0">
+                  <a:solidFill>
+                    <a:schemeClr val="tx1">
+                      <a:lumMod val="85000"/>
+                      <a:lumOff val="15000"/>
+                    </a:schemeClr>
+                  </a:solidFill>
+                </a:rPr>
+                <a:t>…</a:t>
+              </a:r>
+            </a:p>
+          </p:txBody>
+        </p:sp>
+        <p:sp>
+          <p:nvSpPr>
+            <p:cNvPr id="74" name="Rectangle 73">
+              <a:extLst>
+                <a:ext uri="{FF2B5EF4-FFF2-40B4-BE49-F238E27FC236}">
+                  <a16:creationId xmlns:a16="http://schemas.microsoft.com/office/drawing/2014/main" id="{B77A2739-57A0-D096-22EE-E209B11C530A}"/>
+                </a:ext>
+              </a:extLst>
+            </p:cNvPr>
+            <p:cNvSpPr/>
+            <p:nvPr/>
+          </p:nvSpPr>
+          <p:spPr>
+            <a:xfrm>
+              <a:off x="2823131" y="2170342"/>
+              <a:ext cx="840254" cy="400917"/>
+            </a:xfrm>
+            <a:prstGeom prst="rect">
+              <a:avLst/>
+            </a:prstGeom>
+            <a:solidFill>
+              <a:schemeClr val="accent2">
+                <a:lumMod val="20000"/>
+                <a:lumOff val="80000"/>
+              </a:schemeClr>
+            </a:solidFill>
+            <a:ln>
+              <a:solidFill>
+                <a:schemeClr val="tx1"/>
+              </a:solidFill>
+            </a:ln>
+          </p:spPr>
+          <p:style>
+            <a:lnRef idx="2">
+              <a:schemeClr val="accent1">
+                <a:shade val="15000"/>
+              </a:schemeClr>
+            </a:lnRef>
+            <a:fillRef idx="1">
+              <a:schemeClr val="accent1"/>
+            </a:fillRef>
+            <a:effectRef idx="0">
+              <a:schemeClr val="accent1"/>
+            </a:effectRef>
+            <a:fontRef idx="minor">
+              <a:schemeClr val="lt1"/>
+            </a:fontRef>
+          </p:style>
+          <p:txBody>
+            <a:bodyPr rtlCol="0" anchor="t"/>
+            <a:lstStyle/>
+            <a:p>
+              <a:pPr algn="ctr"/>
+              <a:r>
+                <a:rPr lang="en-US" b="1" dirty="0">
+                  <a:solidFill>
+                    <a:schemeClr val="tx1">
+                      <a:lumMod val="85000"/>
+                      <a:lumOff val="15000"/>
+                    </a:schemeClr>
+                  </a:solidFill>
+                </a:rPr>
+                <a:t>…</a:t>
+              </a:r>
+            </a:p>
+          </p:txBody>
+        </p:sp>
+      </p:grpSp>
+      <p:grpSp>
+        <p:nvGrpSpPr>
+          <p:cNvPr id="65" name="Group 64">
+            <a:extLst>
+              <a:ext uri="{FF2B5EF4-FFF2-40B4-BE49-F238E27FC236}">
+                <a16:creationId xmlns:a16="http://schemas.microsoft.com/office/drawing/2014/main" id="{2D9B2280-98A3-CBDD-4491-8BFE29EEBEBC}"/>
+              </a:ext>
+            </a:extLst>
+          </p:cNvPr>
+          <p:cNvGrpSpPr/>
+          <p:nvPr/>
+        </p:nvGrpSpPr>
+        <p:grpSpPr>
+          <a:xfrm>
+            <a:off x="109131" y="583463"/>
+            <a:ext cx="2880992" cy="2255273"/>
+            <a:chOff x="4047968" y="770333"/>
+            <a:chExt cx="2880992" cy="2255273"/>
+          </a:xfrm>
+        </p:grpSpPr>
+        <p:sp>
+          <p:nvSpPr>
+            <p:cNvPr id="63" name="Rounded Rectangle 62">
+              <a:extLst>
+                <a:ext uri="{FF2B5EF4-FFF2-40B4-BE49-F238E27FC236}">
+                  <a16:creationId xmlns:a16="http://schemas.microsoft.com/office/drawing/2014/main" id="{4C64D511-BC2E-93C3-34EB-5A0C18C9A678}"/>
+                </a:ext>
+              </a:extLst>
+            </p:cNvPr>
+            <p:cNvSpPr/>
+            <p:nvPr/>
+          </p:nvSpPr>
+          <p:spPr>
+            <a:xfrm>
+              <a:off x="4511581" y="1516670"/>
+              <a:ext cx="2417379" cy="1508936"/>
+            </a:xfrm>
+            <a:prstGeom prst="roundRect">
+              <a:avLst/>
+            </a:prstGeom>
+            <a:solidFill>
+              <a:srgbClr val="D9D9D9">
+                <a:alpha val="37707"/>
+              </a:srgbClr>
+            </a:solidFill>
+            <a:ln>
+              <a:solidFill>
+                <a:schemeClr val="tx1"/>
+              </a:solidFill>
+            </a:ln>
+          </p:spPr>
+          <p:style>
+            <a:lnRef idx="2">
+              <a:schemeClr val="accent1">
+                <a:shade val="15000"/>
+              </a:schemeClr>
+            </a:lnRef>
+            <a:fillRef idx="1">
+              <a:schemeClr val="accent1"/>
+            </a:fillRef>
+            <a:effectRef idx="0">
+              <a:schemeClr val="accent1"/>
+            </a:effectRef>
+            <a:fontRef idx="minor">
+              <a:schemeClr val="lt1"/>
+            </a:fontRef>
+          </p:style>
+          <p:txBody>
+            <a:bodyPr rtlCol="0" anchor="ctr"/>
+            <a:lstStyle/>
+            <a:p>
+              <a:pPr algn="ctr"/>
+              <a:endParaRPr lang="en-US" dirty="0"/>
+            </a:p>
+          </p:txBody>
+        </p:sp>
+        <p:grpSp>
+          <p:nvGrpSpPr>
+            <p:cNvPr id="62" name="Group 61">
+              <a:extLst>
+                <a:ext uri="{FF2B5EF4-FFF2-40B4-BE49-F238E27FC236}">
+                  <a16:creationId xmlns:a16="http://schemas.microsoft.com/office/drawing/2014/main" id="{A22C6F35-C7E9-40D9-FC47-CAE3AF5F0F5A}"/>
+                </a:ext>
+              </a:extLst>
+            </p:cNvPr>
+            <p:cNvGrpSpPr/>
+            <p:nvPr/>
+          </p:nvGrpSpPr>
+          <p:grpSpPr>
+            <a:xfrm>
+              <a:off x="4774338" y="1667821"/>
+              <a:ext cx="1891864" cy="1206635"/>
+              <a:chOff x="3754528" y="844806"/>
+              <a:chExt cx="1891864" cy="1206635"/>
+            </a:xfrm>
+          </p:grpSpPr>
+          <p:grpSp>
+            <p:nvGrpSpPr>
+              <p:cNvPr id="18" name="Group 17">
+                <a:extLst>
+                  <a:ext uri="{FF2B5EF4-FFF2-40B4-BE49-F238E27FC236}">
+                    <a16:creationId xmlns:a16="http://schemas.microsoft.com/office/drawing/2014/main" id="{CDD718DE-E4F6-3CC4-053F-F699505248B1}"/>
+                  </a:ext>
+                </a:extLst>
+              </p:cNvPr>
+              <p:cNvGrpSpPr/>
+              <p:nvPr/>
+            </p:nvGrpSpPr>
+            <p:grpSpPr>
+              <a:xfrm>
+                <a:off x="3754528" y="844806"/>
+                <a:ext cx="938463" cy="409010"/>
+                <a:chOff x="838200" y="2112052"/>
+                <a:chExt cx="1828800" cy="876748"/>
+              </a:xfrm>
+            </p:grpSpPr>
+            <p:sp>
+              <p:nvSpPr>
+                <p:cNvPr id="34" name="Rectangle 33">
+                  <a:extLst>
+                    <a:ext uri="{FF2B5EF4-FFF2-40B4-BE49-F238E27FC236}">
+                      <a16:creationId xmlns:a16="http://schemas.microsoft.com/office/drawing/2014/main" id="{66FD6E93-D8AE-441B-ECDD-102EA771D122}"/>
+                    </a:ext>
+                  </a:extLst>
+                </p:cNvPr>
+                <p:cNvSpPr/>
+                <p:nvPr/>
+              </p:nvSpPr>
+              <p:spPr>
+                <a:xfrm>
+                  <a:off x="838200" y="2112052"/>
+                  <a:ext cx="914400" cy="301214"/>
+                </a:xfrm>
+                <a:prstGeom prst="rect">
+                  <a:avLst/>
+                </a:prstGeom>
+                <a:solidFill>
+                  <a:schemeClr val="accent4">
+                    <a:lumMod val="60000"/>
+                    <a:lumOff val="40000"/>
+                  </a:schemeClr>
+                </a:solidFill>
+                <a:ln>
+                  <a:solidFill>
+                    <a:schemeClr val="tx1"/>
+                  </a:solidFill>
+                </a:ln>
+              </p:spPr>
+              <p:style>
+                <a:lnRef idx="2">
+                  <a:schemeClr val="accent1">
+                    <a:shade val="15000"/>
+                  </a:schemeClr>
+                </a:lnRef>
+                <a:fillRef idx="1">
+                  <a:schemeClr val="accent1"/>
+                </a:fillRef>
+                <a:effectRef idx="0">
+                  <a:schemeClr val="accent1"/>
+                </a:effectRef>
+                <a:fontRef idx="minor">
+                  <a:schemeClr val="lt1"/>
+                </a:fontRef>
+              </p:style>
+              <p:txBody>
+                <a:bodyPr rtlCol="0" anchor="ctr"/>
+                <a:lstStyle/>
+                <a:p>
+                  <a:pPr algn="ctr"/>
+                  <a:endParaRPr lang="en-US" b="1" dirty="0">
+                    <a:solidFill>
+                      <a:schemeClr val="tx1">
+                        <a:lumMod val="85000"/>
+                        <a:lumOff val="15000"/>
+                      </a:schemeClr>
+                    </a:solidFill>
+                  </a:endParaRPr>
+                </a:p>
+              </p:txBody>
+            </p:sp>
+            <p:sp>
+              <p:nvSpPr>
+                <p:cNvPr id="35" name="Rectangle 34">
+                  <a:extLst>
+                    <a:ext uri="{FF2B5EF4-FFF2-40B4-BE49-F238E27FC236}">
+                      <a16:creationId xmlns:a16="http://schemas.microsoft.com/office/drawing/2014/main" id="{7DD02EEF-4323-4D1E-4944-9E75E0469E48}"/>
+                    </a:ext>
+                  </a:extLst>
+                </p:cNvPr>
+                <p:cNvSpPr/>
+                <p:nvPr/>
+              </p:nvSpPr>
+              <p:spPr>
+                <a:xfrm>
+                  <a:off x="1752600" y="2112052"/>
+                  <a:ext cx="914400" cy="301214"/>
+                </a:xfrm>
+                <a:prstGeom prst="rect">
+                  <a:avLst/>
+                </a:prstGeom>
+                <a:solidFill>
+                  <a:schemeClr val="accent4">
+                    <a:lumMod val="60000"/>
+                    <a:lumOff val="40000"/>
+                  </a:schemeClr>
+                </a:solidFill>
+                <a:ln>
+                  <a:solidFill>
+                    <a:schemeClr val="tx1"/>
+                  </a:solidFill>
+                </a:ln>
+              </p:spPr>
+              <p:style>
+                <a:lnRef idx="2">
+                  <a:schemeClr val="accent1">
+                    <a:shade val="15000"/>
+                  </a:schemeClr>
+                </a:lnRef>
+                <a:fillRef idx="1">
+                  <a:schemeClr val="accent1"/>
+                </a:fillRef>
+                <a:effectRef idx="0">
+                  <a:schemeClr val="accent1"/>
+                </a:effectRef>
+                <a:fontRef idx="minor">
+                  <a:schemeClr val="lt1"/>
+                </a:fontRef>
+              </p:style>
+              <p:txBody>
+                <a:bodyPr rtlCol="0" anchor="ctr"/>
+                <a:lstStyle/>
+                <a:p>
+                  <a:pPr algn="ctr"/>
+                  <a:endParaRPr lang="en-US" b="1" dirty="0">
+                    <a:solidFill>
+                      <a:schemeClr val="tx1">
+                        <a:lumMod val="85000"/>
+                        <a:lumOff val="15000"/>
+                      </a:schemeClr>
+                    </a:solidFill>
+                  </a:endParaRPr>
+                </a:p>
+              </p:txBody>
+            </p:sp>
+            <p:sp>
+              <p:nvSpPr>
+                <p:cNvPr id="37" name="Rectangle 36">
+                  <a:extLst>
+                    <a:ext uri="{FF2B5EF4-FFF2-40B4-BE49-F238E27FC236}">
+                      <a16:creationId xmlns:a16="http://schemas.microsoft.com/office/drawing/2014/main" id="{B54DBE23-C538-510D-4FE9-DA748A3E5FA6}"/>
+                    </a:ext>
+                  </a:extLst>
+                </p:cNvPr>
+                <p:cNvSpPr/>
+                <p:nvPr/>
+              </p:nvSpPr>
+              <p:spPr>
+                <a:xfrm>
+                  <a:off x="838200" y="2413265"/>
+                  <a:ext cx="914400" cy="575535"/>
+                </a:xfrm>
+                <a:prstGeom prst="rect">
+                  <a:avLst/>
+                </a:prstGeom>
+                <a:solidFill>
+                  <a:schemeClr val="accent4">
+                    <a:lumMod val="20000"/>
+                    <a:lumOff val="80000"/>
+                  </a:schemeClr>
+                </a:solidFill>
+                <a:ln>
+                  <a:solidFill>
+                    <a:schemeClr val="tx1"/>
+                  </a:solidFill>
+                </a:ln>
+              </p:spPr>
+              <p:style>
+                <a:lnRef idx="2">
+                  <a:schemeClr val="accent1">
+                    <a:shade val="15000"/>
+                  </a:schemeClr>
+                </a:lnRef>
+                <a:fillRef idx="1">
+                  <a:schemeClr val="accent1"/>
+                </a:fillRef>
+                <a:effectRef idx="0">
+                  <a:schemeClr val="accent1"/>
+                </a:effectRef>
+                <a:fontRef idx="minor">
+                  <a:schemeClr val="lt1"/>
+                </a:fontRef>
+              </p:style>
+              <p:txBody>
+                <a:bodyPr rtlCol="0" anchor="t"/>
+                <a:lstStyle/>
+                <a:p>
+                  <a:pPr algn="ctr"/>
+                  <a:endParaRPr lang="en-US" sz="3200" b="1" dirty="0">
+                    <a:solidFill>
+                      <a:schemeClr val="tx1">
+                        <a:lumMod val="85000"/>
+                        <a:lumOff val="15000"/>
+                      </a:schemeClr>
+                    </a:solidFill>
+                  </a:endParaRPr>
+                </a:p>
+              </p:txBody>
+            </p:sp>
+            <p:sp>
+              <p:nvSpPr>
+                <p:cNvPr id="38" name="Rectangle 37">
+                  <a:extLst>
+                    <a:ext uri="{FF2B5EF4-FFF2-40B4-BE49-F238E27FC236}">
+                      <a16:creationId xmlns:a16="http://schemas.microsoft.com/office/drawing/2014/main" id="{C149AF0F-74E7-DDFC-A679-064A1C2F4B93}"/>
+                    </a:ext>
+                  </a:extLst>
+                </p:cNvPr>
+                <p:cNvSpPr/>
+                <p:nvPr/>
+              </p:nvSpPr>
+              <p:spPr>
+                <a:xfrm>
+                  <a:off x="1752600" y="2413265"/>
+                  <a:ext cx="914400" cy="575535"/>
+                </a:xfrm>
+                <a:prstGeom prst="rect">
+                  <a:avLst/>
+                </a:prstGeom>
+                <a:solidFill>
+                  <a:schemeClr val="accent4">
+                    <a:lumMod val="20000"/>
+                    <a:lumOff val="80000"/>
+                  </a:schemeClr>
+                </a:solidFill>
+                <a:ln>
+                  <a:solidFill>
+                    <a:schemeClr val="tx1"/>
+                  </a:solidFill>
+                </a:ln>
+              </p:spPr>
+              <p:style>
+                <a:lnRef idx="2">
+                  <a:schemeClr val="accent1">
+                    <a:shade val="15000"/>
+                  </a:schemeClr>
+                </a:lnRef>
+                <a:fillRef idx="1">
+                  <a:schemeClr val="accent1"/>
+                </a:fillRef>
+                <a:effectRef idx="0">
+                  <a:schemeClr val="accent1"/>
+                </a:effectRef>
+                <a:fontRef idx="minor">
+                  <a:schemeClr val="lt1"/>
+                </a:fontRef>
+              </p:style>
+              <p:txBody>
+                <a:bodyPr rtlCol="0" anchor="t"/>
+                <a:lstStyle/>
+                <a:p>
+                  <a:pPr algn="ctr"/>
+                  <a:endParaRPr lang="en-US" sz="3200" b="1" dirty="0">
+                    <a:solidFill>
+                      <a:schemeClr val="tx1">
+                        <a:lumMod val="85000"/>
+                        <a:lumOff val="15000"/>
+                      </a:schemeClr>
+                    </a:solidFill>
+                  </a:endParaRPr>
+                </a:p>
+              </p:txBody>
+            </p:sp>
+          </p:grpSp>
+          <p:grpSp>
+            <p:nvGrpSpPr>
+              <p:cNvPr id="20" name="Group 19">
+                <a:extLst>
+                  <a:ext uri="{FF2B5EF4-FFF2-40B4-BE49-F238E27FC236}">
+                    <a16:creationId xmlns:a16="http://schemas.microsoft.com/office/drawing/2014/main" id="{839425DC-9700-8E49-FA5B-FC5545FA9986}"/>
+                  </a:ext>
+                </a:extLst>
+              </p:cNvPr>
+              <p:cNvGrpSpPr/>
+              <p:nvPr/>
+            </p:nvGrpSpPr>
+            <p:grpSpPr>
+              <a:xfrm>
+                <a:off x="3915918" y="1105449"/>
+                <a:ext cx="1407695" cy="409010"/>
+                <a:chOff x="838200" y="2112052"/>
+                <a:chExt cx="2743200" cy="876748"/>
+              </a:xfrm>
+            </p:grpSpPr>
+            <p:sp>
+              <p:nvSpPr>
+                <p:cNvPr id="21" name="Rectangle 20">
+                  <a:extLst>
+                    <a:ext uri="{FF2B5EF4-FFF2-40B4-BE49-F238E27FC236}">
+                      <a16:creationId xmlns:a16="http://schemas.microsoft.com/office/drawing/2014/main" id="{17023329-BE13-C3B3-D074-6A5208F7C00B}"/>
+                    </a:ext>
+                  </a:extLst>
+                </p:cNvPr>
+                <p:cNvSpPr/>
+                <p:nvPr/>
+              </p:nvSpPr>
+              <p:spPr>
+                <a:xfrm>
+                  <a:off x="838200" y="2112052"/>
+                  <a:ext cx="914400" cy="301214"/>
+                </a:xfrm>
+                <a:prstGeom prst="rect">
+                  <a:avLst/>
+                </a:prstGeom>
+                <a:solidFill>
+                  <a:srgbClr val="FFABFF"/>
+                </a:solidFill>
+                <a:ln>
+                  <a:solidFill>
+                    <a:schemeClr val="tx1"/>
+                  </a:solidFill>
+                </a:ln>
+              </p:spPr>
+              <p:style>
+                <a:lnRef idx="2">
+                  <a:schemeClr val="accent1">
+                    <a:shade val="15000"/>
+                  </a:schemeClr>
+                </a:lnRef>
+                <a:fillRef idx="1">
+                  <a:schemeClr val="accent1"/>
+                </a:fillRef>
+                <a:effectRef idx="0">
+                  <a:schemeClr val="accent1"/>
+                </a:effectRef>
+                <a:fontRef idx="minor">
+                  <a:schemeClr val="lt1"/>
+                </a:fontRef>
+              </p:style>
+              <p:txBody>
+                <a:bodyPr rtlCol="0" anchor="ctr"/>
+                <a:lstStyle/>
+                <a:p>
+                  <a:pPr algn="ctr"/>
+                  <a:endParaRPr lang="en-US" b="1" dirty="0">
+                    <a:solidFill>
+                      <a:schemeClr val="tx1">
+                        <a:lumMod val="85000"/>
+                        <a:lumOff val="15000"/>
+                      </a:schemeClr>
+                    </a:solidFill>
+                  </a:endParaRPr>
+                </a:p>
+              </p:txBody>
+            </p:sp>
+            <p:sp>
+              <p:nvSpPr>
+                <p:cNvPr id="22" name="Rectangle 21">
+                  <a:extLst>
+                    <a:ext uri="{FF2B5EF4-FFF2-40B4-BE49-F238E27FC236}">
+                      <a16:creationId xmlns:a16="http://schemas.microsoft.com/office/drawing/2014/main" id="{2394F62B-D740-7638-DFD8-89BDA1B4DA00}"/>
+                    </a:ext>
+                  </a:extLst>
+                </p:cNvPr>
+                <p:cNvSpPr/>
+                <p:nvPr/>
+              </p:nvSpPr>
+              <p:spPr>
+                <a:xfrm>
+                  <a:off x="1752600" y="2112052"/>
+                  <a:ext cx="914400" cy="301214"/>
+                </a:xfrm>
+                <a:prstGeom prst="rect">
+                  <a:avLst/>
+                </a:prstGeom>
+                <a:solidFill>
+                  <a:srgbClr val="FFABFF"/>
+                </a:solidFill>
+                <a:ln>
+                  <a:solidFill>
+                    <a:schemeClr val="tx1"/>
+                  </a:solidFill>
+                </a:ln>
+              </p:spPr>
+              <p:style>
+                <a:lnRef idx="2">
+                  <a:schemeClr val="accent1">
+                    <a:shade val="15000"/>
+                  </a:schemeClr>
+                </a:lnRef>
+                <a:fillRef idx="1">
+                  <a:schemeClr val="accent1"/>
+                </a:fillRef>
+                <a:effectRef idx="0">
+                  <a:schemeClr val="accent1"/>
+                </a:effectRef>
+                <a:fontRef idx="minor">
+                  <a:schemeClr val="lt1"/>
+                </a:fontRef>
+              </p:style>
+              <p:txBody>
+                <a:bodyPr rtlCol="0" anchor="ctr"/>
+                <a:lstStyle/>
+                <a:p>
+                  <a:pPr algn="ctr"/>
+                  <a:endParaRPr lang="en-US" b="1" dirty="0">
+                    <a:solidFill>
+                      <a:schemeClr val="tx1">
+                        <a:lumMod val="85000"/>
+                        <a:lumOff val="15000"/>
+                      </a:schemeClr>
+                    </a:solidFill>
+                  </a:endParaRPr>
+                </a:p>
+              </p:txBody>
+            </p:sp>
+            <p:sp>
+              <p:nvSpPr>
+                <p:cNvPr id="23" name="Rectangle 22">
+                  <a:extLst>
+                    <a:ext uri="{FF2B5EF4-FFF2-40B4-BE49-F238E27FC236}">
+                      <a16:creationId xmlns:a16="http://schemas.microsoft.com/office/drawing/2014/main" id="{3843B7A7-1DDD-BBBA-1B0A-0195AB4CB9C5}"/>
+                    </a:ext>
+                  </a:extLst>
+                </p:cNvPr>
+                <p:cNvSpPr/>
+                <p:nvPr/>
+              </p:nvSpPr>
+              <p:spPr>
+                <a:xfrm>
+                  <a:off x="2667000" y="2112052"/>
+                  <a:ext cx="914400" cy="301214"/>
+                </a:xfrm>
+                <a:prstGeom prst="rect">
+                  <a:avLst/>
+                </a:prstGeom>
+                <a:solidFill>
+                  <a:srgbClr val="FFABFF"/>
+                </a:solidFill>
+                <a:ln>
+                  <a:solidFill>
+                    <a:schemeClr val="tx1"/>
+                  </a:solidFill>
+                </a:ln>
+              </p:spPr>
+              <p:style>
+                <a:lnRef idx="2">
+                  <a:schemeClr val="accent1">
+                    <a:shade val="15000"/>
+                  </a:schemeClr>
+                </a:lnRef>
+                <a:fillRef idx="1">
+                  <a:schemeClr val="accent1"/>
+                </a:fillRef>
+                <a:effectRef idx="0">
+                  <a:schemeClr val="accent1"/>
+                </a:effectRef>
+                <a:fontRef idx="minor">
+                  <a:schemeClr val="lt1"/>
+                </a:fontRef>
+              </p:style>
+              <p:txBody>
+                <a:bodyPr rtlCol="0" anchor="ctr"/>
+                <a:lstStyle/>
+                <a:p>
+                  <a:pPr algn="ctr"/>
+                  <a:endParaRPr lang="en-US" b="1" dirty="0">
+                    <a:solidFill>
+                      <a:schemeClr val="tx1">
+                        <a:lumMod val="85000"/>
+                        <a:lumOff val="15000"/>
+                      </a:schemeClr>
+                    </a:solidFill>
+                  </a:endParaRPr>
+                </a:p>
+              </p:txBody>
+            </p:sp>
+            <p:sp>
+              <p:nvSpPr>
+                <p:cNvPr id="24" name="Rectangle 23">
+                  <a:extLst>
+                    <a:ext uri="{FF2B5EF4-FFF2-40B4-BE49-F238E27FC236}">
+                      <a16:creationId xmlns:a16="http://schemas.microsoft.com/office/drawing/2014/main" id="{1E00F253-DE04-37BB-3A7B-06103D38C324}"/>
+                    </a:ext>
+                  </a:extLst>
+                </p:cNvPr>
+                <p:cNvSpPr/>
+                <p:nvPr/>
+              </p:nvSpPr>
+              <p:spPr>
+                <a:xfrm>
+                  <a:off x="838200" y="2413265"/>
+                  <a:ext cx="914400" cy="575535"/>
+                </a:xfrm>
+                <a:prstGeom prst="rect">
+                  <a:avLst/>
+                </a:prstGeom>
+                <a:solidFill>
+                  <a:srgbClr val="FFDDFE"/>
+                </a:solidFill>
+                <a:ln>
+                  <a:solidFill>
+                    <a:schemeClr val="tx1"/>
+                  </a:solidFill>
+                </a:ln>
+              </p:spPr>
+              <p:style>
+                <a:lnRef idx="2">
+                  <a:schemeClr val="accent1">
+                    <a:shade val="15000"/>
+                  </a:schemeClr>
+                </a:lnRef>
+                <a:fillRef idx="1">
+                  <a:schemeClr val="accent1"/>
+                </a:fillRef>
+                <a:effectRef idx="0">
+                  <a:schemeClr val="accent1"/>
+                </a:effectRef>
+                <a:fontRef idx="minor">
+                  <a:schemeClr val="lt1"/>
+                </a:fontRef>
+              </p:style>
+              <p:txBody>
+                <a:bodyPr rtlCol="0" anchor="t"/>
+                <a:lstStyle/>
+                <a:p>
+                  <a:pPr algn="ctr"/>
+                  <a:endParaRPr lang="en-US" sz="3200" b="1" dirty="0">
+                    <a:solidFill>
+                      <a:schemeClr val="tx1">
+                        <a:lumMod val="85000"/>
+                        <a:lumOff val="15000"/>
+                      </a:schemeClr>
+                    </a:solidFill>
+                  </a:endParaRPr>
+                </a:p>
+              </p:txBody>
+            </p:sp>
+            <p:sp>
+              <p:nvSpPr>
+                <p:cNvPr id="25" name="Rectangle 24">
+                  <a:extLst>
+                    <a:ext uri="{FF2B5EF4-FFF2-40B4-BE49-F238E27FC236}">
+                      <a16:creationId xmlns:a16="http://schemas.microsoft.com/office/drawing/2014/main" id="{2239EDD1-CE72-0A48-177E-C8C4FC9E39A2}"/>
+                    </a:ext>
+                  </a:extLst>
+                </p:cNvPr>
+                <p:cNvSpPr/>
+                <p:nvPr/>
+              </p:nvSpPr>
+              <p:spPr>
+                <a:xfrm>
+                  <a:off x="1752600" y="2413265"/>
+                  <a:ext cx="914400" cy="575535"/>
+                </a:xfrm>
+                <a:prstGeom prst="rect">
+                  <a:avLst/>
+                </a:prstGeom>
+                <a:solidFill>
+                  <a:srgbClr val="FFDDFE"/>
+                </a:solidFill>
+                <a:ln>
+                  <a:solidFill>
+                    <a:schemeClr val="tx1"/>
+                  </a:solidFill>
+                </a:ln>
+              </p:spPr>
+              <p:style>
+                <a:lnRef idx="2">
+                  <a:schemeClr val="accent1">
+                    <a:shade val="15000"/>
+                  </a:schemeClr>
+                </a:lnRef>
+                <a:fillRef idx="1">
+                  <a:schemeClr val="accent1"/>
+                </a:fillRef>
+                <a:effectRef idx="0">
+                  <a:schemeClr val="accent1"/>
+                </a:effectRef>
+                <a:fontRef idx="minor">
+                  <a:schemeClr val="lt1"/>
+                </a:fontRef>
+              </p:style>
+              <p:txBody>
+                <a:bodyPr rtlCol="0" anchor="t"/>
+                <a:lstStyle/>
+                <a:p>
+                  <a:pPr algn="ctr"/>
+                  <a:endParaRPr lang="en-US" sz="3200" b="1" dirty="0">
+                    <a:solidFill>
+                      <a:schemeClr val="tx1">
+                        <a:lumMod val="85000"/>
+                        <a:lumOff val="15000"/>
+                      </a:schemeClr>
+                    </a:solidFill>
+                  </a:endParaRPr>
+                </a:p>
+              </p:txBody>
+            </p:sp>
+            <p:sp>
+              <p:nvSpPr>
+                <p:cNvPr id="26" name="Rectangle 25">
+                  <a:extLst>
+                    <a:ext uri="{FF2B5EF4-FFF2-40B4-BE49-F238E27FC236}">
+                      <a16:creationId xmlns:a16="http://schemas.microsoft.com/office/drawing/2014/main" id="{54729AD1-A9D7-44F6-8AAD-4AE936E55FF3}"/>
+                    </a:ext>
+                  </a:extLst>
+                </p:cNvPr>
+                <p:cNvSpPr/>
+                <p:nvPr/>
+              </p:nvSpPr>
+              <p:spPr>
+                <a:xfrm>
+                  <a:off x="2667000" y="2413265"/>
+                  <a:ext cx="914400" cy="575535"/>
+                </a:xfrm>
+                <a:prstGeom prst="rect">
+                  <a:avLst/>
+                </a:prstGeom>
+                <a:solidFill>
+                  <a:srgbClr val="FFDDFE"/>
+                </a:solidFill>
+                <a:ln>
+                  <a:solidFill>
+                    <a:schemeClr val="tx1"/>
+                  </a:solidFill>
+                </a:ln>
+              </p:spPr>
+              <p:style>
+                <a:lnRef idx="2">
+                  <a:schemeClr val="accent1">
+                    <a:shade val="15000"/>
+                  </a:schemeClr>
+                </a:lnRef>
+                <a:fillRef idx="1">
+                  <a:schemeClr val="accent1"/>
+                </a:fillRef>
+                <a:effectRef idx="0">
+                  <a:schemeClr val="accent1"/>
+                </a:effectRef>
+                <a:fontRef idx="minor">
+                  <a:schemeClr val="lt1"/>
+                </a:fontRef>
+              </p:style>
+              <p:txBody>
+                <a:bodyPr rtlCol="0" anchor="t"/>
+                <a:lstStyle/>
+                <a:p>
+                  <a:pPr algn="ctr"/>
+                  <a:endParaRPr lang="en-US" sz="3200" b="1" dirty="0">
+                    <a:solidFill>
+                      <a:schemeClr val="tx1">
+                        <a:lumMod val="85000"/>
+                        <a:lumOff val="15000"/>
+                      </a:schemeClr>
+                    </a:solidFill>
+                  </a:endParaRPr>
+                </a:p>
+              </p:txBody>
+            </p:sp>
+          </p:grpSp>
+          <p:grpSp>
+            <p:nvGrpSpPr>
+              <p:cNvPr id="19" name="Group 18">
+                <a:extLst>
+                  <a:ext uri="{FF2B5EF4-FFF2-40B4-BE49-F238E27FC236}">
+                    <a16:creationId xmlns:a16="http://schemas.microsoft.com/office/drawing/2014/main" id="{089458A9-B611-A488-2F90-8B03BB6949F5}"/>
+                  </a:ext>
+                </a:extLst>
+              </p:cNvPr>
+              <p:cNvGrpSpPr/>
+              <p:nvPr/>
+            </p:nvGrpSpPr>
+            <p:grpSpPr>
+              <a:xfrm>
+                <a:off x="4546539" y="1373940"/>
+                <a:ext cx="938463" cy="409010"/>
+                <a:chOff x="1752600" y="2112052"/>
+                <a:chExt cx="1828800" cy="876748"/>
+              </a:xfrm>
+            </p:grpSpPr>
+            <p:sp>
+              <p:nvSpPr>
+                <p:cNvPr id="28" name="Rectangle 27">
+                  <a:extLst>
+                    <a:ext uri="{FF2B5EF4-FFF2-40B4-BE49-F238E27FC236}">
+                      <a16:creationId xmlns:a16="http://schemas.microsoft.com/office/drawing/2014/main" id="{E46C3596-5985-CB40-5B38-67CFF96FD54E}"/>
+                    </a:ext>
+                  </a:extLst>
+                </p:cNvPr>
+                <p:cNvSpPr/>
+                <p:nvPr/>
+              </p:nvSpPr>
+              <p:spPr>
+                <a:xfrm>
+                  <a:off x="1752600" y="2112052"/>
+                  <a:ext cx="914400" cy="301214"/>
+                </a:xfrm>
+                <a:prstGeom prst="rect">
+                  <a:avLst/>
+                </a:prstGeom>
+                <a:solidFill>
+                  <a:schemeClr val="accent6">
+                    <a:lumMod val="60000"/>
+                    <a:lumOff val="40000"/>
+                  </a:schemeClr>
+                </a:solidFill>
+                <a:ln>
+                  <a:solidFill>
+                    <a:schemeClr val="tx1"/>
+                  </a:solidFill>
+                </a:ln>
+              </p:spPr>
+              <p:style>
+                <a:lnRef idx="2">
+                  <a:schemeClr val="accent1">
+                    <a:shade val="15000"/>
+                  </a:schemeClr>
+                </a:lnRef>
+                <a:fillRef idx="1">
+                  <a:schemeClr val="accent1"/>
+                </a:fillRef>
+                <a:effectRef idx="0">
+                  <a:schemeClr val="accent1"/>
+                </a:effectRef>
+                <a:fontRef idx="minor">
+                  <a:schemeClr val="lt1"/>
+                </a:fontRef>
+              </p:style>
+              <p:txBody>
+                <a:bodyPr rtlCol="0" anchor="ctr"/>
+                <a:lstStyle/>
+                <a:p>
+                  <a:pPr algn="ctr"/>
+                  <a:endParaRPr lang="en-US" b="1" dirty="0">
+                    <a:solidFill>
+                      <a:schemeClr val="tx1">
+                        <a:lumMod val="85000"/>
+                        <a:lumOff val="15000"/>
+                      </a:schemeClr>
+                    </a:solidFill>
+                  </a:endParaRPr>
+                </a:p>
+              </p:txBody>
+            </p:sp>
+            <p:sp>
+              <p:nvSpPr>
+                <p:cNvPr id="29" name="Rectangle 28">
+                  <a:extLst>
+                    <a:ext uri="{FF2B5EF4-FFF2-40B4-BE49-F238E27FC236}">
+                      <a16:creationId xmlns:a16="http://schemas.microsoft.com/office/drawing/2014/main" id="{4AFC52EB-FCF8-D954-F20D-D4A6612A710F}"/>
+                    </a:ext>
+                  </a:extLst>
+                </p:cNvPr>
+                <p:cNvSpPr/>
+                <p:nvPr/>
+              </p:nvSpPr>
+              <p:spPr>
+                <a:xfrm>
+                  <a:off x="2667000" y="2112052"/>
+                  <a:ext cx="914400" cy="301214"/>
+                </a:xfrm>
+                <a:prstGeom prst="rect">
+                  <a:avLst/>
+                </a:prstGeom>
+                <a:solidFill>
+                  <a:schemeClr val="accent6">
+                    <a:lumMod val="60000"/>
+                    <a:lumOff val="40000"/>
+                  </a:schemeClr>
+                </a:solidFill>
+                <a:ln>
+                  <a:solidFill>
+                    <a:schemeClr val="tx1"/>
+                  </a:solidFill>
+                </a:ln>
+              </p:spPr>
+              <p:style>
+                <a:lnRef idx="2">
+                  <a:schemeClr val="accent1">
+                    <a:shade val="15000"/>
+                  </a:schemeClr>
+                </a:lnRef>
+                <a:fillRef idx="1">
+                  <a:schemeClr val="accent1"/>
+                </a:fillRef>
+                <a:effectRef idx="0">
+                  <a:schemeClr val="accent1"/>
+                </a:effectRef>
+                <a:fontRef idx="minor">
+                  <a:schemeClr val="lt1"/>
+                </a:fontRef>
+              </p:style>
+              <p:txBody>
+                <a:bodyPr rtlCol="0" anchor="ctr"/>
+                <a:lstStyle/>
+                <a:p>
+                  <a:pPr algn="ctr"/>
+                  <a:endParaRPr lang="en-US" b="1" dirty="0">
+                    <a:solidFill>
+                      <a:schemeClr val="tx1">
+                        <a:lumMod val="85000"/>
+                        <a:lumOff val="15000"/>
+                      </a:schemeClr>
+                    </a:solidFill>
+                  </a:endParaRPr>
+                </a:p>
+              </p:txBody>
+            </p:sp>
+            <p:sp>
+              <p:nvSpPr>
+                <p:cNvPr id="31" name="Rectangle 30">
+                  <a:extLst>
+                    <a:ext uri="{FF2B5EF4-FFF2-40B4-BE49-F238E27FC236}">
+                      <a16:creationId xmlns:a16="http://schemas.microsoft.com/office/drawing/2014/main" id="{0CB6063C-2857-4E59-122F-6F58B6A8284D}"/>
+                    </a:ext>
+                  </a:extLst>
+                </p:cNvPr>
+                <p:cNvSpPr/>
+                <p:nvPr/>
+              </p:nvSpPr>
+              <p:spPr>
+                <a:xfrm>
+                  <a:off x="1752600" y="2413265"/>
+                  <a:ext cx="914400" cy="575535"/>
+                </a:xfrm>
+                <a:prstGeom prst="rect">
+                  <a:avLst/>
+                </a:prstGeom>
+                <a:solidFill>
+                  <a:schemeClr val="accent6">
+                    <a:lumMod val="20000"/>
+                    <a:lumOff val="80000"/>
+                  </a:schemeClr>
+                </a:solidFill>
+                <a:ln>
+                  <a:solidFill>
+                    <a:schemeClr val="tx1"/>
+                  </a:solidFill>
+                </a:ln>
+              </p:spPr>
+              <p:style>
+                <a:lnRef idx="2">
+                  <a:schemeClr val="accent1">
+                    <a:shade val="15000"/>
+                  </a:schemeClr>
+                </a:lnRef>
+                <a:fillRef idx="1">
+                  <a:schemeClr val="accent1"/>
+                </a:fillRef>
+                <a:effectRef idx="0">
+                  <a:schemeClr val="accent1"/>
+                </a:effectRef>
+                <a:fontRef idx="minor">
+                  <a:schemeClr val="lt1"/>
+                </a:fontRef>
+              </p:style>
+              <p:txBody>
+                <a:bodyPr rtlCol="0" anchor="t"/>
+                <a:lstStyle/>
+                <a:p>
+                  <a:pPr algn="ctr"/>
+                  <a:endParaRPr lang="en-US" sz="3200" b="1" dirty="0">
+                    <a:solidFill>
+                      <a:schemeClr val="tx1">
+                        <a:lumMod val="85000"/>
+                        <a:lumOff val="15000"/>
+                      </a:schemeClr>
+                    </a:solidFill>
+                  </a:endParaRPr>
+                </a:p>
+              </p:txBody>
+            </p:sp>
+            <p:sp>
+              <p:nvSpPr>
+                <p:cNvPr id="32" name="Rectangle 31">
+                  <a:extLst>
+                    <a:ext uri="{FF2B5EF4-FFF2-40B4-BE49-F238E27FC236}">
+                      <a16:creationId xmlns:a16="http://schemas.microsoft.com/office/drawing/2014/main" id="{5533A08C-2C62-9C10-273D-31834A26CD88}"/>
+                    </a:ext>
+                  </a:extLst>
+                </p:cNvPr>
+                <p:cNvSpPr/>
+                <p:nvPr/>
+              </p:nvSpPr>
+              <p:spPr>
+                <a:xfrm>
+                  <a:off x="2667000" y="2413265"/>
+                  <a:ext cx="914400" cy="575535"/>
+                </a:xfrm>
+                <a:prstGeom prst="rect">
+                  <a:avLst/>
+                </a:prstGeom>
+                <a:solidFill>
+                  <a:schemeClr val="accent6">
+                    <a:lumMod val="20000"/>
+                    <a:lumOff val="80000"/>
+                  </a:schemeClr>
+                </a:solidFill>
+                <a:ln>
+                  <a:solidFill>
+                    <a:schemeClr val="tx1"/>
+                  </a:solidFill>
+                </a:ln>
+              </p:spPr>
+              <p:style>
+                <a:lnRef idx="2">
+                  <a:schemeClr val="accent1">
+                    <a:shade val="15000"/>
+                  </a:schemeClr>
+                </a:lnRef>
+                <a:fillRef idx="1">
+                  <a:schemeClr val="accent1"/>
+                </a:fillRef>
+                <a:effectRef idx="0">
+                  <a:schemeClr val="accent1"/>
+                </a:effectRef>
+                <a:fontRef idx="minor">
+                  <a:schemeClr val="lt1"/>
+                </a:fontRef>
+              </p:style>
+              <p:txBody>
+                <a:bodyPr rtlCol="0" anchor="t"/>
+                <a:lstStyle/>
+                <a:p>
+                  <a:pPr algn="ctr"/>
+                  <a:endParaRPr lang="en-US" sz="3200" b="1" dirty="0">
+                    <a:solidFill>
+                      <a:schemeClr val="tx1">
+                        <a:lumMod val="85000"/>
+                        <a:lumOff val="15000"/>
+                      </a:schemeClr>
+                    </a:solidFill>
+                  </a:endParaRPr>
+                </a:p>
+              </p:txBody>
+            </p:sp>
+          </p:grpSp>
+          <p:grpSp>
+            <p:nvGrpSpPr>
+              <p:cNvPr id="43" name="Group 42">
+                <a:extLst>
+                  <a:ext uri="{FF2B5EF4-FFF2-40B4-BE49-F238E27FC236}">
+                    <a16:creationId xmlns:a16="http://schemas.microsoft.com/office/drawing/2014/main" id="{DA13CF8C-C570-263D-721C-C5218395AE88}"/>
+                  </a:ext>
+                </a:extLst>
+              </p:cNvPr>
+              <p:cNvGrpSpPr/>
+              <p:nvPr/>
+            </p:nvGrpSpPr>
+            <p:grpSpPr>
+              <a:xfrm>
+                <a:off x="4238697" y="1642431"/>
+                <a:ext cx="1407695" cy="409010"/>
+                <a:chOff x="838200" y="2112052"/>
+                <a:chExt cx="2743200" cy="876748"/>
+              </a:xfrm>
+            </p:grpSpPr>
+            <p:sp>
+              <p:nvSpPr>
+                <p:cNvPr id="44" name="Rectangle 43">
+                  <a:extLst>
+                    <a:ext uri="{FF2B5EF4-FFF2-40B4-BE49-F238E27FC236}">
+                      <a16:creationId xmlns:a16="http://schemas.microsoft.com/office/drawing/2014/main" id="{B0EB41ED-C140-613D-0559-A042D9E5DC45}"/>
+                    </a:ext>
+                  </a:extLst>
+                </p:cNvPr>
+                <p:cNvSpPr/>
+                <p:nvPr/>
+              </p:nvSpPr>
+              <p:spPr>
+                <a:xfrm>
+                  <a:off x="838200" y="2112052"/>
+                  <a:ext cx="914400" cy="301214"/>
+                </a:xfrm>
+                <a:prstGeom prst="rect">
+                  <a:avLst/>
+                </a:prstGeom>
+                <a:solidFill>
+                  <a:schemeClr val="accent2">
+                    <a:lumMod val="60000"/>
+                    <a:lumOff val="40000"/>
+                  </a:schemeClr>
+                </a:solidFill>
+                <a:ln>
+                  <a:solidFill>
+                    <a:schemeClr val="tx1"/>
+                  </a:solidFill>
+                </a:ln>
+              </p:spPr>
+              <p:style>
+                <a:lnRef idx="2">
+                  <a:schemeClr val="accent1">
+                    <a:shade val="15000"/>
+                  </a:schemeClr>
+                </a:lnRef>
+                <a:fillRef idx="1">
+                  <a:schemeClr val="accent1"/>
+                </a:fillRef>
+                <a:effectRef idx="0">
+                  <a:schemeClr val="accent1"/>
+                </a:effectRef>
+                <a:fontRef idx="minor">
+                  <a:schemeClr val="lt1"/>
+                </a:fontRef>
+              </p:style>
+              <p:txBody>
+                <a:bodyPr rtlCol="0" anchor="ctr"/>
+                <a:lstStyle/>
+                <a:p>
+                  <a:pPr algn="ctr"/>
+                  <a:endParaRPr lang="en-US" b="1" dirty="0">
+                    <a:solidFill>
+                      <a:schemeClr val="tx1">
+                        <a:lumMod val="85000"/>
+                        <a:lumOff val="15000"/>
+                      </a:schemeClr>
+                    </a:solidFill>
+                  </a:endParaRPr>
+                </a:p>
+              </p:txBody>
+            </p:sp>
+            <p:sp>
+              <p:nvSpPr>
+                <p:cNvPr id="45" name="Rectangle 44">
+                  <a:extLst>
+                    <a:ext uri="{FF2B5EF4-FFF2-40B4-BE49-F238E27FC236}">
+                      <a16:creationId xmlns:a16="http://schemas.microsoft.com/office/drawing/2014/main" id="{A560D7CF-89AA-D16F-B3A9-9841E001AC29}"/>
+                    </a:ext>
+                  </a:extLst>
+                </p:cNvPr>
+                <p:cNvSpPr/>
+                <p:nvPr/>
+              </p:nvSpPr>
+              <p:spPr>
+                <a:xfrm>
+                  <a:off x="1752600" y="2112052"/>
+                  <a:ext cx="914400" cy="301214"/>
+                </a:xfrm>
+                <a:prstGeom prst="rect">
+                  <a:avLst/>
+                </a:prstGeom>
+                <a:solidFill>
+                  <a:schemeClr val="accent2">
+                    <a:lumMod val="60000"/>
+                    <a:lumOff val="40000"/>
+                  </a:schemeClr>
+                </a:solidFill>
+                <a:ln>
+                  <a:solidFill>
+                    <a:schemeClr val="tx1"/>
+                  </a:solidFill>
+                </a:ln>
+              </p:spPr>
+              <p:style>
+                <a:lnRef idx="2">
+                  <a:schemeClr val="accent1">
+                    <a:shade val="15000"/>
+                  </a:schemeClr>
+                </a:lnRef>
+                <a:fillRef idx="1">
+                  <a:schemeClr val="accent1"/>
+                </a:fillRef>
+                <a:effectRef idx="0">
+                  <a:schemeClr val="accent1"/>
+                </a:effectRef>
+                <a:fontRef idx="minor">
+                  <a:schemeClr val="lt1"/>
+                </a:fontRef>
+              </p:style>
+              <p:txBody>
+                <a:bodyPr rtlCol="0" anchor="ctr"/>
+                <a:lstStyle/>
+                <a:p>
+                  <a:pPr algn="ctr"/>
+                  <a:endParaRPr lang="en-US" b="1" dirty="0">
+                    <a:solidFill>
+                      <a:schemeClr val="tx1">
+                        <a:lumMod val="85000"/>
+                        <a:lumOff val="15000"/>
+                      </a:schemeClr>
+                    </a:solidFill>
+                  </a:endParaRPr>
+                </a:p>
+              </p:txBody>
+            </p:sp>
+            <p:sp>
+              <p:nvSpPr>
+                <p:cNvPr id="46" name="Rectangle 45">
+                  <a:extLst>
+                    <a:ext uri="{FF2B5EF4-FFF2-40B4-BE49-F238E27FC236}">
+                      <a16:creationId xmlns:a16="http://schemas.microsoft.com/office/drawing/2014/main" id="{15B8F251-B421-696B-AB53-E3611939F08A}"/>
+                    </a:ext>
+                  </a:extLst>
+                </p:cNvPr>
+                <p:cNvSpPr/>
+                <p:nvPr/>
+              </p:nvSpPr>
+              <p:spPr>
+                <a:xfrm>
+                  <a:off x="2667000" y="2112052"/>
+                  <a:ext cx="914400" cy="301214"/>
+                </a:xfrm>
+                <a:prstGeom prst="rect">
+                  <a:avLst/>
+                </a:prstGeom>
+                <a:solidFill>
+                  <a:schemeClr val="accent2">
+                    <a:lumMod val="60000"/>
+                    <a:lumOff val="40000"/>
+                  </a:schemeClr>
+                </a:solidFill>
+                <a:ln>
+                  <a:solidFill>
+                    <a:schemeClr val="tx1"/>
+                  </a:solidFill>
+                </a:ln>
+              </p:spPr>
+              <p:style>
+                <a:lnRef idx="2">
+                  <a:schemeClr val="accent1">
+                    <a:shade val="15000"/>
+                  </a:schemeClr>
+                </a:lnRef>
+                <a:fillRef idx="1">
+                  <a:schemeClr val="accent1"/>
+                </a:fillRef>
+                <a:effectRef idx="0">
+                  <a:schemeClr val="accent1"/>
+                </a:effectRef>
+                <a:fontRef idx="minor">
+                  <a:schemeClr val="lt1"/>
+                </a:fontRef>
+              </p:style>
+              <p:txBody>
+                <a:bodyPr rtlCol="0" anchor="ctr"/>
+                <a:lstStyle/>
+                <a:p>
+                  <a:pPr algn="ctr"/>
+                  <a:endParaRPr lang="en-US" b="1" dirty="0">
+                    <a:solidFill>
+                      <a:schemeClr val="tx1">
+                        <a:lumMod val="85000"/>
+                        <a:lumOff val="15000"/>
+                      </a:schemeClr>
+                    </a:solidFill>
+                  </a:endParaRPr>
+                </a:p>
+              </p:txBody>
+            </p:sp>
+            <p:sp>
+              <p:nvSpPr>
+                <p:cNvPr id="47" name="Rectangle 46">
+                  <a:extLst>
+                    <a:ext uri="{FF2B5EF4-FFF2-40B4-BE49-F238E27FC236}">
+                      <a16:creationId xmlns:a16="http://schemas.microsoft.com/office/drawing/2014/main" id="{8C6BE1FA-32C3-F219-54DE-5ECD31E5557B}"/>
+                    </a:ext>
+                  </a:extLst>
+                </p:cNvPr>
+                <p:cNvSpPr/>
+                <p:nvPr/>
+              </p:nvSpPr>
+              <p:spPr>
+                <a:xfrm>
+                  <a:off x="838200" y="2413265"/>
+                  <a:ext cx="914400" cy="575535"/>
+                </a:xfrm>
+                <a:prstGeom prst="rect">
+                  <a:avLst/>
+                </a:prstGeom>
+                <a:solidFill>
+                  <a:schemeClr val="accent2">
+                    <a:lumMod val="20000"/>
+                    <a:lumOff val="80000"/>
+                  </a:schemeClr>
+                </a:solidFill>
+                <a:ln>
+                  <a:solidFill>
+                    <a:schemeClr val="tx1"/>
+                  </a:solidFill>
+                </a:ln>
+              </p:spPr>
+              <p:style>
+                <a:lnRef idx="2">
+                  <a:schemeClr val="accent1">
+                    <a:shade val="15000"/>
+                  </a:schemeClr>
+                </a:lnRef>
+                <a:fillRef idx="1">
+                  <a:schemeClr val="accent1"/>
+                </a:fillRef>
+                <a:effectRef idx="0">
+                  <a:schemeClr val="accent1"/>
+                </a:effectRef>
+                <a:fontRef idx="minor">
+                  <a:schemeClr val="lt1"/>
+                </a:fontRef>
+              </p:style>
+              <p:txBody>
+                <a:bodyPr rtlCol="0" anchor="t"/>
+                <a:lstStyle/>
+                <a:p>
+                  <a:pPr algn="ctr"/>
+                  <a:endParaRPr lang="en-US" sz="3200" b="1" dirty="0">
+                    <a:solidFill>
+                      <a:schemeClr val="tx1">
+                        <a:lumMod val="85000"/>
+                        <a:lumOff val="15000"/>
+                      </a:schemeClr>
+                    </a:solidFill>
+                  </a:endParaRPr>
+                </a:p>
+              </p:txBody>
+            </p:sp>
+            <p:sp>
+              <p:nvSpPr>
+                <p:cNvPr id="48" name="Rectangle 47">
+                  <a:extLst>
+                    <a:ext uri="{FF2B5EF4-FFF2-40B4-BE49-F238E27FC236}">
+                      <a16:creationId xmlns:a16="http://schemas.microsoft.com/office/drawing/2014/main" id="{BC5258B5-5BA3-A11B-81B3-F958D5CCD463}"/>
+                    </a:ext>
+                  </a:extLst>
+                </p:cNvPr>
+                <p:cNvSpPr/>
+                <p:nvPr/>
+              </p:nvSpPr>
+              <p:spPr>
+                <a:xfrm>
+                  <a:off x="1752600" y="2413265"/>
+                  <a:ext cx="914400" cy="575535"/>
+                </a:xfrm>
+                <a:prstGeom prst="rect">
+                  <a:avLst/>
+                </a:prstGeom>
+                <a:solidFill>
+                  <a:schemeClr val="accent2">
+                    <a:lumMod val="20000"/>
+                    <a:lumOff val="80000"/>
+                  </a:schemeClr>
+                </a:solidFill>
+                <a:ln>
+                  <a:solidFill>
+                    <a:schemeClr val="tx1"/>
+                  </a:solidFill>
+                </a:ln>
+              </p:spPr>
+              <p:style>
+                <a:lnRef idx="2">
+                  <a:schemeClr val="accent1">
+                    <a:shade val="15000"/>
+                  </a:schemeClr>
+                </a:lnRef>
+                <a:fillRef idx="1">
+                  <a:schemeClr val="accent1"/>
+                </a:fillRef>
+                <a:effectRef idx="0">
+                  <a:schemeClr val="accent1"/>
+                </a:effectRef>
+                <a:fontRef idx="minor">
+                  <a:schemeClr val="lt1"/>
+                </a:fontRef>
+              </p:style>
+              <p:txBody>
+                <a:bodyPr rtlCol="0" anchor="t"/>
+                <a:lstStyle/>
+                <a:p>
+                  <a:pPr algn="ctr"/>
+                  <a:endParaRPr lang="en-US" sz="3200" b="1" dirty="0">
+                    <a:solidFill>
+                      <a:schemeClr val="tx1">
+                        <a:lumMod val="85000"/>
+                        <a:lumOff val="15000"/>
+                      </a:schemeClr>
+                    </a:solidFill>
+                  </a:endParaRPr>
+                </a:p>
+              </p:txBody>
+            </p:sp>
+            <p:sp>
+              <p:nvSpPr>
+                <p:cNvPr id="49" name="Rectangle 48">
+                  <a:extLst>
+                    <a:ext uri="{FF2B5EF4-FFF2-40B4-BE49-F238E27FC236}">
+                      <a16:creationId xmlns:a16="http://schemas.microsoft.com/office/drawing/2014/main" id="{9BC50C0E-85C2-E198-71A0-0847D7FC5011}"/>
+                    </a:ext>
+                  </a:extLst>
+                </p:cNvPr>
+                <p:cNvSpPr/>
+                <p:nvPr/>
+              </p:nvSpPr>
+              <p:spPr>
+                <a:xfrm>
+                  <a:off x="2667000" y="2413265"/>
+                  <a:ext cx="914400" cy="575535"/>
+                </a:xfrm>
+                <a:prstGeom prst="rect">
+                  <a:avLst/>
+                </a:prstGeom>
+                <a:solidFill>
+                  <a:schemeClr val="accent2">
+                    <a:lumMod val="20000"/>
+                    <a:lumOff val="80000"/>
+                  </a:schemeClr>
+                </a:solidFill>
+                <a:ln>
+                  <a:solidFill>
+                    <a:schemeClr val="tx1"/>
+                  </a:solidFill>
+                </a:ln>
+              </p:spPr>
+              <p:style>
+                <a:lnRef idx="2">
+                  <a:schemeClr val="accent1">
+                    <a:shade val="15000"/>
+                  </a:schemeClr>
+                </a:lnRef>
+                <a:fillRef idx="1">
+                  <a:schemeClr val="accent1"/>
+                </a:fillRef>
+                <a:effectRef idx="0">
+                  <a:schemeClr val="accent1"/>
+                </a:effectRef>
+                <a:fontRef idx="minor">
+                  <a:schemeClr val="lt1"/>
+                </a:fontRef>
+              </p:style>
+              <p:txBody>
+                <a:bodyPr rtlCol="0" anchor="t"/>
+                <a:lstStyle/>
+                <a:p>
+                  <a:pPr algn="ctr"/>
+                  <a:endParaRPr lang="en-US" sz="3200" b="1" dirty="0">
+                    <a:solidFill>
+                      <a:schemeClr val="tx1">
+                        <a:lumMod val="85000"/>
+                        <a:lumOff val="15000"/>
+                      </a:schemeClr>
+                    </a:solidFill>
+                  </a:endParaRPr>
+                </a:p>
+              </p:txBody>
+            </p:sp>
+          </p:grpSp>
+        </p:grpSp>
+        <p:pic>
+          <p:nvPicPr>
+            <p:cNvPr id="1026" name="Picture 2" descr="Free Folder SVG, PNG Icon, Symbol. Download Image.">
+              <a:extLst>
+                <a:ext uri="{FF2B5EF4-FFF2-40B4-BE49-F238E27FC236}">
+                  <a16:creationId xmlns:a16="http://schemas.microsoft.com/office/drawing/2014/main" id="{72A1FD69-BDCA-4DEC-9D96-D4E2FCF0016C}"/>
+                </a:ext>
+              </a:extLst>
+            </p:cNvPr>
+            <p:cNvPicPr>
+              <a:picLocks noChangeAspect="1" noChangeArrowheads="1"/>
+            </p:cNvPicPr>
+            <p:nvPr/>
+          </p:nvPicPr>
+          <p:blipFill rotWithShape="1">
+            <a:blip r:embed="rId3">
+              <a:grayscl/>
+              <a:extLst>
+                <a:ext uri="{28A0092B-C50C-407E-A947-70E740481C1C}">
+                  <a14:useLocalDpi xmlns:a14="http://schemas.microsoft.com/office/drawing/2010/main" val="0"/>
+                </a:ext>
+              </a:extLst>
+            </a:blip>
+            <a:srcRect l="4655" t="9458" r="4655" b="9974"/>
+            <a:stretch/>
+          </p:blipFill>
+          <p:spPr bwMode="auto">
+            <a:xfrm>
+              <a:off x="4047968" y="770333"/>
+              <a:ext cx="796864" cy="707932"/>
+            </a:xfrm>
+            <a:prstGeom prst="rect">
+              <a:avLst/>
+            </a:prstGeom>
+            <a:noFill/>
+            <a:extLst>
+              <a:ext uri="{909E8E84-426E-40DD-AFC4-6F175D3DCCD1}">
+                <a14:hiddenFill xmlns:a14="http://schemas.microsoft.com/office/drawing/2010/main">
+                  <a:solidFill>
+                    <a:srgbClr val="FFFFFF"/>
+                  </a:solidFill>
+                </a14:hiddenFill>
+              </a:ext>
+            </a:extLst>
+          </p:spPr>
+        </p:pic>
+        <p:sp>
+          <p:nvSpPr>
+            <p:cNvPr id="64" name="TextBox 63">
+              <a:extLst>
+                <a:ext uri="{FF2B5EF4-FFF2-40B4-BE49-F238E27FC236}">
+                  <a16:creationId xmlns:a16="http://schemas.microsoft.com/office/drawing/2014/main" id="{6BF29BF9-FF53-91C4-F2E9-AA8BAF593C25}"/>
+                </a:ext>
+              </a:extLst>
+            </p:cNvPr>
+            <p:cNvSpPr txBox="1"/>
+            <p:nvPr/>
+          </p:nvSpPr>
+          <p:spPr>
+            <a:xfrm>
+              <a:off x="4793037" y="1078155"/>
+              <a:ext cx="2049198" cy="400110"/>
+            </a:xfrm>
+            <a:prstGeom prst="rect">
+              <a:avLst/>
+            </a:prstGeom>
+            <a:noFill/>
+          </p:spPr>
+          <p:txBody>
+            <a:bodyPr wrap="square" rtlCol="0">
+              <a:spAutoFit/>
+            </a:bodyPr>
+            <a:lstStyle/>
+            <a:p>
+              <a:r>
+                <a:rPr lang="en-US" sz="2000" b="1" dirty="0">
+                  <a:solidFill>
+                    <a:schemeClr val="tx1">
+                      <a:lumMod val="50000"/>
+                      <a:lumOff val="50000"/>
+                    </a:schemeClr>
+                  </a:solidFill>
+                </a:rPr>
+                <a:t>Raw Data Folder</a:t>
+              </a:r>
+            </a:p>
+          </p:txBody>
+        </p:sp>
+      </p:grpSp>
+      <p:grpSp>
+        <p:nvGrpSpPr>
+          <p:cNvPr id="1029" name="Group 1028">
+            <a:extLst>
+              <a:ext uri="{FF2B5EF4-FFF2-40B4-BE49-F238E27FC236}">
+                <a16:creationId xmlns:a16="http://schemas.microsoft.com/office/drawing/2014/main" id="{99757788-C050-997D-8F83-A135144073F1}"/>
+              </a:ext>
+            </a:extLst>
+          </p:cNvPr>
+          <p:cNvGrpSpPr/>
+          <p:nvPr/>
+        </p:nvGrpSpPr>
+        <p:grpSpPr>
+          <a:xfrm>
+            <a:off x="4808829" y="3025993"/>
+            <a:ext cx="1846646" cy="552286"/>
+            <a:chOff x="5134831" y="4968366"/>
+            <a:chExt cx="1846646" cy="552286"/>
+          </a:xfrm>
+        </p:grpSpPr>
+        <p:sp>
+          <p:nvSpPr>
+            <p:cNvPr id="180" name="Down Arrow 179">
+              <a:extLst>
+                <a:ext uri="{FF2B5EF4-FFF2-40B4-BE49-F238E27FC236}">
+                  <a16:creationId xmlns:a16="http://schemas.microsoft.com/office/drawing/2014/main" id="{BEC7C944-1A7F-F387-BB5F-BCA7FA20F109}"/>
+                </a:ext>
+              </a:extLst>
+            </p:cNvPr>
+            <p:cNvSpPr/>
+            <p:nvPr/>
+          </p:nvSpPr>
+          <p:spPr>
+            <a:xfrm>
+              <a:off x="5134831" y="4968366"/>
+              <a:ext cx="331011" cy="552286"/>
+            </a:xfrm>
+            <a:prstGeom prst="downArrow">
+              <a:avLst/>
+            </a:prstGeom>
+            <a:solidFill>
+              <a:schemeClr val="bg1"/>
+            </a:solidFill>
+            <a:ln>
+              <a:solidFill>
+                <a:schemeClr val="tx1">
+                  <a:lumMod val="75000"/>
+                  <a:lumOff val="25000"/>
+                </a:schemeClr>
+              </a:solidFill>
+            </a:ln>
+          </p:spPr>
+          <p:style>
+            <a:lnRef idx="2">
+              <a:schemeClr val="accent1">
+                <a:shade val="15000"/>
+              </a:schemeClr>
+            </a:lnRef>
+            <a:fillRef idx="1">
+              <a:schemeClr val="accent1"/>
+            </a:fillRef>
+            <a:effectRef idx="0">
+              <a:schemeClr val="accent1"/>
+            </a:effectRef>
+            <a:fontRef idx="minor">
+              <a:schemeClr val="lt1"/>
+            </a:fontRef>
+          </p:style>
+          <p:txBody>
+            <a:bodyPr rtlCol="0" anchor="ctr"/>
+            <a:lstStyle/>
+            <a:p>
+              <a:pPr algn="ctr"/>
+              <a:endParaRPr lang="en-US"/>
+            </a:p>
+          </p:txBody>
+        </p:sp>
+        <p:grpSp>
+          <p:nvGrpSpPr>
+            <p:cNvPr id="76" name="Group 75">
+              <a:extLst>
+                <a:ext uri="{FF2B5EF4-FFF2-40B4-BE49-F238E27FC236}">
+                  <a16:creationId xmlns:a16="http://schemas.microsoft.com/office/drawing/2014/main" id="{3BDC3E28-9525-544B-2540-C7289B7E3066}"/>
+                </a:ext>
+              </a:extLst>
+            </p:cNvPr>
+            <p:cNvGrpSpPr/>
+            <p:nvPr/>
+          </p:nvGrpSpPr>
+          <p:grpSpPr>
+            <a:xfrm>
+              <a:off x="5558415" y="5059843"/>
+              <a:ext cx="1423062" cy="369332"/>
+              <a:chOff x="4411344" y="2004919"/>
+              <a:chExt cx="1423062" cy="369332"/>
+            </a:xfrm>
+          </p:grpSpPr>
+          <p:sp>
+            <p:nvSpPr>
+              <p:cNvPr id="77" name="Oval 76">
+                <a:extLst>
+                  <a:ext uri="{FF2B5EF4-FFF2-40B4-BE49-F238E27FC236}">
+                    <a16:creationId xmlns:a16="http://schemas.microsoft.com/office/drawing/2014/main" id="{F66658CE-5812-038E-03E4-4AFD3D0C5427}"/>
+                  </a:ext>
+                </a:extLst>
+              </p:cNvPr>
+              <p:cNvSpPr>
+                <a:spLocks noChangeAspect="1"/>
+              </p:cNvSpPr>
+              <p:nvPr/>
+            </p:nvSpPr>
+            <p:spPr>
+              <a:xfrm>
+                <a:off x="4411344" y="2037915"/>
+                <a:ext cx="291356" cy="291356"/>
+              </a:xfrm>
+              <a:prstGeom prst="ellipse">
+                <a:avLst/>
+              </a:prstGeom>
+              <a:solidFill>
+                <a:schemeClr val="tx1"/>
+              </a:solidFill>
+            </p:spPr>
+            <p:style>
+              <a:lnRef idx="2">
+                <a:schemeClr val="accent1">
+                  <a:shade val="15000"/>
+                </a:schemeClr>
+              </a:lnRef>
+              <a:fillRef idx="1">
+                <a:schemeClr val="accent1"/>
+              </a:fillRef>
+              <a:effectRef idx="0">
+                <a:schemeClr val="accent1"/>
+              </a:effectRef>
+              <a:fontRef idx="minor">
+                <a:schemeClr val="lt1"/>
+              </a:fontRef>
+            </p:style>
+            <p:txBody>
+              <a:bodyPr rtlCol="0" anchor="ctr"/>
+              <a:lstStyle/>
+              <a:p>
+                <a:pPr algn="ctr"/>
+                <a:r>
+                  <a:rPr lang="en-US" b="1" dirty="0"/>
+                  <a:t>1</a:t>
+                </a:r>
+              </a:p>
+            </p:txBody>
+          </p:sp>
+          <p:sp>
+            <p:nvSpPr>
+              <p:cNvPr id="78" name="TextBox 77">
+                <a:extLst>
+                  <a:ext uri="{FF2B5EF4-FFF2-40B4-BE49-F238E27FC236}">
+                    <a16:creationId xmlns:a16="http://schemas.microsoft.com/office/drawing/2014/main" id="{0BC1B3E3-74C5-A166-93A9-45A7B99F3ACF}"/>
+                  </a:ext>
+                </a:extLst>
+              </p:cNvPr>
+              <p:cNvSpPr txBox="1"/>
+              <p:nvPr/>
+            </p:nvSpPr>
+            <p:spPr>
+              <a:xfrm>
+                <a:off x="4668702" y="2004919"/>
+                <a:ext cx="1165704" cy="369332"/>
+              </a:xfrm>
+              <a:prstGeom prst="rect">
+                <a:avLst/>
+              </a:prstGeom>
+              <a:noFill/>
+            </p:spPr>
+            <p:txBody>
+              <a:bodyPr wrap="none" rtlCol="0">
+                <a:spAutoFit/>
+              </a:bodyPr>
+              <a:lstStyle/>
+              <a:p>
+                <a:r>
+                  <a:rPr lang="en-US" b="1" dirty="0"/>
+                  <a:t>Fix Names</a:t>
+                </a:r>
+              </a:p>
+            </p:txBody>
+          </p:sp>
+        </p:grpSp>
+      </p:grpSp>
+      <p:grpSp>
+        <p:nvGrpSpPr>
+          <p:cNvPr id="1069" name="Group 1068">
+            <a:extLst>
+              <a:ext uri="{FF2B5EF4-FFF2-40B4-BE49-F238E27FC236}">
+                <a16:creationId xmlns:a16="http://schemas.microsoft.com/office/drawing/2014/main" id="{BFE0AB0B-0CA5-7EA7-B8D6-0C198AB74343}"/>
+              </a:ext>
+            </a:extLst>
+          </p:cNvPr>
+          <p:cNvGrpSpPr/>
+          <p:nvPr/>
+        </p:nvGrpSpPr>
+        <p:grpSpPr>
+          <a:xfrm>
+            <a:off x="3807331" y="5318955"/>
+            <a:ext cx="1891864" cy="1206635"/>
+            <a:chOff x="7140663" y="5171659"/>
+            <a:chExt cx="1891864" cy="1206635"/>
+          </a:xfrm>
+        </p:grpSpPr>
+        <p:sp>
+          <p:nvSpPr>
+            <p:cNvPr id="154" name="Rectangle 153">
+              <a:extLst>
+                <a:ext uri="{FF2B5EF4-FFF2-40B4-BE49-F238E27FC236}">
+                  <a16:creationId xmlns:a16="http://schemas.microsoft.com/office/drawing/2014/main" id="{646F6073-410D-56AD-59B4-EACF0C7A9D5B}"/>
+                </a:ext>
+              </a:extLst>
+            </p:cNvPr>
+            <p:cNvSpPr/>
+            <p:nvPr/>
+          </p:nvSpPr>
+          <p:spPr>
+            <a:xfrm>
+              <a:off x="7140663" y="5171659"/>
+              <a:ext cx="469231" cy="140519"/>
+            </a:xfrm>
+            <a:prstGeom prst="rect">
+              <a:avLst/>
+            </a:prstGeom>
+            <a:solidFill>
+              <a:schemeClr val="accent5">
+                <a:lumMod val="40000"/>
+                <a:lumOff val="60000"/>
+              </a:schemeClr>
+            </a:solidFill>
+            <a:ln>
+              <a:solidFill>
+                <a:schemeClr val="tx1"/>
+              </a:solidFill>
+            </a:ln>
+          </p:spPr>
+          <p:style>
+            <a:lnRef idx="2">
+              <a:schemeClr val="accent1">
+                <a:shade val="15000"/>
+              </a:schemeClr>
+            </a:lnRef>
+            <a:fillRef idx="1">
+              <a:schemeClr val="accent1"/>
+            </a:fillRef>
+            <a:effectRef idx="0">
+              <a:schemeClr val="accent1"/>
+            </a:effectRef>
+            <a:fontRef idx="minor">
+              <a:schemeClr val="lt1"/>
+            </a:fontRef>
+          </p:style>
+          <p:txBody>
+            <a:bodyPr rtlCol="0" anchor="ctr"/>
+            <a:lstStyle/>
+            <a:p>
+              <a:pPr algn="ctr"/>
+              <a:endParaRPr lang="en-US" b="1" dirty="0">
+                <a:solidFill>
+                  <a:schemeClr val="tx1">
+                    <a:lumMod val="85000"/>
+                    <a:lumOff val="15000"/>
+                  </a:schemeClr>
+                </a:solidFill>
+              </a:endParaRPr>
+            </a:p>
+          </p:txBody>
+        </p:sp>
+        <p:sp>
+          <p:nvSpPr>
+            <p:cNvPr id="182" name="Rectangle 181">
+              <a:extLst>
+                <a:ext uri="{FF2B5EF4-FFF2-40B4-BE49-F238E27FC236}">
+                  <a16:creationId xmlns:a16="http://schemas.microsoft.com/office/drawing/2014/main" id="{9DE03A33-14BD-C8EC-C4BD-56FE32E98DA0}"/>
+                </a:ext>
+              </a:extLst>
+            </p:cNvPr>
+            <p:cNvSpPr/>
+            <p:nvPr/>
+          </p:nvSpPr>
+          <p:spPr>
+            <a:xfrm>
+              <a:off x="7609895" y="5171659"/>
+              <a:ext cx="469231" cy="140519"/>
+            </a:xfrm>
+            <a:prstGeom prst="rect">
+              <a:avLst/>
+            </a:prstGeom>
+            <a:solidFill>
+              <a:schemeClr val="accent5">
+                <a:lumMod val="40000"/>
+                <a:lumOff val="60000"/>
+              </a:schemeClr>
+            </a:solidFill>
+            <a:ln>
+              <a:solidFill>
+                <a:schemeClr val="tx1"/>
+              </a:solidFill>
+            </a:ln>
+          </p:spPr>
+          <p:style>
+            <a:lnRef idx="2">
+              <a:schemeClr val="accent1">
+                <a:shade val="15000"/>
+              </a:schemeClr>
+            </a:lnRef>
+            <a:fillRef idx="1">
+              <a:schemeClr val="accent1"/>
+            </a:fillRef>
+            <a:effectRef idx="0">
+              <a:schemeClr val="accent1"/>
+            </a:effectRef>
+            <a:fontRef idx="minor">
+              <a:schemeClr val="lt1"/>
+            </a:fontRef>
+          </p:style>
+          <p:txBody>
+            <a:bodyPr rtlCol="0" anchor="ctr"/>
+            <a:lstStyle/>
+            <a:p>
+              <a:pPr algn="ctr"/>
+              <a:endParaRPr lang="en-US" b="1" dirty="0">
+                <a:solidFill>
+                  <a:schemeClr val="tx1">
+                    <a:lumMod val="85000"/>
+                    <a:lumOff val="15000"/>
+                  </a:schemeClr>
+                </a:solidFill>
+              </a:endParaRPr>
+            </a:p>
+          </p:txBody>
+        </p:sp>
+        <p:sp>
+          <p:nvSpPr>
+            <p:cNvPr id="188" name="Rectangle 187">
+              <a:extLst>
+                <a:ext uri="{FF2B5EF4-FFF2-40B4-BE49-F238E27FC236}">
+                  <a16:creationId xmlns:a16="http://schemas.microsoft.com/office/drawing/2014/main" id="{B60EC60E-FF91-DD65-32A7-683AD5093F20}"/>
+                </a:ext>
+              </a:extLst>
+            </p:cNvPr>
+            <p:cNvSpPr/>
+            <p:nvPr/>
+          </p:nvSpPr>
+          <p:spPr>
+            <a:xfrm>
+              <a:off x="7140663" y="5312177"/>
+              <a:ext cx="469231" cy="268492"/>
+            </a:xfrm>
+            <a:prstGeom prst="rect">
+              <a:avLst/>
+            </a:prstGeom>
+            <a:solidFill>
+              <a:schemeClr val="accent4">
+                <a:lumMod val="20000"/>
+                <a:lumOff val="80000"/>
+              </a:schemeClr>
+            </a:solidFill>
+            <a:ln>
+              <a:solidFill>
+                <a:schemeClr val="tx1"/>
+              </a:solidFill>
+            </a:ln>
+          </p:spPr>
+          <p:style>
+            <a:lnRef idx="2">
+              <a:schemeClr val="accent1">
+                <a:shade val="15000"/>
+              </a:schemeClr>
+            </a:lnRef>
+            <a:fillRef idx="1">
+              <a:schemeClr val="accent1"/>
+            </a:fillRef>
+            <a:effectRef idx="0">
+              <a:schemeClr val="accent1"/>
+            </a:effectRef>
+            <a:fontRef idx="minor">
+              <a:schemeClr val="lt1"/>
+            </a:fontRef>
+          </p:style>
+          <p:txBody>
+            <a:bodyPr rtlCol="0" anchor="t"/>
+            <a:lstStyle/>
+            <a:p>
+              <a:pPr algn="ctr"/>
+              <a:endParaRPr lang="en-US" sz="3200" b="1" dirty="0">
+                <a:solidFill>
+                  <a:schemeClr val="tx1">
+                    <a:lumMod val="85000"/>
+                    <a:lumOff val="15000"/>
+                  </a:schemeClr>
+                </a:solidFill>
+              </a:endParaRPr>
+            </a:p>
+          </p:txBody>
+        </p:sp>
+        <p:sp>
+          <p:nvSpPr>
+            <p:cNvPr id="189" name="Rectangle 188">
+              <a:extLst>
+                <a:ext uri="{FF2B5EF4-FFF2-40B4-BE49-F238E27FC236}">
+                  <a16:creationId xmlns:a16="http://schemas.microsoft.com/office/drawing/2014/main" id="{30C37F6A-4865-212C-9021-1874B7B048C9}"/>
+                </a:ext>
+              </a:extLst>
+            </p:cNvPr>
+            <p:cNvSpPr/>
+            <p:nvPr/>
+          </p:nvSpPr>
+          <p:spPr>
+            <a:xfrm>
+              <a:off x="7609895" y="5312177"/>
+              <a:ext cx="469231" cy="268492"/>
+            </a:xfrm>
+            <a:prstGeom prst="rect">
+              <a:avLst/>
+            </a:prstGeom>
+            <a:solidFill>
+              <a:schemeClr val="accent4">
+                <a:lumMod val="20000"/>
+                <a:lumOff val="80000"/>
+              </a:schemeClr>
+            </a:solidFill>
+            <a:ln>
+              <a:solidFill>
+                <a:schemeClr val="tx1"/>
+              </a:solidFill>
+            </a:ln>
+          </p:spPr>
+          <p:style>
+            <a:lnRef idx="2">
+              <a:schemeClr val="accent1">
+                <a:shade val="15000"/>
+              </a:schemeClr>
+            </a:lnRef>
+            <a:fillRef idx="1">
+              <a:schemeClr val="accent1"/>
+            </a:fillRef>
+            <a:effectRef idx="0">
+              <a:schemeClr val="accent1"/>
+            </a:effectRef>
+            <a:fontRef idx="minor">
+              <a:schemeClr val="lt1"/>
+            </a:fontRef>
+          </p:style>
+          <p:txBody>
+            <a:bodyPr rtlCol="0" anchor="t"/>
+            <a:lstStyle/>
+            <a:p>
+              <a:pPr algn="ctr"/>
+              <a:endParaRPr lang="en-US" sz="3200" b="1" dirty="0">
+                <a:solidFill>
+                  <a:schemeClr val="tx1">
+                    <a:lumMod val="85000"/>
+                    <a:lumOff val="15000"/>
+                  </a:schemeClr>
+                </a:solidFill>
+              </a:endParaRPr>
+            </a:p>
+          </p:txBody>
+        </p:sp>
+        <p:sp>
+          <p:nvSpPr>
+            <p:cNvPr id="148" name="Rectangle 147">
+              <a:extLst>
+                <a:ext uri="{FF2B5EF4-FFF2-40B4-BE49-F238E27FC236}">
+                  <a16:creationId xmlns:a16="http://schemas.microsoft.com/office/drawing/2014/main" id="{931CDB98-5A7D-893D-0D52-AAD632510E7F}"/>
+                </a:ext>
+              </a:extLst>
+            </p:cNvPr>
+            <p:cNvSpPr/>
+            <p:nvPr/>
+          </p:nvSpPr>
+          <p:spPr>
+            <a:xfrm>
+              <a:off x="7302053" y="5432302"/>
+              <a:ext cx="469232" cy="140519"/>
+            </a:xfrm>
+            <a:prstGeom prst="rect">
+              <a:avLst/>
+            </a:prstGeom>
+            <a:solidFill>
+              <a:schemeClr val="accent5">
+                <a:lumMod val="40000"/>
+                <a:lumOff val="60000"/>
+              </a:schemeClr>
+            </a:solidFill>
+            <a:ln>
+              <a:solidFill>
+                <a:schemeClr val="tx1"/>
+              </a:solidFill>
+            </a:ln>
+          </p:spPr>
+          <p:style>
+            <a:lnRef idx="2">
+              <a:schemeClr val="accent1">
+                <a:shade val="15000"/>
+              </a:schemeClr>
+            </a:lnRef>
+            <a:fillRef idx="1">
+              <a:schemeClr val="accent1"/>
+            </a:fillRef>
+            <a:effectRef idx="0">
+              <a:schemeClr val="accent1"/>
+            </a:effectRef>
+            <a:fontRef idx="minor">
+              <a:schemeClr val="lt1"/>
+            </a:fontRef>
+          </p:style>
+          <p:txBody>
+            <a:bodyPr rtlCol="0" anchor="ctr"/>
+            <a:lstStyle/>
+            <a:p>
+              <a:pPr algn="ctr"/>
+              <a:endParaRPr lang="en-US" b="1" dirty="0">
+                <a:solidFill>
+                  <a:schemeClr val="tx1">
+                    <a:lumMod val="85000"/>
+                    <a:lumOff val="15000"/>
+                  </a:schemeClr>
+                </a:solidFill>
+              </a:endParaRPr>
+            </a:p>
+          </p:txBody>
+        </p:sp>
+        <p:sp>
+          <p:nvSpPr>
+            <p:cNvPr id="149" name="Rectangle 148">
+              <a:extLst>
+                <a:ext uri="{FF2B5EF4-FFF2-40B4-BE49-F238E27FC236}">
+                  <a16:creationId xmlns:a16="http://schemas.microsoft.com/office/drawing/2014/main" id="{42A63483-58AE-0BDC-4EF0-5F4ECF402728}"/>
+                </a:ext>
+              </a:extLst>
+            </p:cNvPr>
+            <p:cNvSpPr/>
+            <p:nvPr/>
+          </p:nvSpPr>
+          <p:spPr>
+            <a:xfrm>
+              <a:off x="7771285" y="5432302"/>
+              <a:ext cx="469232" cy="140519"/>
+            </a:xfrm>
+            <a:prstGeom prst="rect">
+              <a:avLst/>
+            </a:prstGeom>
+            <a:solidFill>
+              <a:schemeClr val="accent5">
+                <a:lumMod val="40000"/>
+                <a:lumOff val="60000"/>
+              </a:schemeClr>
+            </a:solidFill>
+            <a:ln>
+              <a:solidFill>
+                <a:schemeClr val="tx1"/>
+              </a:solidFill>
+            </a:ln>
+          </p:spPr>
+          <p:style>
+            <a:lnRef idx="2">
+              <a:schemeClr val="accent1">
+                <a:shade val="15000"/>
+              </a:schemeClr>
+            </a:lnRef>
+            <a:fillRef idx="1">
+              <a:schemeClr val="accent1"/>
+            </a:fillRef>
+            <a:effectRef idx="0">
+              <a:schemeClr val="accent1"/>
+            </a:effectRef>
+            <a:fontRef idx="minor">
+              <a:schemeClr val="lt1"/>
+            </a:fontRef>
+          </p:style>
+          <p:txBody>
+            <a:bodyPr rtlCol="0" anchor="ctr"/>
+            <a:lstStyle/>
+            <a:p>
+              <a:pPr algn="ctr"/>
+              <a:endParaRPr lang="en-US" b="1" dirty="0">
+                <a:solidFill>
+                  <a:schemeClr val="tx1">
+                    <a:lumMod val="85000"/>
+                    <a:lumOff val="15000"/>
+                  </a:schemeClr>
+                </a:solidFill>
+              </a:endParaRPr>
+            </a:p>
+          </p:txBody>
+        </p:sp>
+        <p:sp>
+          <p:nvSpPr>
+            <p:cNvPr id="150" name="Rectangle 149">
+              <a:extLst>
+                <a:ext uri="{FF2B5EF4-FFF2-40B4-BE49-F238E27FC236}">
+                  <a16:creationId xmlns:a16="http://schemas.microsoft.com/office/drawing/2014/main" id="{89826A1B-639E-F532-37A4-99FDB59099C3}"/>
+                </a:ext>
+              </a:extLst>
+            </p:cNvPr>
+            <p:cNvSpPr/>
+            <p:nvPr/>
+          </p:nvSpPr>
+          <p:spPr>
+            <a:xfrm>
+              <a:off x="8240516" y="5432302"/>
+              <a:ext cx="469232" cy="140519"/>
+            </a:xfrm>
+            <a:prstGeom prst="rect">
+              <a:avLst/>
+            </a:prstGeom>
+            <a:solidFill>
+              <a:schemeClr val="accent5">
+                <a:lumMod val="40000"/>
+                <a:lumOff val="60000"/>
+              </a:schemeClr>
+            </a:solidFill>
+            <a:ln>
+              <a:solidFill>
+                <a:schemeClr val="tx1"/>
+              </a:solidFill>
+            </a:ln>
+          </p:spPr>
+          <p:style>
+            <a:lnRef idx="2">
+              <a:schemeClr val="accent1">
+                <a:shade val="15000"/>
+              </a:schemeClr>
+            </a:lnRef>
+            <a:fillRef idx="1">
+              <a:schemeClr val="accent1"/>
+            </a:fillRef>
+            <a:effectRef idx="0">
+              <a:schemeClr val="accent1"/>
+            </a:effectRef>
+            <a:fontRef idx="minor">
+              <a:schemeClr val="lt1"/>
+            </a:fontRef>
+          </p:style>
+          <p:txBody>
+            <a:bodyPr rtlCol="0" anchor="ctr"/>
+            <a:lstStyle/>
+            <a:p>
+              <a:pPr algn="ctr"/>
+              <a:endParaRPr lang="en-US" b="1" dirty="0">
+                <a:solidFill>
+                  <a:schemeClr val="tx1">
+                    <a:lumMod val="85000"/>
+                    <a:lumOff val="15000"/>
+                  </a:schemeClr>
+                </a:solidFill>
+              </a:endParaRPr>
+            </a:p>
+          </p:txBody>
+        </p:sp>
+        <p:sp>
+          <p:nvSpPr>
+            <p:cNvPr id="151" name="Rectangle 150">
+              <a:extLst>
+                <a:ext uri="{FF2B5EF4-FFF2-40B4-BE49-F238E27FC236}">
+                  <a16:creationId xmlns:a16="http://schemas.microsoft.com/office/drawing/2014/main" id="{90063097-8B25-4A58-6B03-31A16C9468CB}"/>
+                </a:ext>
+              </a:extLst>
+            </p:cNvPr>
+            <p:cNvSpPr/>
+            <p:nvPr/>
+          </p:nvSpPr>
+          <p:spPr>
+            <a:xfrm>
+              <a:off x="7302053" y="5572820"/>
+              <a:ext cx="469232" cy="268492"/>
+            </a:xfrm>
+            <a:prstGeom prst="rect">
+              <a:avLst/>
+            </a:prstGeom>
+            <a:solidFill>
+              <a:srgbClr val="FFDDFE"/>
+            </a:solidFill>
+            <a:ln>
+              <a:solidFill>
+                <a:schemeClr val="tx1"/>
+              </a:solidFill>
+            </a:ln>
+          </p:spPr>
+          <p:style>
+            <a:lnRef idx="2">
+              <a:schemeClr val="accent1">
+                <a:shade val="15000"/>
+              </a:schemeClr>
+            </a:lnRef>
+            <a:fillRef idx="1">
+              <a:schemeClr val="accent1"/>
+            </a:fillRef>
+            <a:effectRef idx="0">
+              <a:schemeClr val="accent1"/>
+            </a:effectRef>
+            <a:fontRef idx="minor">
+              <a:schemeClr val="lt1"/>
+            </a:fontRef>
+          </p:style>
+          <p:txBody>
+            <a:bodyPr rtlCol="0" anchor="t"/>
+            <a:lstStyle/>
+            <a:p>
+              <a:pPr algn="ctr"/>
+              <a:endParaRPr lang="en-US" sz="3200" b="1" dirty="0">
+                <a:solidFill>
+                  <a:schemeClr val="tx1">
+                    <a:lumMod val="85000"/>
+                    <a:lumOff val="15000"/>
+                  </a:schemeClr>
+                </a:solidFill>
+              </a:endParaRPr>
+            </a:p>
+          </p:txBody>
+        </p:sp>
+        <p:sp>
+          <p:nvSpPr>
+            <p:cNvPr id="152" name="Rectangle 151">
+              <a:extLst>
+                <a:ext uri="{FF2B5EF4-FFF2-40B4-BE49-F238E27FC236}">
+                  <a16:creationId xmlns:a16="http://schemas.microsoft.com/office/drawing/2014/main" id="{86ECFC8A-1A25-CB21-0B09-491352FBE355}"/>
+                </a:ext>
+              </a:extLst>
+            </p:cNvPr>
+            <p:cNvSpPr/>
+            <p:nvPr/>
+          </p:nvSpPr>
+          <p:spPr>
+            <a:xfrm>
+              <a:off x="7771285" y="5572820"/>
+              <a:ext cx="469232" cy="268492"/>
+            </a:xfrm>
+            <a:prstGeom prst="rect">
+              <a:avLst/>
+            </a:prstGeom>
+            <a:solidFill>
+              <a:srgbClr val="FFDDFE"/>
+            </a:solidFill>
+            <a:ln>
+              <a:solidFill>
+                <a:schemeClr val="tx1"/>
+              </a:solidFill>
+            </a:ln>
+          </p:spPr>
+          <p:style>
+            <a:lnRef idx="2">
+              <a:schemeClr val="accent1">
+                <a:shade val="15000"/>
+              </a:schemeClr>
+            </a:lnRef>
+            <a:fillRef idx="1">
+              <a:schemeClr val="accent1"/>
+            </a:fillRef>
+            <a:effectRef idx="0">
+              <a:schemeClr val="accent1"/>
+            </a:effectRef>
+            <a:fontRef idx="minor">
+              <a:schemeClr val="lt1"/>
+            </a:fontRef>
+          </p:style>
+          <p:txBody>
+            <a:bodyPr rtlCol="0" anchor="t"/>
+            <a:lstStyle/>
+            <a:p>
+              <a:pPr algn="ctr"/>
+              <a:endParaRPr lang="en-US" sz="3200" b="1" dirty="0">
+                <a:solidFill>
+                  <a:schemeClr val="tx1">
+                    <a:lumMod val="85000"/>
+                    <a:lumOff val="15000"/>
+                  </a:schemeClr>
+                </a:solidFill>
+              </a:endParaRPr>
+            </a:p>
+          </p:txBody>
+        </p:sp>
+        <p:sp>
+          <p:nvSpPr>
+            <p:cNvPr id="153" name="Rectangle 152">
+              <a:extLst>
+                <a:ext uri="{FF2B5EF4-FFF2-40B4-BE49-F238E27FC236}">
+                  <a16:creationId xmlns:a16="http://schemas.microsoft.com/office/drawing/2014/main" id="{AC5AEF2A-3E9A-FCEC-9805-DC9F394C7B63}"/>
+                </a:ext>
+              </a:extLst>
+            </p:cNvPr>
+            <p:cNvSpPr/>
+            <p:nvPr/>
+          </p:nvSpPr>
+          <p:spPr>
+            <a:xfrm>
+              <a:off x="8240516" y="5572820"/>
+              <a:ext cx="469232" cy="268492"/>
+            </a:xfrm>
+            <a:prstGeom prst="rect">
+              <a:avLst/>
+            </a:prstGeom>
+            <a:solidFill>
+              <a:srgbClr val="FFDDFE"/>
+            </a:solidFill>
+            <a:ln>
+              <a:solidFill>
+                <a:schemeClr val="tx1"/>
+              </a:solidFill>
+            </a:ln>
+          </p:spPr>
+          <p:style>
+            <a:lnRef idx="2">
+              <a:schemeClr val="accent1">
+                <a:shade val="15000"/>
+              </a:schemeClr>
+            </a:lnRef>
+            <a:fillRef idx="1">
+              <a:schemeClr val="accent1"/>
+            </a:fillRef>
+            <a:effectRef idx="0">
+              <a:schemeClr val="accent1"/>
+            </a:effectRef>
+            <a:fontRef idx="minor">
+              <a:schemeClr val="lt1"/>
+            </a:fontRef>
+          </p:style>
+          <p:txBody>
+            <a:bodyPr rtlCol="0" anchor="t"/>
+            <a:lstStyle/>
+            <a:p>
+              <a:pPr algn="ctr"/>
+              <a:endParaRPr lang="en-US" sz="3200" b="1" dirty="0">
+                <a:solidFill>
+                  <a:schemeClr val="tx1">
+                    <a:lumMod val="85000"/>
+                    <a:lumOff val="15000"/>
+                  </a:schemeClr>
+                </a:solidFill>
+              </a:endParaRPr>
+            </a:p>
+          </p:txBody>
+        </p:sp>
+        <p:sp>
+          <p:nvSpPr>
+            <p:cNvPr id="136" name="Rectangle 135">
+              <a:extLst>
+                <a:ext uri="{FF2B5EF4-FFF2-40B4-BE49-F238E27FC236}">
+                  <a16:creationId xmlns:a16="http://schemas.microsoft.com/office/drawing/2014/main" id="{3C417430-30A6-9C78-3C41-9729C2404212}"/>
+                </a:ext>
+              </a:extLst>
+            </p:cNvPr>
+            <p:cNvSpPr/>
+            <p:nvPr/>
+          </p:nvSpPr>
+          <p:spPr>
+            <a:xfrm>
+              <a:off x="7932674" y="5700793"/>
+              <a:ext cx="469231" cy="140519"/>
+            </a:xfrm>
+            <a:prstGeom prst="rect">
+              <a:avLst/>
+            </a:prstGeom>
+            <a:solidFill>
+              <a:schemeClr val="accent5">
+                <a:lumMod val="40000"/>
+                <a:lumOff val="60000"/>
+              </a:schemeClr>
+            </a:solidFill>
+            <a:ln>
+              <a:solidFill>
+                <a:schemeClr val="tx1"/>
+              </a:solidFill>
+            </a:ln>
+          </p:spPr>
+          <p:style>
+            <a:lnRef idx="2">
+              <a:schemeClr val="accent1">
+                <a:shade val="15000"/>
+              </a:schemeClr>
+            </a:lnRef>
+            <a:fillRef idx="1">
+              <a:schemeClr val="accent1"/>
+            </a:fillRef>
+            <a:effectRef idx="0">
+              <a:schemeClr val="accent1"/>
+            </a:effectRef>
+            <a:fontRef idx="minor">
+              <a:schemeClr val="lt1"/>
+            </a:fontRef>
+          </p:style>
+          <p:txBody>
+            <a:bodyPr rtlCol="0" anchor="ctr"/>
+            <a:lstStyle/>
+            <a:p>
+              <a:pPr algn="ctr"/>
+              <a:endParaRPr lang="en-US" b="1" dirty="0">
+                <a:solidFill>
+                  <a:schemeClr val="tx1">
+                    <a:lumMod val="85000"/>
+                    <a:lumOff val="15000"/>
+                  </a:schemeClr>
+                </a:solidFill>
+              </a:endParaRPr>
+            </a:p>
+          </p:txBody>
+        </p:sp>
+        <p:sp>
+          <p:nvSpPr>
+            <p:cNvPr id="137" name="Rectangle 136">
+              <a:extLst>
+                <a:ext uri="{FF2B5EF4-FFF2-40B4-BE49-F238E27FC236}">
+                  <a16:creationId xmlns:a16="http://schemas.microsoft.com/office/drawing/2014/main" id="{49736DD9-B40D-7FE0-F3E0-0511910ACB8F}"/>
+                </a:ext>
+              </a:extLst>
+            </p:cNvPr>
+            <p:cNvSpPr/>
+            <p:nvPr/>
+          </p:nvSpPr>
+          <p:spPr>
+            <a:xfrm>
+              <a:off x="8401906" y="5700793"/>
+              <a:ext cx="469231" cy="140519"/>
+            </a:xfrm>
+            <a:prstGeom prst="rect">
+              <a:avLst/>
+            </a:prstGeom>
+            <a:solidFill>
+              <a:schemeClr val="accent5">
+                <a:lumMod val="40000"/>
+                <a:lumOff val="60000"/>
+              </a:schemeClr>
+            </a:solidFill>
+            <a:ln>
+              <a:solidFill>
+                <a:schemeClr val="tx1"/>
+              </a:solidFill>
+            </a:ln>
+          </p:spPr>
+          <p:style>
+            <a:lnRef idx="2">
+              <a:schemeClr val="accent1">
+                <a:shade val="15000"/>
+              </a:schemeClr>
+            </a:lnRef>
+            <a:fillRef idx="1">
+              <a:schemeClr val="accent1"/>
+            </a:fillRef>
+            <a:effectRef idx="0">
+              <a:schemeClr val="accent1"/>
+            </a:effectRef>
+            <a:fontRef idx="minor">
+              <a:schemeClr val="lt1"/>
+            </a:fontRef>
+          </p:style>
+          <p:txBody>
+            <a:bodyPr rtlCol="0" anchor="ctr"/>
+            <a:lstStyle/>
+            <a:p>
+              <a:pPr algn="ctr"/>
+              <a:endParaRPr lang="en-US" b="1" dirty="0">
+                <a:solidFill>
+                  <a:schemeClr val="tx1">
+                    <a:lumMod val="85000"/>
+                    <a:lumOff val="15000"/>
+                  </a:schemeClr>
+                </a:solidFill>
+              </a:endParaRPr>
+            </a:p>
+          </p:txBody>
+        </p:sp>
+        <p:sp>
+          <p:nvSpPr>
+            <p:cNvPr id="139" name="Rectangle 138">
+              <a:extLst>
+                <a:ext uri="{FF2B5EF4-FFF2-40B4-BE49-F238E27FC236}">
+                  <a16:creationId xmlns:a16="http://schemas.microsoft.com/office/drawing/2014/main" id="{B98C5E3F-9293-470F-B02B-B693842A9588}"/>
+                </a:ext>
+              </a:extLst>
+            </p:cNvPr>
+            <p:cNvSpPr/>
+            <p:nvPr/>
+          </p:nvSpPr>
+          <p:spPr>
+            <a:xfrm>
+              <a:off x="7932674" y="5841311"/>
+              <a:ext cx="469231" cy="268492"/>
+            </a:xfrm>
+            <a:prstGeom prst="rect">
+              <a:avLst/>
+            </a:prstGeom>
+            <a:solidFill>
+              <a:schemeClr val="accent6">
+                <a:lumMod val="20000"/>
+                <a:lumOff val="80000"/>
+              </a:schemeClr>
+            </a:solidFill>
+            <a:ln>
+              <a:solidFill>
+                <a:schemeClr val="tx1"/>
+              </a:solidFill>
+            </a:ln>
+          </p:spPr>
+          <p:style>
+            <a:lnRef idx="2">
+              <a:schemeClr val="accent1">
+                <a:shade val="15000"/>
+              </a:schemeClr>
+            </a:lnRef>
+            <a:fillRef idx="1">
+              <a:schemeClr val="accent1"/>
+            </a:fillRef>
+            <a:effectRef idx="0">
+              <a:schemeClr val="accent1"/>
+            </a:effectRef>
+            <a:fontRef idx="minor">
+              <a:schemeClr val="lt1"/>
+            </a:fontRef>
+          </p:style>
+          <p:txBody>
+            <a:bodyPr rtlCol="0" anchor="t"/>
+            <a:lstStyle/>
+            <a:p>
+              <a:pPr algn="ctr"/>
+              <a:endParaRPr lang="en-US" sz="3200" b="1" dirty="0">
+                <a:solidFill>
+                  <a:schemeClr val="tx1">
+                    <a:lumMod val="85000"/>
+                    <a:lumOff val="15000"/>
+                  </a:schemeClr>
+                </a:solidFill>
+              </a:endParaRPr>
+            </a:p>
+          </p:txBody>
+        </p:sp>
+        <p:sp>
+          <p:nvSpPr>
+            <p:cNvPr id="140" name="Rectangle 139">
+              <a:extLst>
+                <a:ext uri="{FF2B5EF4-FFF2-40B4-BE49-F238E27FC236}">
+                  <a16:creationId xmlns:a16="http://schemas.microsoft.com/office/drawing/2014/main" id="{FC647FA4-AF42-7299-687B-961EEA7521C3}"/>
+                </a:ext>
+              </a:extLst>
+            </p:cNvPr>
+            <p:cNvSpPr/>
+            <p:nvPr/>
+          </p:nvSpPr>
+          <p:spPr>
+            <a:xfrm>
+              <a:off x="8401906" y="5841311"/>
+              <a:ext cx="469231" cy="268492"/>
+            </a:xfrm>
+            <a:prstGeom prst="rect">
+              <a:avLst/>
+            </a:prstGeom>
+            <a:solidFill>
+              <a:schemeClr val="accent6">
+                <a:lumMod val="20000"/>
+                <a:lumOff val="80000"/>
+              </a:schemeClr>
+            </a:solidFill>
+            <a:ln>
+              <a:solidFill>
+                <a:schemeClr val="tx1"/>
+              </a:solidFill>
+            </a:ln>
+          </p:spPr>
+          <p:style>
+            <a:lnRef idx="2">
+              <a:schemeClr val="accent1">
+                <a:shade val="15000"/>
+              </a:schemeClr>
+            </a:lnRef>
+            <a:fillRef idx="1">
+              <a:schemeClr val="accent1"/>
+            </a:fillRef>
+            <a:effectRef idx="0">
+              <a:schemeClr val="accent1"/>
+            </a:effectRef>
+            <a:fontRef idx="minor">
+              <a:schemeClr val="lt1"/>
+            </a:fontRef>
+          </p:style>
+          <p:txBody>
+            <a:bodyPr rtlCol="0" anchor="t"/>
+            <a:lstStyle/>
+            <a:p>
+              <a:pPr algn="ctr"/>
+              <a:endParaRPr lang="en-US" sz="3200" b="1" dirty="0">
+                <a:solidFill>
+                  <a:schemeClr val="tx1">
+                    <a:lumMod val="85000"/>
+                    <a:lumOff val="15000"/>
+                  </a:schemeClr>
+                </a:solidFill>
+              </a:endParaRPr>
+            </a:p>
+          </p:txBody>
+        </p:sp>
+        <p:sp>
+          <p:nvSpPr>
+            <p:cNvPr id="112" name="Rectangle 111">
+              <a:extLst>
+                <a:ext uri="{FF2B5EF4-FFF2-40B4-BE49-F238E27FC236}">
+                  <a16:creationId xmlns:a16="http://schemas.microsoft.com/office/drawing/2014/main" id="{6AE7112F-85DD-B513-DFC5-609C54AE2435}"/>
+                </a:ext>
+              </a:extLst>
+            </p:cNvPr>
+            <p:cNvSpPr/>
+            <p:nvPr/>
+          </p:nvSpPr>
+          <p:spPr>
+            <a:xfrm>
+              <a:off x="7624832" y="5969284"/>
+              <a:ext cx="469232" cy="140519"/>
+            </a:xfrm>
+            <a:prstGeom prst="rect">
+              <a:avLst/>
+            </a:prstGeom>
+            <a:solidFill>
+              <a:schemeClr val="accent5">
+                <a:lumMod val="40000"/>
+                <a:lumOff val="60000"/>
+              </a:schemeClr>
+            </a:solidFill>
+            <a:ln>
+              <a:solidFill>
+                <a:schemeClr val="tx1"/>
+              </a:solidFill>
+            </a:ln>
+          </p:spPr>
+          <p:style>
+            <a:lnRef idx="2">
+              <a:schemeClr val="accent1">
+                <a:shade val="15000"/>
+              </a:schemeClr>
+            </a:lnRef>
+            <a:fillRef idx="1">
+              <a:schemeClr val="accent1"/>
+            </a:fillRef>
+            <a:effectRef idx="0">
+              <a:schemeClr val="accent1"/>
+            </a:effectRef>
+            <a:fontRef idx="minor">
+              <a:schemeClr val="lt1"/>
+            </a:fontRef>
+          </p:style>
+          <p:txBody>
+            <a:bodyPr rtlCol="0" anchor="ctr"/>
+            <a:lstStyle/>
+            <a:p>
+              <a:pPr algn="ctr"/>
+              <a:endParaRPr lang="en-US" b="1" dirty="0">
+                <a:solidFill>
+                  <a:schemeClr val="tx1">
+                    <a:lumMod val="85000"/>
+                    <a:lumOff val="15000"/>
+                  </a:schemeClr>
+                </a:solidFill>
+              </a:endParaRPr>
+            </a:p>
+          </p:txBody>
+        </p:sp>
+        <p:sp>
+          <p:nvSpPr>
+            <p:cNvPr id="120" name="Rectangle 119">
+              <a:extLst>
+                <a:ext uri="{FF2B5EF4-FFF2-40B4-BE49-F238E27FC236}">
+                  <a16:creationId xmlns:a16="http://schemas.microsoft.com/office/drawing/2014/main" id="{C87622A5-25B7-155F-2C71-65167DD01432}"/>
+                </a:ext>
+              </a:extLst>
+            </p:cNvPr>
+            <p:cNvSpPr/>
+            <p:nvPr/>
+          </p:nvSpPr>
+          <p:spPr>
+            <a:xfrm>
+              <a:off x="8094064" y="5969284"/>
+              <a:ext cx="469232" cy="140519"/>
+            </a:xfrm>
+            <a:prstGeom prst="rect">
+              <a:avLst/>
+            </a:prstGeom>
+            <a:solidFill>
+              <a:schemeClr val="accent5">
+                <a:lumMod val="40000"/>
+                <a:lumOff val="60000"/>
+              </a:schemeClr>
+            </a:solidFill>
+            <a:ln>
+              <a:solidFill>
+                <a:schemeClr val="tx1"/>
+              </a:solidFill>
+            </a:ln>
+          </p:spPr>
+          <p:style>
+            <a:lnRef idx="2">
+              <a:schemeClr val="accent1">
+                <a:shade val="15000"/>
+              </a:schemeClr>
+            </a:lnRef>
+            <a:fillRef idx="1">
+              <a:schemeClr val="accent1"/>
+            </a:fillRef>
+            <a:effectRef idx="0">
+              <a:schemeClr val="accent1"/>
+            </a:effectRef>
+            <a:fontRef idx="minor">
+              <a:schemeClr val="lt1"/>
+            </a:fontRef>
+          </p:style>
+          <p:txBody>
+            <a:bodyPr rtlCol="0" anchor="ctr"/>
+            <a:lstStyle/>
+            <a:p>
+              <a:pPr algn="ctr"/>
+              <a:endParaRPr lang="en-US" b="1" dirty="0">
+                <a:solidFill>
+                  <a:schemeClr val="tx1">
+                    <a:lumMod val="85000"/>
+                    <a:lumOff val="15000"/>
+                  </a:schemeClr>
+                </a:solidFill>
+              </a:endParaRPr>
+            </a:p>
+          </p:txBody>
+        </p:sp>
+        <p:sp>
+          <p:nvSpPr>
+            <p:cNvPr id="121" name="Rectangle 120">
+              <a:extLst>
+                <a:ext uri="{FF2B5EF4-FFF2-40B4-BE49-F238E27FC236}">
+                  <a16:creationId xmlns:a16="http://schemas.microsoft.com/office/drawing/2014/main" id="{34F309DC-5067-A857-9EFD-E30749CD7EFA}"/>
+                </a:ext>
+              </a:extLst>
+            </p:cNvPr>
+            <p:cNvSpPr/>
+            <p:nvPr/>
+          </p:nvSpPr>
+          <p:spPr>
+            <a:xfrm>
+              <a:off x="8563295" y="5969284"/>
+              <a:ext cx="469232" cy="140519"/>
+            </a:xfrm>
+            <a:prstGeom prst="rect">
+              <a:avLst/>
+            </a:prstGeom>
+            <a:solidFill>
+              <a:schemeClr val="accent5">
+                <a:lumMod val="40000"/>
+                <a:lumOff val="60000"/>
+              </a:schemeClr>
+            </a:solidFill>
+            <a:ln>
+              <a:solidFill>
+                <a:schemeClr val="tx1"/>
+              </a:solidFill>
+            </a:ln>
+          </p:spPr>
+          <p:style>
+            <a:lnRef idx="2">
+              <a:schemeClr val="accent1">
+                <a:shade val="15000"/>
+              </a:schemeClr>
+            </a:lnRef>
+            <a:fillRef idx="1">
+              <a:schemeClr val="accent1"/>
+            </a:fillRef>
+            <a:effectRef idx="0">
+              <a:schemeClr val="accent1"/>
+            </a:effectRef>
+            <a:fontRef idx="minor">
+              <a:schemeClr val="lt1"/>
+            </a:fontRef>
+          </p:style>
+          <p:txBody>
+            <a:bodyPr rtlCol="0" anchor="ctr"/>
+            <a:lstStyle/>
+            <a:p>
+              <a:pPr algn="ctr"/>
+              <a:endParaRPr lang="en-US" b="1" dirty="0">
+                <a:solidFill>
+                  <a:schemeClr val="tx1">
+                    <a:lumMod val="85000"/>
+                    <a:lumOff val="15000"/>
+                  </a:schemeClr>
+                </a:solidFill>
+              </a:endParaRPr>
+            </a:p>
+          </p:txBody>
+        </p:sp>
+        <p:sp>
+          <p:nvSpPr>
+            <p:cNvPr id="132" name="Rectangle 131">
+              <a:extLst>
+                <a:ext uri="{FF2B5EF4-FFF2-40B4-BE49-F238E27FC236}">
+                  <a16:creationId xmlns:a16="http://schemas.microsoft.com/office/drawing/2014/main" id="{05E4E586-88FD-96C9-7A49-21F7745C4DE1}"/>
+                </a:ext>
+              </a:extLst>
+            </p:cNvPr>
+            <p:cNvSpPr/>
+            <p:nvPr/>
+          </p:nvSpPr>
+          <p:spPr>
+            <a:xfrm>
+              <a:off x="7624832" y="6109802"/>
+              <a:ext cx="469232" cy="268492"/>
+            </a:xfrm>
+            <a:prstGeom prst="rect">
+              <a:avLst/>
+            </a:prstGeom>
+            <a:solidFill>
+              <a:schemeClr val="accent2">
+                <a:lumMod val="20000"/>
+                <a:lumOff val="80000"/>
+              </a:schemeClr>
+            </a:solidFill>
+            <a:ln>
+              <a:solidFill>
+                <a:schemeClr val="tx1"/>
+              </a:solidFill>
+            </a:ln>
+          </p:spPr>
+          <p:style>
+            <a:lnRef idx="2">
+              <a:schemeClr val="accent1">
+                <a:shade val="15000"/>
+              </a:schemeClr>
+            </a:lnRef>
+            <a:fillRef idx="1">
+              <a:schemeClr val="accent1"/>
+            </a:fillRef>
+            <a:effectRef idx="0">
+              <a:schemeClr val="accent1"/>
+            </a:effectRef>
+            <a:fontRef idx="minor">
+              <a:schemeClr val="lt1"/>
+            </a:fontRef>
+          </p:style>
+          <p:txBody>
+            <a:bodyPr rtlCol="0" anchor="t"/>
+            <a:lstStyle/>
+            <a:p>
+              <a:pPr algn="ctr"/>
+              <a:endParaRPr lang="en-US" sz="3200" b="1" dirty="0">
+                <a:solidFill>
+                  <a:schemeClr val="tx1">
+                    <a:lumMod val="85000"/>
+                    <a:lumOff val="15000"/>
+                  </a:schemeClr>
+                </a:solidFill>
+              </a:endParaRPr>
+            </a:p>
+          </p:txBody>
+        </p:sp>
+        <p:sp>
+          <p:nvSpPr>
+            <p:cNvPr id="133" name="Rectangle 132">
+              <a:extLst>
+                <a:ext uri="{FF2B5EF4-FFF2-40B4-BE49-F238E27FC236}">
+                  <a16:creationId xmlns:a16="http://schemas.microsoft.com/office/drawing/2014/main" id="{5D5E9F49-5763-033C-B3C9-1A92CD35BEBC}"/>
+                </a:ext>
+              </a:extLst>
+            </p:cNvPr>
+            <p:cNvSpPr/>
+            <p:nvPr/>
+          </p:nvSpPr>
+          <p:spPr>
+            <a:xfrm>
+              <a:off x="8094064" y="6109802"/>
+              <a:ext cx="469232" cy="268492"/>
+            </a:xfrm>
+            <a:prstGeom prst="rect">
+              <a:avLst/>
+            </a:prstGeom>
+            <a:solidFill>
+              <a:schemeClr val="accent2">
+                <a:lumMod val="20000"/>
+                <a:lumOff val="80000"/>
+              </a:schemeClr>
+            </a:solidFill>
+            <a:ln>
+              <a:solidFill>
+                <a:schemeClr val="tx1"/>
+              </a:solidFill>
+            </a:ln>
+          </p:spPr>
+          <p:style>
+            <a:lnRef idx="2">
+              <a:schemeClr val="accent1">
+                <a:shade val="15000"/>
+              </a:schemeClr>
+            </a:lnRef>
+            <a:fillRef idx="1">
+              <a:schemeClr val="accent1"/>
+            </a:fillRef>
+            <a:effectRef idx="0">
+              <a:schemeClr val="accent1"/>
+            </a:effectRef>
+            <a:fontRef idx="minor">
+              <a:schemeClr val="lt1"/>
+            </a:fontRef>
+          </p:style>
+          <p:txBody>
+            <a:bodyPr rtlCol="0" anchor="t"/>
+            <a:lstStyle/>
+            <a:p>
+              <a:pPr algn="ctr"/>
+              <a:endParaRPr lang="en-US" sz="3200" b="1" dirty="0">
+                <a:solidFill>
+                  <a:schemeClr val="tx1">
+                    <a:lumMod val="85000"/>
+                    <a:lumOff val="15000"/>
+                  </a:schemeClr>
+                </a:solidFill>
+              </a:endParaRPr>
+            </a:p>
+          </p:txBody>
+        </p:sp>
+        <p:sp>
+          <p:nvSpPr>
+            <p:cNvPr id="134" name="Rectangle 133">
+              <a:extLst>
+                <a:ext uri="{FF2B5EF4-FFF2-40B4-BE49-F238E27FC236}">
+                  <a16:creationId xmlns:a16="http://schemas.microsoft.com/office/drawing/2014/main" id="{71D07FE4-04C3-252B-4C27-936341CF9960}"/>
+                </a:ext>
+              </a:extLst>
+            </p:cNvPr>
+            <p:cNvSpPr/>
+            <p:nvPr/>
+          </p:nvSpPr>
+          <p:spPr>
+            <a:xfrm>
+              <a:off x="8563295" y="6109802"/>
+              <a:ext cx="469232" cy="268492"/>
+            </a:xfrm>
+            <a:prstGeom prst="rect">
+              <a:avLst/>
+            </a:prstGeom>
+            <a:solidFill>
+              <a:schemeClr val="accent2">
+                <a:lumMod val="20000"/>
+                <a:lumOff val="80000"/>
+              </a:schemeClr>
+            </a:solidFill>
+            <a:ln>
+              <a:solidFill>
+                <a:schemeClr val="tx1"/>
+              </a:solidFill>
+            </a:ln>
+          </p:spPr>
+          <p:style>
+            <a:lnRef idx="2">
+              <a:schemeClr val="accent1">
+                <a:shade val="15000"/>
+              </a:schemeClr>
+            </a:lnRef>
+            <a:fillRef idx="1">
+              <a:schemeClr val="accent1"/>
+            </a:fillRef>
+            <a:effectRef idx="0">
+              <a:schemeClr val="accent1"/>
+            </a:effectRef>
+            <a:fontRef idx="minor">
+              <a:schemeClr val="lt1"/>
+            </a:fontRef>
+          </p:style>
+          <p:txBody>
+            <a:bodyPr rtlCol="0" anchor="t"/>
+            <a:lstStyle/>
+            <a:p>
+              <a:pPr algn="ctr"/>
+              <a:endParaRPr lang="en-US" sz="3200" b="1" dirty="0">
+                <a:solidFill>
+                  <a:schemeClr val="tx1">
+                    <a:lumMod val="85000"/>
+                    <a:lumOff val="15000"/>
+                  </a:schemeClr>
+                </a:solidFill>
+              </a:endParaRPr>
+            </a:p>
+          </p:txBody>
+        </p:sp>
+      </p:grpSp>
+      <p:grpSp>
+        <p:nvGrpSpPr>
+          <p:cNvPr id="1031" name="Group 1030">
+            <a:extLst>
+              <a:ext uri="{FF2B5EF4-FFF2-40B4-BE49-F238E27FC236}">
+                <a16:creationId xmlns:a16="http://schemas.microsoft.com/office/drawing/2014/main" id="{80EF6F1B-DCB1-130B-FCBA-EB75A22122A6}"/>
+              </a:ext>
+            </a:extLst>
+          </p:cNvPr>
+          <p:cNvGrpSpPr/>
+          <p:nvPr/>
+        </p:nvGrpSpPr>
+        <p:grpSpPr>
+          <a:xfrm>
+            <a:off x="5469670" y="5519645"/>
+            <a:ext cx="1976538" cy="1212675"/>
+            <a:chOff x="5543552" y="5703775"/>
+            <a:chExt cx="1976538" cy="1212675"/>
+          </a:xfrm>
+        </p:grpSpPr>
+        <p:sp>
+          <p:nvSpPr>
+            <p:cNvPr id="1032" name="Down Arrow 1031">
+              <a:extLst>
+                <a:ext uri="{FF2B5EF4-FFF2-40B4-BE49-F238E27FC236}">
+                  <a16:creationId xmlns:a16="http://schemas.microsoft.com/office/drawing/2014/main" id="{B58F0B6A-0873-4A24-0B35-3ACEF49A184F}"/>
+                </a:ext>
+              </a:extLst>
+            </p:cNvPr>
+            <p:cNvSpPr/>
+            <p:nvPr/>
+          </p:nvSpPr>
+          <p:spPr>
+            <a:xfrm rot="16200000">
+              <a:off x="6663649" y="5178346"/>
+              <a:ext cx="331011" cy="1381870"/>
+            </a:xfrm>
+            <a:prstGeom prst="downArrow">
+              <a:avLst/>
+            </a:prstGeom>
+            <a:solidFill>
+              <a:schemeClr val="bg1"/>
+            </a:solidFill>
+            <a:ln>
+              <a:solidFill>
+                <a:schemeClr val="tx1">
+                  <a:lumMod val="75000"/>
+                  <a:lumOff val="25000"/>
+                </a:schemeClr>
+              </a:solidFill>
+            </a:ln>
+          </p:spPr>
+          <p:style>
+            <a:lnRef idx="2">
+              <a:schemeClr val="accent1">
+                <a:shade val="15000"/>
+              </a:schemeClr>
+            </a:lnRef>
+            <a:fillRef idx="1">
+              <a:schemeClr val="accent1"/>
+            </a:fillRef>
+            <a:effectRef idx="0">
+              <a:schemeClr val="accent1"/>
+            </a:effectRef>
+            <a:fontRef idx="minor">
+              <a:schemeClr val="lt1"/>
+            </a:fontRef>
+          </p:style>
+          <p:txBody>
+            <a:bodyPr rtlCol="0" anchor="ctr"/>
+            <a:lstStyle/>
+            <a:p>
+              <a:pPr algn="ctr"/>
+              <a:endParaRPr lang="en-US"/>
+            </a:p>
+          </p:txBody>
+        </p:sp>
+        <p:grpSp>
+          <p:nvGrpSpPr>
+            <p:cNvPr id="1033" name="Group 1032">
+              <a:extLst>
+                <a:ext uri="{FF2B5EF4-FFF2-40B4-BE49-F238E27FC236}">
+                  <a16:creationId xmlns:a16="http://schemas.microsoft.com/office/drawing/2014/main" id="{7FBA0D62-A365-1000-D413-351965949B1A}"/>
+                </a:ext>
+              </a:extLst>
+            </p:cNvPr>
+            <p:cNvGrpSpPr/>
+            <p:nvPr/>
+          </p:nvGrpSpPr>
+          <p:grpSpPr>
+            <a:xfrm>
+              <a:off x="5543552" y="6008542"/>
+              <a:ext cx="1613784" cy="907908"/>
+              <a:chOff x="3654059" y="1950185"/>
+              <a:chExt cx="1613784" cy="907908"/>
+            </a:xfrm>
+          </p:grpSpPr>
+          <p:sp>
+            <p:nvSpPr>
+              <p:cNvPr id="1034" name="Oval 1033">
+                <a:extLst>
+                  <a:ext uri="{FF2B5EF4-FFF2-40B4-BE49-F238E27FC236}">
+                    <a16:creationId xmlns:a16="http://schemas.microsoft.com/office/drawing/2014/main" id="{726DD620-E927-7D97-818C-0013DD02F690}"/>
+                  </a:ext>
+                </a:extLst>
+              </p:cNvPr>
+              <p:cNvSpPr>
+                <a:spLocks noChangeAspect="1"/>
+              </p:cNvSpPr>
+              <p:nvPr/>
+            </p:nvSpPr>
+            <p:spPr>
+              <a:xfrm>
+                <a:off x="4315273" y="1950185"/>
+                <a:ext cx="291356" cy="291356"/>
+              </a:xfrm>
+              <a:prstGeom prst="ellipse">
+                <a:avLst/>
+              </a:prstGeom>
+              <a:solidFill>
+                <a:schemeClr val="tx1"/>
+              </a:solidFill>
+            </p:spPr>
+            <p:style>
+              <a:lnRef idx="2">
+                <a:schemeClr val="accent1">
+                  <a:shade val="15000"/>
+                </a:schemeClr>
+              </a:lnRef>
+              <a:fillRef idx="1">
+                <a:schemeClr val="accent1"/>
+              </a:fillRef>
+              <a:effectRef idx="0">
+                <a:schemeClr val="accent1"/>
+              </a:effectRef>
+              <a:fontRef idx="minor">
+                <a:schemeClr val="lt1"/>
+              </a:fontRef>
+            </p:style>
+            <p:txBody>
+              <a:bodyPr rtlCol="0" anchor="ctr"/>
+              <a:lstStyle/>
+              <a:p>
+                <a:pPr algn="ctr"/>
+                <a:r>
+                  <a:rPr lang="en-US" b="1" dirty="0"/>
+                  <a:t>3</a:t>
+                </a:r>
+              </a:p>
+            </p:txBody>
+          </p:sp>
+          <p:sp>
+            <p:nvSpPr>
+              <p:cNvPr id="1035" name="TextBox 1034">
+                <a:extLst>
+                  <a:ext uri="{FF2B5EF4-FFF2-40B4-BE49-F238E27FC236}">
+                    <a16:creationId xmlns:a16="http://schemas.microsoft.com/office/drawing/2014/main" id="{DEA0F6CC-08E6-6A66-6001-27E8061E33B9}"/>
+                  </a:ext>
+                </a:extLst>
+              </p:cNvPr>
+              <p:cNvSpPr txBox="1"/>
+              <p:nvPr/>
+            </p:nvSpPr>
+            <p:spPr>
+              <a:xfrm>
+                <a:off x="3654059" y="2211762"/>
+                <a:ext cx="1613784" cy="646331"/>
+              </a:xfrm>
+              <a:prstGeom prst="rect">
+                <a:avLst/>
+              </a:prstGeom>
+              <a:noFill/>
+            </p:spPr>
+            <p:txBody>
+              <a:bodyPr wrap="square" rtlCol="0">
+                <a:spAutoFit/>
+              </a:bodyPr>
+              <a:lstStyle/>
+              <a:p>
+                <a:pPr algn="ctr"/>
+                <a:r>
+                  <a:rPr lang="en-US" b="1" dirty="0"/>
+                  <a:t>Combine</a:t>
+                </a:r>
+              </a:p>
+              <a:p>
+                <a:pPr algn="ctr"/>
+                <a:r>
+                  <a:rPr lang="en-US" b="1" dirty="0"/>
+                  <a:t>&amp; Return</a:t>
+                </a:r>
+              </a:p>
+            </p:txBody>
+          </p:sp>
+        </p:grpSp>
+      </p:grpSp>
+      <p:grpSp>
+        <p:nvGrpSpPr>
+          <p:cNvPr id="36" name="Group 35">
+            <a:extLst>
+              <a:ext uri="{FF2B5EF4-FFF2-40B4-BE49-F238E27FC236}">
+                <a16:creationId xmlns:a16="http://schemas.microsoft.com/office/drawing/2014/main" id="{4B534CDD-50C1-7E23-29CC-92F32327205E}"/>
+              </a:ext>
+            </a:extLst>
+          </p:cNvPr>
+          <p:cNvGrpSpPr/>
+          <p:nvPr/>
+        </p:nvGrpSpPr>
+        <p:grpSpPr>
+          <a:xfrm>
+            <a:off x="7229030" y="248995"/>
+            <a:ext cx="4801777" cy="3450985"/>
+            <a:chOff x="5804525" y="671865"/>
+            <a:chExt cx="4801777" cy="3450985"/>
+          </a:xfrm>
+        </p:grpSpPr>
+        <p:grpSp>
+          <p:nvGrpSpPr>
+            <p:cNvPr id="16" name="Group 15">
+              <a:extLst>
+                <a:ext uri="{FF2B5EF4-FFF2-40B4-BE49-F238E27FC236}">
+                  <a16:creationId xmlns:a16="http://schemas.microsoft.com/office/drawing/2014/main" id="{0AF25FC0-7808-7045-4C95-4D9654AE69D9}"/>
+                </a:ext>
+              </a:extLst>
+            </p:cNvPr>
+            <p:cNvGrpSpPr/>
+            <p:nvPr/>
+          </p:nvGrpSpPr>
+          <p:grpSpPr>
+            <a:xfrm>
+              <a:off x="5806462" y="671865"/>
+              <a:ext cx="4799840" cy="2258075"/>
+              <a:chOff x="6067078" y="1589402"/>
+              <a:chExt cx="4799840" cy="2258075"/>
+            </a:xfrm>
+          </p:grpSpPr>
+          <p:sp>
+            <p:nvSpPr>
+              <p:cNvPr id="181" name="TextBox 180">
+                <a:extLst>
+                  <a:ext uri="{FF2B5EF4-FFF2-40B4-BE49-F238E27FC236}">
+                    <a16:creationId xmlns:a16="http://schemas.microsoft.com/office/drawing/2014/main" id="{0FD4D852-1820-D55F-2858-DE904BEBF9B0}"/>
+                  </a:ext>
+                </a:extLst>
+              </p:cNvPr>
+              <p:cNvSpPr txBox="1"/>
+              <p:nvPr/>
+            </p:nvSpPr>
+            <p:spPr>
+              <a:xfrm>
+                <a:off x="6067079" y="1747279"/>
+                <a:ext cx="4257100" cy="461665"/>
+              </a:xfrm>
+              <a:prstGeom prst="rect">
+                <a:avLst/>
+              </a:prstGeom>
+              <a:noFill/>
+            </p:spPr>
+            <p:txBody>
+              <a:bodyPr wrap="square" rtlCol="0">
+                <a:spAutoFit/>
+              </a:bodyPr>
+              <a:lstStyle/>
+              <a:p>
+                <a:pPr algn="r"/>
+                <a:r>
+                  <a:rPr lang="en-US" sz="2400" b="1" dirty="0">
+                    <a:solidFill>
+                      <a:schemeClr val="accent1"/>
+                    </a:solidFill>
+                  </a:rPr>
+                  <a:t>Column Key</a:t>
+                </a:r>
+              </a:p>
+            </p:txBody>
+          </p:sp>
+          <p:grpSp>
+            <p:nvGrpSpPr>
+              <p:cNvPr id="13" name="Group 12">
+                <a:extLst>
+                  <a:ext uri="{FF2B5EF4-FFF2-40B4-BE49-F238E27FC236}">
+                    <a16:creationId xmlns:a16="http://schemas.microsoft.com/office/drawing/2014/main" id="{ECB186AC-F74F-A8D5-C549-C96A8B1C5876}"/>
+                  </a:ext>
+                </a:extLst>
+              </p:cNvPr>
+              <p:cNvGrpSpPr/>
+              <p:nvPr/>
+            </p:nvGrpSpPr>
+            <p:grpSpPr>
+              <a:xfrm>
+                <a:off x="6067078" y="2271060"/>
+                <a:ext cx="4505826" cy="1576417"/>
+                <a:chOff x="6014789" y="2239223"/>
+                <a:chExt cx="4505826" cy="1576417"/>
+              </a:xfrm>
+            </p:grpSpPr>
+            <p:sp>
+              <p:nvSpPr>
+                <p:cNvPr id="88" name="Rectangle 87">
+                  <a:extLst>
+                    <a:ext uri="{FF2B5EF4-FFF2-40B4-BE49-F238E27FC236}">
+                      <a16:creationId xmlns:a16="http://schemas.microsoft.com/office/drawing/2014/main" id="{49DEC17F-6E2D-2615-1411-AA8D3B2DCC81}"/>
+                    </a:ext>
+                  </a:extLst>
+                </p:cNvPr>
+                <p:cNvSpPr/>
+                <p:nvPr/>
+              </p:nvSpPr>
+              <p:spPr>
+                <a:xfrm>
+                  <a:off x="7503498" y="2239223"/>
+                  <a:ext cx="1488708" cy="400916"/>
+                </a:xfrm>
+                <a:prstGeom prst="rect">
+                  <a:avLst/>
+                </a:prstGeom>
+                <a:solidFill>
+                  <a:schemeClr val="bg2">
+                    <a:lumMod val="90000"/>
+                  </a:schemeClr>
+                </a:solidFill>
+                <a:ln>
+                  <a:solidFill>
+                    <a:schemeClr val="tx1"/>
+                  </a:solidFill>
+                </a:ln>
+              </p:spPr>
+              <p:style>
+                <a:lnRef idx="2">
+                  <a:schemeClr val="accent1">
+                    <a:shade val="15000"/>
+                  </a:schemeClr>
+                </a:lnRef>
+                <a:fillRef idx="1">
+                  <a:schemeClr val="accent1"/>
+                </a:fillRef>
+                <a:effectRef idx="0">
+                  <a:schemeClr val="accent1"/>
+                </a:effectRef>
+                <a:fontRef idx="minor">
+                  <a:schemeClr val="lt1"/>
+                </a:fontRef>
+              </p:style>
+              <p:txBody>
+                <a:bodyPr rtlCol="0" anchor="ctr"/>
+                <a:lstStyle/>
+                <a:p>
+                  <a:pPr algn="ctr"/>
+                  <a:r>
+                    <a:rPr lang="en-US" b="1" dirty="0">
+                      <a:solidFill>
+                        <a:schemeClr val="tx1">
+                          <a:lumMod val="85000"/>
+                          <a:lumOff val="15000"/>
+                        </a:schemeClr>
+                      </a:solidFill>
+                    </a:rPr>
+                    <a:t>raw_name</a:t>
+                  </a:r>
+                </a:p>
+              </p:txBody>
+            </p:sp>
+            <p:sp>
+              <p:nvSpPr>
+                <p:cNvPr id="90" name="Rectangle 89">
+                  <a:extLst>
+                    <a:ext uri="{FF2B5EF4-FFF2-40B4-BE49-F238E27FC236}">
+                      <a16:creationId xmlns:a16="http://schemas.microsoft.com/office/drawing/2014/main" id="{81178996-D3C2-ECE1-B5BA-6F6FACA4AD82}"/>
+                    </a:ext>
+                  </a:extLst>
+                </p:cNvPr>
+                <p:cNvSpPr/>
+                <p:nvPr/>
+              </p:nvSpPr>
+              <p:spPr>
+                <a:xfrm>
+                  <a:off x="8992206" y="2239223"/>
+                  <a:ext cx="1528409" cy="400916"/>
+                </a:xfrm>
+                <a:prstGeom prst="rect">
+                  <a:avLst/>
+                </a:prstGeom>
+                <a:solidFill>
+                  <a:schemeClr val="bg2">
+                    <a:lumMod val="90000"/>
+                  </a:schemeClr>
+                </a:solidFill>
+                <a:ln>
+                  <a:solidFill>
+                    <a:schemeClr val="tx1"/>
+                  </a:solidFill>
+                </a:ln>
+              </p:spPr>
+              <p:style>
+                <a:lnRef idx="2">
+                  <a:schemeClr val="accent1">
+                    <a:shade val="15000"/>
+                  </a:schemeClr>
+                </a:lnRef>
+                <a:fillRef idx="1">
+                  <a:schemeClr val="accent1"/>
+                </a:fillRef>
+                <a:effectRef idx="0">
+                  <a:schemeClr val="accent1"/>
+                </a:effectRef>
+                <a:fontRef idx="minor">
+                  <a:schemeClr val="lt1"/>
+                </a:fontRef>
+              </p:style>
+              <p:txBody>
+                <a:bodyPr rtlCol="0" anchor="ctr"/>
+                <a:lstStyle/>
+                <a:p>
+                  <a:pPr algn="ctr"/>
+                  <a:r>
+                    <a:rPr lang="en-US" b="1" dirty="0">
+                      <a:solidFill>
+                        <a:schemeClr val="tx1">
+                          <a:lumMod val="85000"/>
+                          <a:lumOff val="15000"/>
+                        </a:schemeClr>
+                      </a:solidFill>
+                    </a:rPr>
+                    <a:t>tidy_name</a:t>
+                  </a:r>
+                </a:p>
+              </p:txBody>
+            </p:sp>
+            <p:sp>
+              <p:nvSpPr>
+                <p:cNvPr id="79" name="Rectangle 78">
+                  <a:extLst>
+                    <a:ext uri="{FF2B5EF4-FFF2-40B4-BE49-F238E27FC236}">
+                      <a16:creationId xmlns:a16="http://schemas.microsoft.com/office/drawing/2014/main" id="{90145F90-1E96-22E5-B614-4227954C3789}"/>
+                    </a:ext>
+                  </a:extLst>
+                </p:cNvPr>
+                <p:cNvSpPr/>
+                <p:nvPr/>
+              </p:nvSpPr>
+              <p:spPr>
+                <a:xfrm>
+                  <a:off x="7503498" y="2632764"/>
+                  <a:ext cx="1488708" cy="400916"/>
+                </a:xfrm>
+                <a:prstGeom prst="rect">
+                  <a:avLst/>
+                </a:prstGeom>
+                <a:solidFill>
+                  <a:schemeClr val="accent2">
+                    <a:lumMod val="60000"/>
+                    <a:lumOff val="40000"/>
+                  </a:schemeClr>
+                </a:solidFill>
+                <a:ln>
+                  <a:solidFill>
+                    <a:schemeClr val="tx1"/>
+                  </a:solidFill>
+                </a:ln>
+              </p:spPr>
+              <p:style>
+                <a:lnRef idx="2">
+                  <a:schemeClr val="accent1">
+                    <a:shade val="15000"/>
+                  </a:schemeClr>
+                </a:lnRef>
+                <a:fillRef idx="1">
+                  <a:schemeClr val="accent1"/>
+                </a:fillRef>
+                <a:effectRef idx="0">
+                  <a:schemeClr val="accent1"/>
+                </a:effectRef>
+                <a:fontRef idx="minor">
+                  <a:schemeClr val="lt1"/>
+                </a:fontRef>
+              </p:style>
+              <p:txBody>
+                <a:bodyPr rtlCol="0" anchor="ctr"/>
+                <a:lstStyle/>
+                <a:p>
+                  <a:pPr algn="ctr"/>
+                  <a:r>
+                    <a:rPr lang="en-US" b="1" dirty="0">
+                      <a:solidFill>
+                        <a:schemeClr val="tx1">
+                          <a:lumMod val="85000"/>
+                          <a:lumOff val="15000"/>
+                        </a:schemeClr>
+                      </a:solidFill>
+                    </a:rPr>
+                    <a:t>Site</a:t>
+                  </a:r>
+                </a:p>
+              </p:txBody>
+            </p:sp>
+            <p:sp>
+              <p:nvSpPr>
+                <p:cNvPr id="91" name="Rectangle 90">
+                  <a:extLst>
+                    <a:ext uri="{FF2B5EF4-FFF2-40B4-BE49-F238E27FC236}">
+                      <a16:creationId xmlns:a16="http://schemas.microsoft.com/office/drawing/2014/main" id="{96CF52D3-8AED-F16D-901C-17CF7F8EC276}"/>
+                    </a:ext>
+                  </a:extLst>
+                </p:cNvPr>
+                <p:cNvSpPr/>
+                <p:nvPr/>
+              </p:nvSpPr>
+              <p:spPr>
+                <a:xfrm>
+                  <a:off x="8992206" y="2632764"/>
+                  <a:ext cx="1528409" cy="400916"/>
+                </a:xfrm>
+                <a:prstGeom prst="rect">
+                  <a:avLst/>
+                </a:prstGeom>
+                <a:solidFill>
+                  <a:schemeClr val="accent5">
+                    <a:lumMod val="40000"/>
+                    <a:lumOff val="60000"/>
+                  </a:schemeClr>
+                </a:solidFill>
+                <a:ln>
+                  <a:solidFill>
+                    <a:schemeClr val="tx1"/>
+                  </a:solidFill>
+                </a:ln>
+              </p:spPr>
+              <p:style>
+                <a:lnRef idx="2">
+                  <a:schemeClr val="accent1">
+                    <a:shade val="15000"/>
+                  </a:schemeClr>
+                </a:lnRef>
+                <a:fillRef idx="1">
+                  <a:schemeClr val="accent1"/>
+                </a:fillRef>
+                <a:effectRef idx="0">
+                  <a:schemeClr val="accent1"/>
+                </a:effectRef>
+                <a:fontRef idx="minor">
+                  <a:schemeClr val="lt1"/>
+                </a:fontRef>
+              </p:style>
+              <p:txBody>
+                <a:bodyPr rtlCol="0" anchor="ctr"/>
+                <a:lstStyle/>
+                <a:p>
+                  <a:pPr algn="ctr"/>
+                  <a:r>
+                    <a:rPr lang="en-US" b="1" dirty="0">
+                      <a:solidFill>
+                        <a:schemeClr val="tx1">
+                          <a:lumMod val="85000"/>
+                          <a:lumOff val="15000"/>
+                        </a:schemeClr>
+                      </a:solidFill>
+                    </a:rPr>
+                    <a:t>site</a:t>
+                  </a:r>
+                </a:p>
+              </p:txBody>
+            </p:sp>
+            <p:sp>
+              <p:nvSpPr>
+                <p:cNvPr id="80" name="Rectangle 79">
+                  <a:extLst>
+                    <a:ext uri="{FF2B5EF4-FFF2-40B4-BE49-F238E27FC236}">
+                      <a16:creationId xmlns:a16="http://schemas.microsoft.com/office/drawing/2014/main" id="{B29B34CC-DBFE-5BD2-BE6F-07D18251F333}"/>
+                    </a:ext>
+                  </a:extLst>
+                </p:cNvPr>
+                <p:cNvSpPr/>
+                <p:nvPr/>
+              </p:nvSpPr>
+              <p:spPr>
+                <a:xfrm>
+                  <a:off x="7503498" y="3020980"/>
+                  <a:ext cx="1488708" cy="400916"/>
+                </a:xfrm>
+                <a:prstGeom prst="rect">
+                  <a:avLst/>
+                </a:prstGeom>
+                <a:solidFill>
+                  <a:schemeClr val="accent2">
+                    <a:lumMod val="60000"/>
+                    <a:lumOff val="40000"/>
+                  </a:schemeClr>
+                </a:solidFill>
+                <a:ln>
+                  <a:solidFill>
+                    <a:schemeClr val="tx1"/>
+                  </a:solidFill>
+                </a:ln>
+              </p:spPr>
+              <p:style>
+                <a:lnRef idx="2">
+                  <a:schemeClr val="accent1">
+                    <a:shade val="15000"/>
+                  </a:schemeClr>
+                </a:lnRef>
+                <a:fillRef idx="1">
+                  <a:schemeClr val="accent1"/>
+                </a:fillRef>
+                <a:effectRef idx="0">
+                  <a:schemeClr val="accent1"/>
+                </a:effectRef>
+                <a:fontRef idx="minor">
+                  <a:schemeClr val="lt1"/>
+                </a:fontRef>
+              </p:style>
+              <p:txBody>
+                <a:bodyPr rtlCol="0" anchor="ctr"/>
+                <a:lstStyle/>
+                <a:p>
+                  <a:pPr algn="ctr"/>
+                  <a:r>
+                    <a:rPr lang="en-US" b="1" dirty="0">
+                      <a:solidFill>
+                        <a:schemeClr val="tx1">
+                          <a:lumMod val="85000"/>
+                          <a:lumOff val="15000"/>
+                        </a:schemeClr>
+                      </a:solidFill>
+                    </a:rPr>
+                    <a:t>Trap</a:t>
+                  </a:r>
+                </a:p>
+              </p:txBody>
+            </p:sp>
+            <p:sp>
+              <p:nvSpPr>
+                <p:cNvPr id="92" name="Rectangle 91">
+                  <a:extLst>
+                    <a:ext uri="{FF2B5EF4-FFF2-40B4-BE49-F238E27FC236}">
+                      <a16:creationId xmlns:a16="http://schemas.microsoft.com/office/drawing/2014/main" id="{3AFE4BF6-F04E-E038-E5BA-1976B03077B3}"/>
+                    </a:ext>
+                  </a:extLst>
+                </p:cNvPr>
+                <p:cNvSpPr/>
+                <p:nvPr/>
+              </p:nvSpPr>
+              <p:spPr>
+                <a:xfrm>
+                  <a:off x="8992206" y="3020980"/>
+                  <a:ext cx="1528409" cy="400916"/>
+                </a:xfrm>
+                <a:prstGeom prst="rect">
+                  <a:avLst/>
+                </a:prstGeom>
+                <a:solidFill>
+                  <a:schemeClr val="accent5">
+                    <a:lumMod val="40000"/>
+                    <a:lumOff val="60000"/>
+                  </a:schemeClr>
+                </a:solidFill>
+                <a:ln>
+                  <a:solidFill>
+                    <a:schemeClr val="tx1"/>
+                  </a:solidFill>
+                </a:ln>
+              </p:spPr>
+              <p:style>
+                <a:lnRef idx="2">
+                  <a:schemeClr val="accent1">
+                    <a:shade val="15000"/>
+                  </a:schemeClr>
+                </a:lnRef>
+                <a:fillRef idx="1">
+                  <a:schemeClr val="accent1"/>
+                </a:fillRef>
+                <a:effectRef idx="0">
+                  <a:schemeClr val="accent1"/>
+                </a:effectRef>
+                <a:fontRef idx="minor">
+                  <a:schemeClr val="lt1"/>
+                </a:fontRef>
+              </p:style>
+              <p:txBody>
+                <a:bodyPr rtlCol="0" anchor="ctr"/>
+                <a:lstStyle/>
+                <a:p>
+                  <a:pPr algn="ctr"/>
+                  <a:r>
+                    <a:rPr lang="en-US" b="1" dirty="0">
+                      <a:solidFill>
+                        <a:schemeClr val="tx1">
+                          <a:lumMod val="85000"/>
+                          <a:lumOff val="15000"/>
+                        </a:schemeClr>
+                      </a:solidFill>
+                    </a:rPr>
+                    <a:t>plot</a:t>
+                  </a:r>
+                </a:p>
+              </p:txBody>
+            </p:sp>
+            <p:sp>
+              <p:nvSpPr>
+                <p:cNvPr id="81" name="Rectangle 80">
+                  <a:extLst>
+                    <a:ext uri="{FF2B5EF4-FFF2-40B4-BE49-F238E27FC236}">
+                      <a16:creationId xmlns:a16="http://schemas.microsoft.com/office/drawing/2014/main" id="{07777984-D80C-C68C-0C0E-0A5583A34B42}"/>
+                    </a:ext>
+                  </a:extLst>
+                </p:cNvPr>
+                <p:cNvSpPr/>
+                <p:nvPr/>
+              </p:nvSpPr>
+              <p:spPr>
+                <a:xfrm>
+                  <a:off x="7503498" y="3414724"/>
+                  <a:ext cx="1488708" cy="400916"/>
+                </a:xfrm>
+                <a:prstGeom prst="rect">
+                  <a:avLst/>
+                </a:prstGeom>
+                <a:solidFill>
+                  <a:schemeClr val="accent2">
+                    <a:lumMod val="60000"/>
+                    <a:lumOff val="40000"/>
+                  </a:schemeClr>
+                </a:solidFill>
+                <a:ln>
+                  <a:solidFill>
+                    <a:schemeClr val="tx1"/>
+                  </a:solidFill>
+                </a:ln>
+              </p:spPr>
+              <p:style>
+                <a:lnRef idx="2">
+                  <a:schemeClr val="accent1">
+                    <a:shade val="15000"/>
+                  </a:schemeClr>
+                </a:lnRef>
+                <a:fillRef idx="1">
+                  <a:schemeClr val="accent1"/>
+                </a:fillRef>
+                <a:effectRef idx="0">
+                  <a:schemeClr val="accent1"/>
+                </a:effectRef>
+                <a:fontRef idx="minor">
+                  <a:schemeClr val="lt1"/>
+                </a:fontRef>
+              </p:style>
+              <p:txBody>
+                <a:bodyPr rtlCol="0" anchor="ctr"/>
+                <a:lstStyle/>
+                <a:p>
+                  <a:pPr algn="ctr"/>
+                  <a:r>
+                    <a:rPr lang="en-US" b="1" dirty="0">
+                      <a:solidFill>
+                        <a:schemeClr val="tx1">
+                          <a:lumMod val="85000"/>
+                          <a:lumOff val="15000"/>
+                        </a:schemeClr>
+                      </a:solidFill>
+                    </a:rPr>
+                    <a:t>Bugs</a:t>
+                  </a:r>
+                </a:p>
+              </p:txBody>
+            </p:sp>
+            <p:sp>
+              <p:nvSpPr>
+                <p:cNvPr id="93" name="Rectangle 92">
+                  <a:extLst>
+                    <a:ext uri="{FF2B5EF4-FFF2-40B4-BE49-F238E27FC236}">
+                      <a16:creationId xmlns:a16="http://schemas.microsoft.com/office/drawing/2014/main" id="{D196EFF1-1EAD-BD47-0DCB-8E0BEA21B13B}"/>
+                    </a:ext>
+                  </a:extLst>
+                </p:cNvPr>
+                <p:cNvSpPr/>
+                <p:nvPr/>
+              </p:nvSpPr>
+              <p:spPr>
+                <a:xfrm>
+                  <a:off x="8992206" y="3414724"/>
+                  <a:ext cx="1528409" cy="400916"/>
+                </a:xfrm>
+                <a:prstGeom prst="rect">
+                  <a:avLst/>
+                </a:prstGeom>
+                <a:solidFill>
+                  <a:schemeClr val="accent5">
+                    <a:lumMod val="40000"/>
+                    <a:lumOff val="60000"/>
+                  </a:schemeClr>
+                </a:solidFill>
+                <a:ln>
+                  <a:solidFill>
+                    <a:schemeClr val="tx1"/>
+                  </a:solidFill>
+                </a:ln>
+              </p:spPr>
+              <p:style>
+                <a:lnRef idx="2">
+                  <a:schemeClr val="accent1">
+                    <a:shade val="15000"/>
+                  </a:schemeClr>
+                </a:lnRef>
+                <a:fillRef idx="1">
+                  <a:schemeClr val="accent1"/>
+                </a:fillRef>
+                <a:effectRef idx="0">
+                  <a:schemeClr val="accent1"/>
+                </a:effectRef>
+                <a:fontRef idx="minor">
+                  <a:schemeClr val="lt1"/>
+                </a:fontRef>
+              </p:style>
+              <p:txBody>
+                <a:bodyPr rtlCol="0" anchor="ctr"/>
+                <a:lstStyle/>
+                <a:p>
+                  <a:pPr algn="ctr"/>
+                  <a:r>
+                    <a:rPr lang="en-US" b="1" dirty="0">
+                      <a:solidFill>
+                        <a:schemeClr val="tx1">
+                          <a:lumMod val="85000"/>
+                          <a:lumOff val="15000"/>
+                        </a:schemeClr>
+                      </a:solidFill>
+                    </a:rPr>
+                    <a:t>count</a:t>
+                  </a:r>
+                </a:p>
+              </p:txBody>
+            </p:sp>
+            <p:sp>
+              <p:nvSpPr>
+                <p:cNvPr id="9" name="Rectangle 8">
+                  <a:extLst>
+                    <a:ext uri="{FF2B5EF4-FFF2-40B4-BE49-F238E27FC236}">
+                      <a16:creationId xmlns:a16="http://schemas.microsoft.com/office/drawing/2014/main" id="{BB6AAA13-EB40-6FFC-2FE4-DB781A512E69}"/>
+                    </a:ext>
+                  </a:extLst>
+                </p:cNvPr>
+                <p:cNvSpPr/>
+                <p:nvPr/>
+              </p:nvSpPr>
+              <p:spPr>
+                <a:xfrm>
+                  <a:off x="6014789" y="2239223"/>
+                  <a:ext cx="1488708" cy="400916"/>
+                </a:xfrm>
+                <a:prstGeom prst="rect">
+                  <a:avLst/>
+                </a:prstGeom>
+                <a:solidFill>
+                  <a:schemeClr val="bg2">
+                    <a:lumMod val="90000"/>
+                  </a:schemeClr>
+                </a:solidFill>
+                <a:ln>
+                  <a:solidFill>
+                    <a:schemeClr val="tx1"/>
+                  </a:solidFill>
+                </a:ln>
+              </p:spPr>
+              <p:style>
+                <a:lnRef idx="2">
+                  <a:schemeClr val="accent1">
+                    <a:shade val="15000"/>
+                  </a:schemeClr>
+                </a:lnRef>
+                <a:fillRef idx="1">
+                  <a:schemeClr val="accent1"/>
+                </a:fillRef>
+                <a:effectRef idx="0">
+                  <a:schemeClr val="accent1"/>
+                </a:effectRef>
+                <a:fontRef idx="minor">
+                  <a:schemeClr val="lt1"/>
+                </a:fontRef>
+              </p:style>
+              <p:txBody>
+                <a:bodyPr rtlCol="0" anchor="ctr"/>
+                <a:lstStyle/>
+                <a:p>
+                  <a:pPr algn="ctr"/>
+                  <a:r>
+                    <a:rPr lang="en-US" b="1" dirty="0">
+                      <a:solidFill>
+                        <a:schemeClr val="tx1">
+                          <a:lumMod val="85000"/>
+                          <a:lumOff val="15000"/>
+                        </a:schemeClr>
+                      </a:solidFill>
+                    </a:rPr>
+                    <a:t>source</a:t>
+                  </a:r>
+                </a:p>
+              </p:txBody>
+            </p:sp>
+            <p:sp>
+              <p:nvSpPr>
+                <p:cNvPr id="10" name="Rectangle 9">
+                  <a:extLst>
+                    <a:ext uri="{FF2B5EF4-FFF2-40B4-BE49-F238E27FC236}">
+                      <a16:creationId xmlns:a16="http://schemas.microsoft.com/office/drawing/2014/main" id="{4FC256C5-80F3-FB2A-BBA4-F35033BC5F67}"/>
+                    </a:ext>
+                  </a:extLst>
+                </p:cNvPr>
+                <p:cNvSpPr/>
+                <p:nvPr/>
+              </p:nvSpPr>
+              <p:spPr>
+                <a:xfrm>
+                  <a:off x="6014789" y="2632764"/>
+                  <a:ext cx="1488708" cy="400916"/>
+                </a:xfrm>
+                <a:prstGeom prst="rect">
+                  <a:avLst/>
+                </a:prstGeom>
+                <a:solidFill>
+                  <a:schemeClr val="accent2"/>
+                </a:solidFill>
+                <a:ln>
+                  <a:solidFill>
+                    <a:schemeClr val="tx1"/>
+                  </a:solidFill>
+                </a:ln>
+              </p:spPr>
+              <p:style>
+                <a:lnRef idx="2">
+                  <a:schemeClr val="accent1">
+                    <a:shade val="15000"/>
+                  </a:schemeClr>
+                </a:lnRef>
+                <a:fillRef idx="1">
+                  <a:schemeClr val="accent1"/>
+                </a:fillRef>
+                <a:effectRef idx="0">
+                  <a:schemeClr val="accent1"/>
+                </a:effectRef>
+                <a:fontRef idx="minor">
+                  <a:schemeClr val="lt1"/>
+                </a:fontRef>
+              </p:style>
+              <p:txBody>
+                <a:bodyPr rtlCol="0" anchor="ctr"/>
+                <a:lstStyle/>
+                <a:p>
+                  <a:pPr algn="ctr"/>
+                  <a:r>
+                    <a:rPr lang="en-US" b="1" dirty="0">
+                      <a:solidFill>
+                        <a:schemeClr val="tx1">
+                          <a:lumMod val="85000"/>
+                          <a:lumOff val="15000"/>
+                        </a:schemeClr>
+                      </a:solidFill>
+                    </a:rPr>
+                    <a:t>bugs.csv</a:t>
+                  </a:r>
+                </a:p>
+              </p:txBody>
+            </p:sp>
+            <p:sp>
+              <p:nvSpPr>
+                <p:cNvPr id="11" name="Rectangle 10">
+                  <a:extLst>
+                    <a:ext uri="{FF2B5EF4-FFF2-40B4-BE49-F238E27FC236}">
+                      <a16:creationId xmlns:a16="http://schemas.microsoft.com/office/drawing/2014/main" id="{D5531921-D85A-B129-1211-1474970D5960}"/>
+                    </a:ext>
+                  </a:extLst>
+                </p:cNvPr>
+                <p:cNvSpPr/>
+                <p:nvPr/>
+              </p:nvSpPr>
+              <p:spPr>
+                <a:xfrm>
+                  <a:off x="6014789" y="3020980"/>
+                  <a:ext cx="1488708" cy="400916"/>
+                </a:xfrm>
+                <a:prstGeom prst="rect">
+                  <a:avLst/>
+                </a:prstGeom>
+                <a:solidFill>
+                  <a:schemeClr val="accent2"/>
+                </a:solidFill>
+                <a:ln>
+                  <a:solidFill>
+                    <a:schemeClr val="tx1"/>
+                  </a:solidFill>
+                </a:ln>
+              </p:spPr>
+              <p:style>
+                <a:lnRef idx="2">
+                  <a:schemeClr val="accent1">
+                    <a:shade val="15000"/>
+                  </a:schemeClr>
+                </a:lnRef>
+                <a:fillRef idx="1">
+                  <a:schemeClr val="accent1"/>
+                </a:fillRef>
+                <a:effectRef idx="0">
+                  <a:schemeClr val="accent1"/>
+                </a:effectRef>
+                <a:fontRef idx="minor">
+                  <a:schemeClr val="lt1"/>
+                </a:fontRef>
+              </p:style>
+              <p:txBody>
+                <a:bodyPr rtlCol="0" anchor="ctr"/>
+                <a:lstStyle/>
+                <a:p>
+                  <a:pPr algn="ctr"/>
+                  <a:r>
+                    <a:rPr lang="en-US" b="1" dirty="0">
+                      <a:solidFill>
+                        <a:schemeClr val="tx1">
+                          <a:lumMod val="85000"/>
+                          <a:lumOff val="15000"/>
+                        </a:schemeClr>
+                      </a:solidFill>
+                    </a:rPr>
+                    <a:t>bugs.csv</a:t>
+                  </a:r>
+                </a:p>
+              </p:txBody>
+            </p:sp>
+            <p:sp>
+              <p:nvSpPr>
+                <p:cNvPr id="12" name="Rectangle 11">
+                  <a:extLst>
+                    <a:ext uri="{FF2B5EF4-FFF2-40B4-BE49-F238E27FC236}">
+                      <a16:creationId xmlns:a16="http://schemas.microsoft.com/office/drawing/2014/main" id="{28FF2BE5-36D3-28C4-0A83-4468FD5E10C4}"/>
+                    </a:ext>
+                  </a:extLst>
+                </p:cNvPr>
+                <p:cNvSpPr/>
+                <p:nvPr/>
+              </p:nvSpPr>
+              <p:spPr>
+                <a:xfrm>
+                  <a:off x="6014789" y="3414724"/>
+                  <a:ext cx="1488708" cy="400916"/>
+                </a:xfrm>
+                <a:prstGeom prst="rect">
+                  <a:avLst/>
+                </a:prstGeom>
+                <a:solidFill>
+                  <a:schemeClr val="accent2"/>
+                </a:solidFill>
+                <a:ln>
+                  <a:solidFill>
+                    <a:schemeClr val="tx1"/>
+                  </a:solidFill>
+                </a:ln>
+              </p:spPr>
+              <p:style>
+                <a:lnRef idx="2">
+                  <a:schemeClr val="accent1">
+                    <a:shade val="15000"/>
+                  </a:schemeClr>
+                </a:lnRef>
+                <a:fillRef idx="1">
+                  <a:schemeClr val="accent1"/>
+                </a:fillRef>
+                <a:effectRef idx="0">
+                  <a:schemeClr val="accent1"/>
+                </a:effectRef>
+                <a:fontRef idx="minor">
+                  <a:schemeClr val="lt1"/>
+                </a:fontRef>
+              </p:style>
+              <p:txBody>
+                <a:bodyPr rtlCol="0" anchor="ctr"/>
+                <a:lstStyle/>
+                <a:p>
+                  <a:pPr algn="ctr"/>
+                  <a:r>
+                    <a:rPr lang="en-US" b="1" dirty="0">
+                      <a:solidFill>
+                        <a:schemeClr val="tx1">
+                          <a:lumMod val="85000"/>
+                          <a:lumOff val="15000"/>
+                        </a:schemeClr>
+                      </a:solidFill>
+                    </a:rPr>
+                    <a:t>bugs.csv</a:t>
+                  </a:r>
+                </a:p>
+              </p:txBody>
+            </p:sp>
+          </p:grpSp>
+          <p:pic>
+            <p:nvPicPr>
+              <p:cNvPr id="14" name="Picture 2" descr="📄 Page Facing Up Emoji">
+                <a:extLst>
+                  <a:ext uri="{FF2B5EF4-FFF2-40B4-BE49-F238E27FC236}">
+                    <a16:creationId xmlns:a16="http://schemas.microsoft.com/office/drawing/2014/main" id="{A3338721-BF96-25F3-84AE-664938D14CB8}"/>
+                  </a:ext>
+                </a:extLst>
+              </p:cNvPr>
+              <p:cNvPicPr>
+                <a:picLocks noChangeAspect="1" noChangeArrowheads="1"/>
+              </p:cNvPicPr>
+              <p:nvPr/>
+            </p:nvPicPr>
+            <p:blipFill>
+              <a:blip r:embed="rId4">
+                <a:duotone>
+                  <a:prstClr val="black"/>
+                  <a:schemeClr val="accent5">
+                    <a:tint val="45000"/>
+                    <a:satMod val="400000"/>
+                  </a:schemeClr>
+                </a:duotone>
+                <a:extLst>
+                  <a:ext uri="{28A0092B-C50C-407E-A947-70E740481C1C}">
+                    <a14:useLocalDpi xmlns:a14="http://schemas.microsoft.com/office/drawing/2010/main" val="0"/>
+                  </a:ext>
+                </a:extLst>
+              </a:blip>
+              <a:srcRect/>
+              <a:stretch>
+                <a:fillRect/>
+              </a:stretch>
+            </p:blipFill>
+            <p:spPr bwMode="auto">
+              <a:xfrm>
+                <a:off x="10278889" y="1589402"/>
+                <a:ext cx="588029" cy="588029"/>
+              </a:xfrm>
+              <a:prstGeom prst="rect">
+                <a:avLst/>
+              </a:prstGeom>
+              <a:noFill/>
+              <a:extLst>
+                <a:ext uri="{909E8E84-426E-40DD-AFC4-6F175D3DCCD1}">
+                  <a14:hiddenFill xmlns:a14="http://schemas.microsoft.com/office/drawing/2010/main">
+                    <a:solidFill>
+                      <a:srgbClr val="FFFFFF"/>
+                    </a:solidFill>
+                  </a14:hiddenFill>
+                </a:ext>
+              </a:extLst>
+            </p:spPr>
+          </p:pic>
+        </p:grpSp>
+        <p:sp>
+          <p:nvSpPr>
+            <p:cNvPr id="2" name="Rectangle 1">
+              <a:extLst>
+                <a:ext uri="{FF2B5EF4-FFF2-40B4-BE49-F238E27FC236}">
+                  <a16:creationId xmlns:a16="http://schemas.microsoft.com/office/drawing/2014/main" id="{E28C3D51-3992-F4FF-FAA5-162E9E0DD702}"/>
+                </a:ext>
+              </a:extLst>
+            </p:cNvPr>
+            <p:cNvSpPr/>
+            <p:nvPr/>
+          </p:nvSpPr>
+          <p:spPr>
+            <a:xfrm>
+              <a:off x="7295171" y="2931630"/>
+              <a:ext cx="1488708" cy="400916"/>
+            </a:xfrm>
+            <a:prstGeom prst="rect">
+              <a:avLst/>
+            </a:prstGeom>
+            <a:solidFill>
+              <a:schemeClr val="accent6">
+                <a:lumMod val="60000"/>
+                <a:lumOff val="40000"/>
+              </a:schemeClr>
+            </a:solidFill>
+            <a:ln>
+              <a:solidFill>
+                <a:schemeClr val="tx1"/>
+              </a:solidFill>
+            </a:ln>
+          </p:spPr>
+          <p:style>
+            <a:lnRef idx="2">
+              <a:schemeClr val="accent1">
+                <a:shade val="15000"/>
+              </a:schemeClr>
+            </a:lnRef>
+            <a:fillRef idx="1">
+              <a:schemeClr val="accent1"/>
+            </a:fillRef>
+            <a:effectRef idx="0">
+              <a:schemeClr val="accent1"/>
+            </a:effectRef>
+            <a:fontRef idx="minor">
+              <a:schemeClr val="lt1"/>
+            </a:fontRef>
+          </p:style>
+          <p:txBody>
+            <a:bodyPr rtlCol="0" anchor="ctr"/>
+            <a:lstStyle/>
+            <a:p>
+              <a:pPr algn="ctr"/>
+              <a:r>
+                <a:rPr lang="en-US" b="1" dirty="0">
+                  <a:solidFill>
+                    <a:schemeClr val="tx1">
+                      <a:lumMod val="85000"/>
+                      <a:lumOff val="15000"/>
+                    </a:schemeClr>
+                  </a:solidFill>
+                </a:rPr>
+                <a:t>…</a:t>
+              </a:r>
+            </a:p>
+          </p:txBody>
+        </p:sp>
+        <p:sp>
+          <p:nvSpPr>
+            <p:cNvPr id="3" name="Rectangle 2">
+              <a:extLst>
+                <a:ext uri="{FF2B5EF4-FFF2-40B4-BE49-F238E27FC236}">
+                  <a16:creationId xmlns:a16="http://schemas.microsoft.com/office/drawing/2014/main" id="{31370867-979E-2152-58D5-6D1935960415}"/>
+                </a:ext>
+              </a:extLst>
+            </p:cNvPr>
+            <p:cNvSpPr/>
+            <p:nvPr/>
+          </p:nvSpPr>
+          <p:spPr>
+            <a:xfrm>
+              <a:off x="8783879" y="2931630"/>
+              <a:ext cx="1528409" cy="400916"/>
+            </a:xfrm>
+            <a:prstGeom prst="rect">
+              <a:avLst/>
+            </a:prstGeom>
+            <a:solidFill>
+              <a:schemeClr val="accent5">
+                <a:lumMod val="40000"/>
+                <a:lumOff val="60000"/>
+              </a:schemeClr>
+            </a:solidFill>
+            <a:ln>
+              <a:solidFill>
+                <a:schemeClr val="tx1"/>
+              </a:solidFill>
+            </a:ln>
+          </p:spPr>
+          <p:style>
+            <a:lnRef idx="2">
+              <a:schemeClr val="accent1">
+                <a:shade val="15000"/>
+              </a:schemeClr>
+            </a:lnRef>
+            <a:fillRef idx="1">
+              <a:schemeClr val="accent1"/>
+            </a:fillRef>
+            <a:effectRef idx="0">
+              <a:schemeClr val="accent1"/>
+            </a:effectRef>
+            <a:fontRef idx="minor">
+              <a:schemeClr val="lt1"/>
+            </a:fontRef>
+          </p:style>
+          <p:txBody>
+            <a:bodyPr rtlCol="0" anchor="ctr"/>
+            <a:lstStyle/>
+            <a:p>
+              <a:pPr algn="ctr"/>
+              <a:r>
+                <a:rPr lang="en-US" b="1" dirty="0">
+                  <a:solidFill>
+                    <a:schemeClr val="tx1">
+                      <a:lumMod val="85000"/>
+                      <a:lumOff val="15000"/>
+                    </a:schemeClr>
+                  </a:solidFill>
+                </a:rPr>
+                <a:t>…</a:t>
+              </a:r>
+            </a:p>
+          </p:txBody>
+        </p:sp>
+        <p:sp>
+          <p:nvSpPr>
+            <p:cNvPr id="4" name="Rectangle 3">
+              <a:extLst>
+                <a:ext uri="{FF2B5EF4-FFF2-40B4-BE49-F238E27FC236}">
+                  <a16:creationId xmlns:a16="http://schemas.microsoft.com/office/drawing/2014/main" id="{029956DD-4B3D-3D7F-F842-D10D319C4603}"/>
+                </a:ext>
+              </a:extLst>
+            </p:cNvPr>
+            <p:cNvSpPr/>
+            <p:nvPr/>
+          </p:nvSpPr>
+          <p:spPr>
+            <a:xfrm>
+              <a:off x="5806462" y="2931630"/>
+              <a:ext cx="1488708" cy="400916"/>
+            </a:xfrm>
+            <a:prstGeom prst="rect">
+              <a:avLst/>
+            </a:prstGeom>
+            <a:solidFill>
+              <a:schemeClr val="accent6"/>
+            </a:solidFill>
+            <a:ln>
+              <a:solidFill>
+                <a:schemeClr val="tx1"/>
+              </a:solidFill>
+            </a:ln>
+          </p:spPr>
+          <p:style>
+            <a:lnRef idx="2">
+              <a:schemeClr val="accent1">
+                <a:shade val="15000"/>
+              </a:schemeClr>
+            </a:lnRef>
+            <a:fillRef idx="1">
+              <a:schemeClr val="accent1"/>
+            </a:fillRef>
+            <a:effectRef idx="0">
+              <a:schemeClr val="accent1"/>
+            </a:effectRef>
+            <a:fontRef idx="minor">
+              <a:schemeClr val="lt1"/>
+            </a:fontRef>
+          </p:style>
+          <p:txBody>
+            <a:bodyPr rtlCol="0" anchor="ctr"/>
+            <a:lstStyle/>
+            <a:p>
+              <a:pPr algn="ctr"/>
+              <a:r>
+                <a:rPr lang="en-US" b="1" dirty="0">
+                  <a:solidFill>
+                    <a:schemeClr val="tx1">
+                      <a:lumMod val="85000"/>
+                      <a:lumOff val="15000"/>
+                    </a:schemeClr>
+                  </a:solidFill>
+                </a:rPr>
+                <a:t>…</a:t>
+              </a:r>
+            </a:p>
+          </p:txBody>
+        </p:sp>
+        <p:sp>
+          <p:nvSpPr>
+            <p:cNvPr id="5" name="Rectangle 4">
+              <a:extLst>
+                <a:ext uri="{FF2B5EF4-FFF2-40B4-BE49-F238E27FC236}">
+                  <a16:creationId xmlns:a16="http://schemas.microsoft.com/office/drawing/2014/main" id="{804EFAFA-6F4E-4308-EC5A-767A67C1F643}"/>
+                </a:ext>
+              </a:extLst>
+            </p:cNvPr>
+            <p:cNvSpPr/>
+            <p:nvPr/>
+          </p:nvSpPr>
+          <p:spPr>
+            <a:xfrm>
+              <a:off x="7294065" y="3327005"/>
+              <a:ext cx="1488708" cy="400916"/>
+            </a:xfrm>
+            <a:prstGeom prst="rect">
+              <a:avLst/>
+            </a:prstGeom>
+            <a:solidFill>
+              <a:srgbClr val="FFABFF"/>
+            </a:solidFill>
+            <a:ln>
+              <a:solidFill>
+                <a:schemeClr val="tx1"/>
+              </a:solidFill>
+            </a:ln>
+          </p:spPr>
+          <p:style>
+            <a:lnRef idx="2">
+              <a:schemeClr val="accent1">
+                <a:shade val="15000"/>
+              </a:schemeClr>
+            </a:lnRef>
+            <a:fillRef idx="1">
+              <a:schemeClr val="accent1"/>
+            </a:fillRef>
+            <a:effectRef idx="0">
+              <a:schemeClr val="accent1"/>
+            </a:effectRef>
+            <a:fontRef idx="minor">
+              <a:schemeClr val="lt1"/>
+            </a:fontRef>
+          </p:style>
+          <p:txBody>
+            <a:bodyPr rtlCol="0" anchor="ctr"/>
+            <a:lstStyle/>
+            <a:p>
+              <a:pPr algn="ctr"/>
+              <a:r>
+                <a:rPr lang="en-US" b="1" dirty="0">
+                  <a:solidFill>
+                    <a:schemeClr val="tx1">
+                      <a:lumMod val="85000"/>
+                      <a:lumOff val="15000"/>
+                    </a:schemeClr>
+                  </a:solidFill>
+                </a:rPr>
+                <a:t>…</a:t>
+              </a:r>
+            </a:p>
+          </p:txBody>
+        </p:sp>
+        <p:sp>
+          <p:nvSpPr>
+            <p:cNvPr id="6" name="Rectangle 5">
+              <a:extLst>
+                <a:ext uri="{FF2B5EF4-FFF2-40B4-BE49-F238E27FC236}">
+                  <a16:creationId xmlns:a16="http://schemas.microsoft.com/office/drawing/2014/main" id="{7093D1B2-968C-0B6F-7011-15E5CAA9D08C}"/>
+                </a:ext>
+              </a:extLst>
+            </p:cNvPr>
+            <p:cNvSpPr/>
+            <p:nvPr/>
+          </p:nvSpPr>
+          <p:spPr>
+            <a:xfrm>
+              <a:off x="8782773" y="3327005"/>
+              <a:ext cx="1528409" cy="400916"/>
+            </a:xfrm>
+            <a:prstGeom prst="rect">
+              <a:avLst/>
+            </a:prstGeom>
+            <a:solidFill>
+              <a:schemeClr val="accent5">
+                <a:lumMod val="40000"/>
+                <a:lumOff val="60000"/>
+              </a:schemeClr>
+            </a:solidFill>
+            <a:ln>
+              <a:solidFill>
+                <a:schemeClr val="tx1"/>
+              </a:solidFill>
+            </a:ln>
+          </p:spPr>
+          <p:style>
+            <a:lnRef idx="2">
+              <a:schemeClr val="accent1">
+                <a:shade val="15000"/>
+              </a:schemeClr>
+            </a:lnRef>
+            <a:fillRef idx="1">
+              <a:schemeClr val="accent1"/>
+            </a:fillRef>
+            <a:effectRef idx="0">
+              <a:schemeClr val="accent1"/>
+            </a:effectRef>
+            <a:fontRef idx="minor">
+              <a:schemeClr val="lt1"/>
+            </a:fontRef>
+          </p:style>
+          <p:txBody>
+            <a:bodyPr rtlCol="0" anchor="ctr"/>
+            <a:lstStyle/>
+            <a:p>
+              <a:pPr algn="ctr"/>
+              <a:r>
+                <a:rPr lang="en-US" b="1" dirty="0">
+                  <a:solidFill>
+                    <a:schemeClr val="tx1">
+                      <a:lumMod val="85000"/>
+                      <a:lumOff val="15000"/>
+                    </a:schemeClr>
+                  </a:solidFill>
+                </a:rPr>
+                <a:t>…</a:t>
+              </a:r>
+            </a:p>
+          </p:txBody>
+        </p:sp>
+        <p:sp>
+          <p:nvSpPr>
+            <p:cNvPr id="7" name="Rectangle 6">
+              <a:extLst>
+                <a:ext uri="{FF2B5EF4-FFF2-40B4-BE49-F238E27FC236}">
+                  <a16:creationId xmlns:a16="http://schemas.microsoft.com/office/drawing/2014/main" id="{FBDA04DE-C356-9D92-0ACE-7C3C087D03C7}"/>
+                </a:ext>
+              </a:extLst>
+            </p:cNvPr>
+            <p:cNvSpPr/>
+            <p:nvPr/>
+          </p:nvSpPr>
+          <p:spPr>
+            <a:xfrm>
+              <a:off x="5805356" y="3327005"/>
+              <a:ext cx="1488708" cy="400916"/>
+            </a:xfrm>
+            <a:prstGeom prst="rect">
+              <a:avLst/>
+            </a:prstGeom>
+            <a:solidFill>
+              <a:srgbClr val="FF8CFC"/>
+            </a:solidFill>
+            <a:ln>
+              <a:solidFill>
+                <a:schemeClr val="tx1"/>
+              </a:solidFill>
+            </a:ln>
+          </p:spPr>
+          <p:style>
+            <a:lnRef idx="2">
+              <a:schemeClr val="accent1">
+                <a:shade val="15000"/>
+              </a:schemeClr>
+            </a:lnRef>
+            <a:fillRef idx="1">
+              <a:schemeClr val="accent1"/>
+            </a:fillRef>
+            <a:effectRef idx="0">
+              <a:schemeClr val="accent1"/>
+            </a:effectRef>
+            <a:fontRef idx="minor">
+              <a:schemeClr val="lt1"/>
+            </a:fontRef>
+          </p:style>
+          <p:txBody>
+            <a:bodyPr rtlCol="0" anchor="ctr"/>
+            <a:lstStyle/>
+            <a:p>
+              <a:pPr algn="ctr"/>
+              <a:r>
+                <a:rPr lang="en-US" b="1" dirty="0">
+                  <a:solidFill>
+                    <a:schemeClr val="tx1">
+                      <a:lumMod val="85000"/>
+                      <a:lumOff val="15000"/>
+                    </a:schemeClr>
+                  </a:solidFill>
+                </a:rPr>
+                <a:t>…</a:t>
+              </a:r>
+            </a:p>
+          </p:txBody>
+        </p:sp>
+        <p:sp>
+          <p:nvSpPr>
+            <p:cNvPr id="17" name="Rectangle 16">
+              <a:extLst>
+                <a:ext uri="{FF2B5EF4-FFF2-40B4-BE49-F238E27FC236}">
+                  <a16:creationId xmlns:a16="http://schemas.microsoft.com/office/drawing/2014/main" id="{6BBCBA4D-EFCF-89EF-FE16-F6B10CD371B6}"/>
+                </a:ext>
+              </a:extLst>
+            </p:cNvPr>
+            <p:cNvSpPr/>
+            <p:nvPr/>
+          </p:nvSpPr>
+          <p:spPr>
+            <a:xfrm>
+              <a:off x="7293234" y="3721934"/>
+              <a:ext cx="1488708" cy="400916"/>
+            </a:xfrm>
+            <a:prstGeom prst="rect">
+              <a:avLst/>
+            </a:prstGeom>
+            <a:solidFill>
+              <a:schemeClr val="accent4">
+                <a:lumMod val="60000"/>
+                <a:lumOff val="40000"/>
+              </a:schemeClr>
+            </a:solidFill>
+            <a:ln>
+              <a:solidFill>
+                <a:schemeClr val="tx1"/>
+              </a:solidFill>
+            </a:ln>
+          </p:spPr>
+          <p:style>
+            <a:lnRef idx="2">
+              <a:schemeClr val="accent1">
+                <a:shade val="15000"/>
+              </a:schemeClr>
+            </a:lnRef>
+            <a:fillRef idx="1">
+              <a:schemeClr val="accent1"/>
+            </a:fillRef>
+            <a:effectRef idx="0">
+              <a:schemeClr val="accent1"/>
+            </a:effectRef>
+            <a:fontRef idx="minor">
+              <a:schemeClr val="lt1"/>
+            </a:fontRef>
+          </p:style>
+          <p:txBody>
+            <a:bodyPr rtlCol="0" anchor="ctr"/>
+            <a:lstStyle/>
+            <a:p>
+              <a:pPr algn="ctr"/>
+              <a:r>
+                <a:rPr lang="en-US" b="1" dirty="0">
+                  <a:solidFill>
+                    <a:schemeClr val="tx1">
+                      <a:lumMod val="85000"/>
+                      <a:lumOff val="15000"/>
+                    </a:schemeClr>
+                  </a:solidFill>
+                </a:rPr>
+                <a:t>…</a:t>
+              </a:r>
+            </a:p>
+          </p:txBody>
+        </p:sp>
+        <p:sp>
+          <p:nvSpPr>
+            <p:cNvPr id="27" name="Rectangle 26">
+              <a:extLst>
+                <a:ext uri="{FF2B5EF4-FFF2-40B4-BE49-F238E27FC236}">
+                  <a16:creationId xmlns:a16="http://schemas.microsoft.com/office/drawing/2014/main" id="{E1E1BF0D-9A01-B79F-57C3-7A03B3CD4CBF}"/>
+                </a:ext>
+              </a:extLst>
+            </p:cNvPr>
+            <p:cNvSpPr/>
+            <p:nvPr/>
+          </p:nvSpPr>
+          <p:spPr>
+            <a:xfrm>
+              <a:off x="8781942" y="3721934"/>
+              <a:ext cx="1528409" cy="400916"/>
+            </a:xfrm>
+            <a:prstGeom prst="rect">
+              <a:avLst/>
+            </a:prstGeom>
+            <a:solidFill>
+              <a:schemeClr val="accent5">
+                <a:lumMod val="40000"/>
+                <a:lumOff val="60000"/>
+              </a:schemeClr>
+            </a:solidFill>
+            <a:ln>
+              <a:solidFill>
+                <a:schemeClr val="tx1"/>
+              </a:solidFill>
+            </a:ln>
+          </p:spPr>
+          <p:style>
+            <a:lnRef idx="2">
+              <a:schemeClr val="accent1">
+                <a:shade val="15000"/>
+              </a:schemeClr>
+            </a:lnRef>
+            <a:fillRef idx="1">
+              <a:schemeClr val="accent1"/>
+            </a:fillRef>
+            <a:effectRef idx="0">
+              <a:schemeClr val="accent1"/>
+            </a:effectRef>
+            <a:fontRef idx="minor">
+              <a:schemeClr val="lt1"/>
+            </a:fontRef>
+          </p:style>
+          <p:txBody>
+            <a:bodyPr rtlCol="0" anchor="ctr"/>
+            <a:lstStyle/>
+            <a:p>
+              <a:pPr algn="ctr"/>
+              <a:r>
+                <a:rPr lang="en-US" b="1" dirty="0">
+                  <a:solidFill>
+                    <a:schemeClr val="tx1">
+                      <a:lumMod val="85000"/>
+                      <a:lumOff val="15000"/>
+                    </a:schemeClr>
+                  </a:solidFill>
+                </a:rPr>
+                <a:t>…</a:t>
+              </a:r>
+            </a:p>
+          </p:txBody>
+        </p:sp>
+        <p:sp>
+          <p:nvSpPr>
+            <p:cNvPr id="30" name="Rectangle 29">
+              <a:extLst>
+                <a:ext uri="{FF2B5EF4-FFF2-40B4-BE49-F238E27FC236}">
+                  <a16:creationId xmlns:a16="http://schemas.microsoft.com/office/drawing/2014/main" id="{2C0F5DE1-F93A-6F95-B56A-CB43A35E0CCC}"/>
+                </a:ext>
+              </a:extLst>
+            </p:cNvPr>
+            <p:cNvSpPr/>
+            <p:nvPr/>
+          </p:nvSpPr>
+          <p:spPr>
+            <a:xfrm>
+              <a:off x="5804525" y="3721934"/>
+              <a:ext cx="1488708" cy="400916"/>
+            </a:xfrm>
+            <a:prstGeom prst="rect">
+              <a:avLst/>
+            </a:prstGeom>
+            <a:solidFill>
+              <a:schemeClr val="accent4"/>
+            </a:solidFill>
+            <a:ln>
+              <a:solidFill>
+                <a:schemeClr val="tx1"/>
+              </a:solidFill>
+            </a:ln>
+          </p:spPr>
+          <p:style>
+            <a:lnRef idx="2">
+              <a:schemeClr val="accent1">
+                <a:shade val="15000"/>
+              </a:schemeClr>
+            </a:lnRef>
+            <a:fillRef idx="1">
+              <a:schemeClr val="accent1"/>
+            </a:fillRef>
+            <a:effectRef idx="0">
+              <a:schemeClr val="accent1"/>
+            </a:effectRef>
+            <a:fontRef idx="minor">
+              <a:schemeClr val="lt1"/>
+            </a:fontRef>
+          </p:style>
+          <p:txBody>
+            <a:bodyPr rtlCol="0" anchor="ctr"/>
+            <a:lstStyle/>
+            <a:p>
+              <a:pPr algn="ctr"/>
+              <a:r>
+                <a:rPr lang="en-US" b="1" dirty="0">
+                  <a:solidFill>
+                    <a:schemeClr val="tx1">
+                      <a:lumMod val="85000"/>
+                      <a:lumOff val="15000"/>
+                    </a:schemeClr>
+                  </a:solidFill>
+                </a:rPr>
+                <a:t>…</a:t>
+              </a:r>
+            </a:p>
+          </p:txBody>
+        </p:sp>
+      </p:grpSp>
+      <p:grpSp>
+        <p:nvGrpSpPr>
+          <p:cNvPr id="54" name="Group 53">
+            <a:extLst>
+              <a:ext uri="{FF2B5EF4-FFF2-40B4-BE49-F238E27FC236}">
+                <a16:creationId xmlns:a16="http://schemas.microsoft.com/office/drawing/2014/main" id="{AB3C87F2-9CA3-AAFD-EA63-2CB0AFB2A606}"/>
+              </a:ext>
+            </a:extLst>
+          </p:cNvPr>
+          <p:cNvGrpSpPr/>
+          <p:nvPr/>
+        </p:nvGrpSpPr>
+        <p:grpSpPr>
+          <a:xfrm>
+            <a:off x="3976823" y="3687125"/>
+            <a:ext cx="2185338" cy="801833"/>
+            <a:chOff x="1478047" y="1769427"/>
+            <a:chExt cx="2185338" cy="801833"/>
+          </a:xfrm>
+        </p:grpSpPr>
+        <p:sp>
+          <p:nvSpPr>
+            <p:cNvPr id="55" name="Rectangle 54">
+              <a:extLst>
+                <a:ext uri="{FF2B5EF4-FFF2-40B4-BE49-F238E27FC236}">
+                  <a16:creationId xmlns:a16="http://schemas.microsoft.com/office/drawing/2014/main" id="{58367383-272A-A1BB-69CF-B36ACFBBD0A8}"/>
+                </a:ext>
+              </a:extLst>
+            </p:cNvPr>
+            <p:cNvSpPr/>
+            <p:nvPr/>
+          </p:nvSpPr>
+          <p:spPr>
+            <a:xfrm>
+              <a:off x="1478047" y="1769428"/>
+              <a:ext cx="661337" cy="400916"/>
+            </a:xfrm>
+            <a:prstGeom prst="rect">
+              <a:avLst/>
+            </a:prstGeom>
+            <a:solidFill>
+              <a:schemeClr val="accent5">
+                <a:lumMod val="40000"/>
+                <a:lumOff val="60000"/>
+              </a:schemeClr>
+            </a:solidFill>
+            <a:ln>
+              <a:solidFill>
+                <a:schemeClr val="tx1"/>
+              </a:solidFill>
+            </a:ln>
+          </p:spPr>
+          <p:style>
+            <a:lnRef idx="2">
+              <a:schemeClr val="accent1">
+                <a:shade val="15000"/>
+              </a:schemeClr>
+            </a:lnRef>
+            <a:fillRef idx="1">
+              <a:schemeClr val="accent1"/>
+            </a:fillRef>
+            <a:effectRef idx="0">
+              <a:schemeClr val="accent1"/>
+            </a:effectRef>
+            <a:fontRef idx="minor">
+              <a:schemeClr val="lt1"/>
+            </a:fontRef>
+          </p:style>
+          <p:txBody>
+            <a:bodyPr rtlCol="0" anchor="ctr"/>
+            <a:lstStyle/>
+            <a:p>
+              <a:pPr algn="ctr"/>
+              <a:r>
+                <a:rPr lang="en-US" b="1" dirty="0">
+                  <a:solidFill>
+                    <a:schemeClr val="tx1">
+                      <a:lumMod val="85000"/>
+                      <a:lumOff val="15000"/>
+                    </a:schemeClr>
+                  </a:solidFill>
+                </a:rPr>
+                <a:t>site</a:t>
+              </a:r>
+            </a:p>
+          </p:txBody>
+        </p:sp>
+        <p:sp>
+          <p:nvSpPr>
+            <p:cNvPr id="56" name="Rectangle 55">
+              <a:extLst>
+                <a:ext uri="{FF2B5EF4-FFF2-40B4-BE49-F238E27FC236}">
+                  <a16:creationId xmlns:a16="http://schemas.microsoft.com/office/drawing/2014/main" id="{D64C6B63-2712-40BB-55A1-66C3B090775C}"/>
+                </a:ext>
+              </a:extLst>
+            </p:cNvPr>
+            <p:cNvSpPr/>
+            <p:nvPr/>
+          </p:nvSpPr>
+          <p:spPr>
+            <a:xfrm>
+              <a:off x="2136391" y="1769427"/>
+              <a:ext cx="692018" cy="400916"/>
+            </a:xfrm>
+            <a:prstGeom prst="rect">
+              <a:avLst/>
+            </a:prstGeom>
+            <a:solidFill>
+              <a:schemeClr val="accent5">
+                <a:lumMod val="40000"/>
+                <a:lumOff val="60000"/>
+              </a:schemeClr>
+            </a:solidFill>
+            <a:ln>
+              <a:solidFill>
+                <a:schemeClr val="tx1"/>
+              </a:solidFill>
+            </a:ln>
+          </p:spPr>
+          <p:style>
+            <a:lnRef idx="2">
+              <a:schemeClr val="accent1">
+                <a:shade val="15000"/>
+              </a:schemeClr>
+            </a:lnRef>
+            <a:fillRef idx="1">
+              <a:schemeClr val="accent1"/>
+            </a:fillRef>
+            <a:effectRef idx="0">
+              <a:schemeClr val="accent1"/>
+            </a:effectRef>
+            <a:fontRef idx="minor">
+              <a:schemeClr val="lt1"/>
+            </a:fontRef>
+          </p:style>
+          <p:txBody>
+            <a:bodyPr rtlCol="0" anchor="ctr"/>
+            <a:lstStyle/>
+            <a:p>
+              <a:pPr algn="ctr"/>
+              <a:r>
+                <a:rPr lang="en-US" b="1" dirty="0">
+                  <a:solidFill>
+                    <a:schemeClr val="tx1">
+                      <a:lumMod val="85000"/>
+                      <a:lumOff val="15000"/>
+                    </a:schemeClr>
+                  </a:solidFill>
+                </a:rPr>
+                <a:t>plot</a:t>
+              </a:r>
+            </a:p>
+          </p:txBody>
+        </p:sp>
+        <p:sp>
+          <p:nvSpPr>
+            <p:cNvPr id="57" name="Rectangle 56">
+              <a:extLst>
+                <a:ext uri="{FF2B5EF4-FFF2-40B4-BE49-F238E27FC236}">
+                  <a16:creationId xmlns:a16="http://schemas.microsoft.com/office/drawing/2014/main" id="{BE55B082-9C84-4CAA-3F6F-27C6B65C2C0A}"/>
+                </a:ext>
+              </a:extLst>
+            </p:cNvPr>
+            <p:cNvSpPr/>
+            <p:nvPr/>
+          </p:nvSpPr>
+          <p:spPr>
+            <a:xfrm>
+              <a:off x="2823130" y="1769427"/>
+              <a:ext cx="840254" cy="400916"/>
+            </a:xfrm>
+            <a:prstGeom prst="rect">
+              <a:avLst/>
+            </a:prstGeom>
+            <a:solidFill>
+              <a:schemeClr val="accent5">
+                <a:lumMod val="40000"/>
+                <a:lumOff val="60000"/>
+              </a:schemeClr>
+            </a:solidFill>
+            <a:ln>
+              <a:solidFill>
+                <a:schemeClr val="tx1"/>
+              </a:solidFill>
+            </a:ln>
+          </p:spPr>
+          <p:style>
+            <a:lnRef idx="2">
+              <a:schemeClr val="accent1">
+                <a:shade val="15000"/>
+              </a:schemeClr>
+            </a:lnRef>
+            <a:fillRef idx="1">
+              <a:schemeClr val="accent1"/>
+            </a:fillRef>
+            <a:effectRef idx="0">
+              <a:schemeClr val="accent1"/>
+            </a:effectRef>
+            <a:fontRef idx="minor">
+              <a:schemeClr val="lt1"/>
+            </a:fontRef>
+          </p:style>
+          <p:txBody>
+            <a:bodyPr rtlCol="0" anchor="ctr"/>
+            <a:lstStyle/>
+            <a:p>
+              <a:pPr algn="ctr"/>
+              <a:r>
+                <a:rPr lang="en-US" b="1" dirty="0">
+                  <a:solidFill>
+                    <a:schemeClr val="tx1">
+                      <a:lumMod val="85000"/>
+                      <a:lumOff val="15000"/>
+                    </a:schemeClr>
+                  </a:solidFill>
+                </a:rPr>
+                <a:t>count</a:t>
+              </a:r>
+            </a:p>
+          </p:txBody>
+        </p:sp>
+        <p:sp>
+          <p:nvSpPr>
+            <p:cNvPr id="58" name="Rectangle 57">
+              <a:extLst>
+                <a:ext uri="{FF2B5EF4-FFF2-40B4-BE49-F238E27FC236}">
+                  <a16:creationId xmlns:a16="http://schemas.microsoft.com/office/drawing/2014/main" id="{A1A86712-1FF2-5EB7-CDCE-5ABEF84E3416}"/>
+                </a:ext>
+              </a:extLst>
+            </p:cNvPr>
+            <p:cNvSpPr/>
+            <p:nvPr/>
+          </p:nvSpPr>
+          <p:spPr>
+            <a:xfrm>
+              <a:off x="1478047" y="2170343"/>
+              <a:ext cx="661337" cy="400917"/>
+            </a:xfrm>
+            <a:prstGeom prst="rect">
+              <a:avLst/>
+            </a:prstGeom>
+            <a:solidFill>
+              <a:schemeClr val="accent2">
+                <a:lumMod val="20000"/>
+                <a:lumOff val="80000"/>
+              </a:schemeClr>
+            </a:solidFill>
+            <a:ln>
+              <a:solidFill>
+                <a:schemeClr val="tx1"/>
+              </a:solidFill>
+            </a:ln>
+          </p:spPr>
+          <p:style>
+            <a:lnRef idx="2">
+              <a:schemeClr val="accent1">
+                <a:shade val="15000"/>
+              </a:schemeClr>
+            </a:lnRef>
+            <a:fillRef idx="1">
+              <a:schemeClr val="accent1"/>
+            </a:fillRef>
+            <a:effectRef idx="0">
+              <a:schemeClr val="accent1"/>
+            </a:effectRef>
+            <a:fontRef idx="minor">
+              <a:schemeClr val="lt1"/>
+            </a:fontRef>
+          </p:style>
+          <p:txBody>
+            <a:bodyPr rtlCol="0" anchor="t"/>
+            <a:lstStyle/>
+            <a:p>
+              <a:pPr algn="ctr"/>
+              <a:r>
+                <a:rPr lang="en-US" b="1" dirty="0">
+                  <a:solidFill>
+                    <a:schemeClr val="tx1">
+                      <a:lumMod val="85000"/>
+                      <a:lumOff val="15000"/>
+                    </a:schemeClr>
+                  </a:solidFill>
+                </a:rPr>
+                <a:t>…</a:t>
+              </a:r>
+            </a:p>
+          </p:txBody>
+        </p:sp>
+        <p:sp>
+          <p:nvSpPr>
+            <p:cNvPr id="59" name="Rectangle 58">
+              <a:extLst>
+                <a:ext uri="{FF2B5EF4-FFF2-40B4-BE49-F238E27FC236}">
+                  <a16:creationId xmlns:a16="http://schemas.microsoft.com/office/drawing/2014/main" id="{A13A2F34-1043-5F96-E47D-5BBEBD541EB4}"/>
+                </a:ext>
+              </a:extLst>
+            </p:cNvPr>
+            <p:cNvSpPr/>
+            <p:nvPr/>
+          </p:nvSpPr>
+          <p:spPr>
+            <a:xfrm>
+              <a:off x="2136391" y="2170342"/>
+              <a:ext cx="692018" cy="400917"/>
+            </a:xfrm>
+            <a:prstGeom prst="rect">
+              <a:avLst/>
+            </a:prstGeom>
+            <a:solidFill>
+              <a:schemeClr val="accent2">
+                <a:lumMod val="20000"/>
+                <a:lumOff val="80000"/>
+              </a:schemeClr>
+            </a:solidFill>
+            <a:ln>
+              <a:solidFill>
+                <a:schemeClr val="tx1"/>
+              </a:solidFill>
+            </a:ln>
+          </p:spPr>
+          <p:style>
+            <a:lnRef idx="2">
+              <a:schemeClr val="accent1">
+                <a:shade val="15000"/>
+              </a:schemeClr>
+            </a:lnRef>
+            <a:fillRef idx="1">
+              <a:schemeClr val="accent1"/>
+            </a:fillRef>
+            <a:effectRef idx="0">
+              <a:schemeClr val="accent1"/>
+            </a:effectRef>
+            <a:fontRef idx="minor">
+              <a:schemeClr val="lt1"/>
+            </a:fontRef>
+          </p:style>
+          <p:txBody>
+            <a:bodyPr rtlCol="0" anchor="t"/>
+            <a:lstStyle/>
+            <a:p>
+              <a:pPr algn="ctr"/>
+              <a:r>
+                <a:rPr lang="en-US" b="1" dirty="0">
+                  <a:solidFill>
+                    <a:schemeClr val="tx1">
+                      <a:lumMod val="85000"/>
+                      <a:lumOff val="15000"/>
+                    </a:schemeClr>
+                  </a:solidFill>
+                </a:rPr>
+                <a:t>…</a:t>
+              </a:r>
+            </a:p>
+          </p:txBody>
+        </p:sp>
+        <p:sp>
+          <p:nvSpPr>
+            <p:cNvPr id="60" name="Rectangle 59">
+              <a:extLst>
+                <a:ext uri="{FF2B5EF4-FFF2-40B4-BE49-F238E27FC236}">
+                  <a16:creationId xmlns:a16="http://schemas.microsoft.com/office/drawing/2014/main" id="{41386E8A-8C83-FAE0-A00C-5AA300B16C11}"/>
+                </a:ext>
+              </a:extLst>
+            </p:cNvPr>
+            <p:cNvSpPr/>
+            <p:nvPr/>
+          </p:nvSpPr>
+          <p:spPr>
+            <a:xfrm>
+              <a:off x="2823131" y="2170342"/>
+              <a:ext cx="840254" cy="400917"/>
+            </a:xfrm>
+            <a:prstGeom prst="rect">
+              <a:avLst/>
+            </a:prstGeom>
+            <a:solidFill>
+              <a:schemeClr val="accent2">
+                <a:lumMod val="20000"/>
+                <a:lumOff val="80000"/>
+              </a:schemeClr>
+            </a:solidFill>
+            <a:ln>
+              <a:solidFill>
+                <a:schemeClr val="tx1"/>
+              </a:solidFill>
+            </a:ln>
+          </p:spPr>
+          <p:style>
+            <a:lnRef idx="2">
+              <a:schemeClr val="accent1">
+                <a:shade val="15000"/>
+              </a:schemeClr>
+            </a:lnRef>
+            <a:fillRef idx="1">
+              <a:schemeClr val="accent1"/>
+            </a:fillRef>
+            <a:effectRef idx="0">
+              <a:schemeClr val="accent1"/>
+            </a:effectRef>
+            <a:fontRef idx="minor">
+              <a:schemeClr val="lt1"/>
+            </a:fontRef>
+          </p:style>
+          <p:txBody>
+            <a:bodyPr rtlCol="0" anchor="t"/>
+            <a:lstStyle/>
+            <a:p>
+              <a:pPr algn="ctr"/>
+              <a:r>
+                <a:rPr lang="en-US" b="1" dirty="0">
+                  <a:solidFill>
+                    <a:schemeClr val="tx1">
+                      <a:lumMod val="85000"/>
+                      <a:lumOff val="15000"/>
+                    </a:schemeClr>
+                  </a:solidFill>
+                </a:rPr>
+                <a:t>…</a:t>
+              </a:r>
+            </a:p>
+          </p:txBody>
+        </p:sp>
+      </p:grpSp>
+      <p:grpSp>
+        <p:nvGrpSpPr>
+          <p:cNvPr id="61" name="Group 60">
+            <a:extLst>
+              <a:ext uri="{FF2B5EF4-FFF2-40B4-BE49-F238E27FC236}">
+                <a16:creationId xmlns:a16="http://schemas.microsoft.com/office/drawing/2014/main" id="{65B2F105-C83D-B176-07FA-565288FA3D99}"/>
+              </a:ext>
+            </a:extLst>
+          </p:cNvPr>
+          <p:cNvGrpSpPr/>
+          <p:nvPr/>
+        </p:nvGrpSpPr>
+        <p:grpSpPr>
+          <a:xfrm>
+            <a:off x="4810352" y="4615200"/>
+            <a:ext cx="1538164" cy="552286"/>
+            <a:chOff x="5134831" y="4968366"/>
+            <a:chExt cx="1538164" cy="552286"/>
+          </a:xfrm>
+        </p:grpSpPr>
+        <p:sp>
+          <p:nvSpPr>
+            <p:cNvPr id="66" name="Down Arrow 65">
+              <a:extLst>
+                <a:ext uri="{FF2B5EF4-FFF2-40B4-BE49-F238E27FC236}">
+                  <a16:creationId xmlns:a16="http://schemas.microsoft.com/office/drawing/2014/main" id="{482FF478-2652-1673-9507-C02A5C97EEE6}"/>
+                </a:ext>
+              </a:extLst>
+            </p:cNvPr>
+            <p:cNvSpPr/>
+            <p:nvPr/>
+          </p:nvSpPr>
+          <p:spPr>
+            <a:xfrm>
+              <a:off x="5134831" y="4968366"/>
+              <a:ext cx="331011" cy="552286"/>
+            </a:xfrm>
+            <a:prstGeom prst="downArrow">
+              <a:avLst/>
+            </a:prstGeom>
+            <a:solidFill>
+              <a:schemeClr val="bg1"/>
+            </a:solidFill>
+            <a:ln>
+              <a:solidFill>
+                <a:schemeClr val="tx1">
+                  <a:lumMod val="75000"/>
+                  <a:lumOff val="25000"/>
+                </a:schemeClr>
+              </a:solidFill>
+            </a:ln>
+          </p:spPr>
+          <p:style>
+            <a:lnRef idx="2">
+              <a:schemeClr val="accent1">
+                <a:shade val="15000"/>
+              </a:schemeClr>
+            </a:lnRef>
+            <a:fillRef idx="1">
+              <a:schemeClr val="accent1"/>
+            </a:fillRef>
+            <a:effectRef idx="0">
+              <a:schemeClr val="accent1"/>
+            </a:effectRef>
+            <a:fontRef idx="minor">
+              <a:schemeClr val="lt1"/>
+            </a:fontRef>
+          </p:style>
+          <p:txBody>
+            <a:bodyPr rtlCol="0" anchor="ctr"/>
+            <a:lstStyle/>
+            <a:p>
+              <a:pPr algn="ctr"/>
+              <a:endParaRPr lang="en-US"/>
+            </a:p>
+          </p:txBody>
+        </p:sp>
+        <p:grpSp>
+          <p:nvGrpSpPr>
+            <p:cNvPr id="67" name="Group 66">
+              <a:extLst>
+                <a:ext uri="{FF2B5EF4-FFF2-40B4-BE49-F238E27FC236}">
+                  <a16:creationId xmlns:a16="http://schemas.microsoft.com/office/drawing/2014/main" id="{F285F7D5-594A-09F5-6399-E44D241F8ECB}"/>
+                </a:ext>
+              </a:extLst>
+            </p:cNvPr>
+            <p:cNvGrpSpPr/>
+            <p:nvPr/>
+          </p:nvGrpSpPr>
+          <p:grpSpPr>
+            <a:xfrm>
+              <a:off x="5558415" y="5059843"/>
+              <a:ext cx="1114580" cy="369332"/>
+              <a:chOff x="4411344" y="2004919"/>
+              <a:chExt cx="1114580" cy="369332"/>
+            </a:xfrm>
+          </p:grpSpPr>
+          <p:sp>
+            <p:nvSpPr>
+              <p:cNvPr id="68" name="Oval 67">
+                <a:extLst>
+                  <a:ext uri="{FF2B5EF4-FFF2-40B4-BE49-F238E27FC236}">
+                    <a16:creationId xmlns:a16="http://schemas.microsoft.com/office/drawing/2014/main" id="{32DCA15E-E17F-1290-C57A-7BBDD5F6CD94}"/>
+                  </a:ext>
+                </a:extLst>
+              </p:cNvPr>
+              <p:cNvSpPr>
+                <a:spLocks noChangeAspect="1"/>
+              </p:cNvSpPr>
+              <p:nvPr/>
+            </p:nvSpPr>
+            <p:spPr>
+              <a:xfrm>
+                <a:off x="4411344" y="2037915"/>
+                <a:ext cx="291356" cy="291356"/>
+              </a:xfrm>
+              <a:prstGeom prst="ellipse">
+                <a:avLst/>
+              </a:prstGeom>
+              <a:solidFill>
+                <a:schemeClr val="tx1"/>
+              </a:solidFill>
+            </p:spPr>
+            <p:style>
+              <a:lnRef idx="2">
+                <a:schemeClr val="accent1">
+                  <a:shade val="15000"/>
+                </a:schemeClr>
+              </a:lnRef>
+              <a:fillRef idx="1">
+                <a:schemeClr val="accent1"/>
+              </a:fillRef>
+              <a:effectRef idx="0">
+                <a:schemeClr val="accent1"/>
+              </a:effectRef>
+              <a:fontRef idx="minor">
+                <a:schemeClr val="lt1"/>
+              </a:fontRef>
+            </p:style>
+            <p:txBody>
+              <a:bodyPr rtlCol="0" anchor="ctr"/>
+              <a:lstStyle/>
+              <a:p>
+                <a:pPr algn="ctr"/>
+                <a:r>
+                  <a:rPr lang="en-US" b="1" dirty="0"/>
+                  <a:t>2</a:t>
+                </a:r>
+              </a:p>
+            </p:txBody>
+          </p:sp>
+          <p:sp>
+            <p:nvSpPr>
+              <p:cNvPr id="75" name="TextBox 74">
+                <a:extLst>
+                  <a:ext uri="{FF2B5EF4-FFF2-40B4-BE49-F238E27FC236}">
+                    <a16:creationId xmlns:a16="http://schemas.microsoft.com/office/drawing/2014/main" id="{0202C181-B3EB-D5D6-FA81-67F27381A4DD}"/>
+                  </a:ext>
+                </a:extLst>
+              </p:cNvPr>
+              <p:cNvSpPr txBox="1"/>
+              <p:nvPr/>
+            </p:nvSpPr>
+            <p:spPr>
+              <a:xfrm>
+                <a:off x="4668702" y="2004919"/>
+                <a:ext cx="857222" cy="369332"/>
+              </a:xfrm>
+              <a:prstGeom prst="rect">
+                <a:avLst/>
+              </a:prstGeom>
+              <a:noFill/>
+            </p:spPr>
+            <p:txBody>
+              <a:bodyPr wrap="none" rtlCol="0">
+                <a:spAutoFit/>
+              </a:bodyPr>
+              <a:lstStyle/>
+              <a:p>
+                <a:r>
+                  <a:rPr lang="en-US" b="1" dirty="0"/>
+                  <a:t>Repeat</a:t>
+                </a:r>
+              </a:p>
+            </p:txBody>
+          </p:sp>
+        </p:grpSp>
+      </p:grpSp>
+      <p:grpSp>
+        <p:nvGrpSpPr>
+          <p:cNvPr id="39" name="Group 38">
+            <a:extLst>
+              <a:ext uri="{FF2B5EF4-FFF2-40B4-BE49-F238E27FC236}">
+                <a16:creationId xmlns:a16="http://schemas.microsoft.com/office/drawing/2014/main" id="{1BCB2348-0F67-8F56-08BF-FBE0DDA2146F}"/>
+              </a:ext>
+            </a:extLst>
+          </p:cNvPr>
+          <p:cNvGrpSpPr/>
+          <p:nvPr/>
+        </p:nvGrpSpPr>
+        <p:grpSpPr>
+          <a:xfrm>
+            <a:off x="7593007" y="4923814"/>
+            <a:ext cx="2178638" cy="1748659"/>
+            <a:chOff x="6594527" y="4923814"/>
+            <a:chExt cx="2178638" cy="1748659"/>
+          </a:xfrm>
+        </p:grpSpPr>
+        <p:sp>
+          <p:nvSpPr>
+            <p:cNvPr id="104" name="TextBox 103">
+              <a:extLst>
+                <a:ext uri="{FF2B5EF4-FFF2-40B4-BE49-F238E27FC236}">
+                  <a16:creationId xmlns:a16="http://schemas.microsoft.com/office/drawing/2014/main" id="{A0EEAB87-D84E-4972-05CD-98C2FEE32E53}"/>
+                </a:ext>
+              </a:extLst>
+            </p:cNvPr>
+            <p:cNvSpPr txBox="1"/>
+            <p:nvPr/>
+          </p:nvSpPr>
+          <p:spPr>
+            <a:xfrm>
+              <a:off x="6937756" y="5044880"/>
+              <a:ext cx="1417889" cy="369332"/>
+            </a:xfrm>
+            <a:prstGeom prst="rect">
+              <a:avLst/>
+            </a:prstGeom>
+            <a:noFill/>
+          </p:spPr>
+          <p:txBody>
+            <a:bodyPr wrap="none" rtlCol="0">
+              <a:spAutoFit/>
+            </a:bodyPr>
+            <a:lstStyle/>
+            <a:p>
+              <a:pPr algn="ctr"/>
+              <a:r>
+                <a:rPr lang="en-US" b="1" dirty="0">
+                  <a:solidFill>
+                    <a:srgbClr val="FFAD33"/>
+                  </a:solidFill>
+                </a:rPr>
+                <a:t>Harmonized!</a:t>
+              </a:r>
+            </a:p>
+          </p:txBody>
+        </p:sp>
+        <p:grpSp>
+          <p:nvGrpSpPr>
+            <p:cNvPr id="103" name="Group 102">
+              <a:extLst>
+                <a:ext uri="{FF2B5EF4-FFF2-40B4-BE49-F238E27FC236}">
+                  <a16:creationId xmlns:a16="http://schemas.microsoft.com/office/drawing/2014/main" id="{4C8903E6-71B9-F8D7-E59D-FF184B02DC14}"/>
+                </a:ext>
+              </a:extLst>
+            </p:cNvPr>
+            <p:cNvGrpSpPr/>
+            <p:nvPr/>
+          </p:nvGrpSpPr>
+          <p:grpSpPr>
+            <a:xfrm>
+              <a:off x="6594527" y="4923814"/>
+              <a:ext cx="2178638" cy="1748659"/>
+              <a:chOff x="7136800" y="5040773"/>
+              <a:chExt cx="2178638" cy="1748659"/>
+            </a:xfrm>
+          </p:grpSpPr>
+          <p:grpSp>
+            <p:nvGrpSpPr>
+              <p:cNvPr id="1068" name="Group 1067">
+                <a:extLst>
+                  <a:ext uri="{FF2B5EF4-FFF2-40B4-BE49-F238E27FC236}">
+                    <a16:creationId xmlns:a16="http://schemas.microsoft.com/office/drawing/2014/main" id="{BE3B54FC-84E4-A10C-CC7B-36E25AD13E04}"/>
+                  </a:ext>
+                </a:extLst>
+              </p:cNvPr>
+              <p:cNvGrpSpPr/>
+              <p:nvPr/>
+            </p:nvGrpSpPr>
+            <p:grpSpPr>
+              <a:xfrm>
+                <a:off x="7469517" y="5478977"/>
+                <a:ext cx="1407695" cy="1212201"/>
+                <a:chOff x="6089053" y="1653554"/>
+                <a:chExt cx="1407695" cy="1212201"/>
+              </a:xfrm>
+            </p:grpSpPr>
+            <p:sp>
+              <p:nvSpPr>
+                <p:cNvPr id="1062" name="Rectangle 1061">
+                  <a:extLst>
+                    <a:ext uri="{FF2B5EF4-FFF2-40B4-BE49-F238E27FC236}">
+                      <a16:creationId xmlns:a16="http://schemas.microsoft.com/office/drawing/2014/main" id="{57B77599-DB25-AFCC-F93F-1D0C5F0C86C5}"/>
+                    </a:ext>
+                  </a:extLst>
+                </p:cNvPr>
+                <p:cNvSpPr/>
+                <p:nvPr/>
+              </p:nvSpPr>
+              <p:spPr>
+                <a:xfrm>
+                  <a:off x="6089053" y="2597263"/>
+                  <a:ext cx="469232" cy="268492"/>
+                </a:xfrm>
+                <a:prstGeom prst="rect">
+                  <a:avLst/>
+                </a:prstGeom>
+                <a:solidFill>
+                  <a:schemeClr val="accent4">
+                    <a:lumMod val="20000"/>
+                    <a:lumOff val="80000"/>
+                  </a:schemeClr>
+                </a:solidFill>
+                <a:ln>
+                  <a:solidFill>
+                    <a:schemeClr val="tx1"/>
+                  </a:solidFill>
+                </a:ln>
+              </p:spPr>
+              <p:style>
+                <a:lnRef idx="2">
+                  <a:schemeClr val="accent1">
+                    <a:shade val="15000"/>
+                  </a:schemeClr>
+                </a:lnRef>
+                <a:fillRef idx="1">
+                  <a:schemeClr val="accent1"/>
+                </a:fillRef>
+                <a:effectRef idx="0">
+                  <a:schemeClr val="accent1"/>
+                </a:effectRef>
+                <a:fontRef idx="minor">
+                  <a:schemeClr val="lt1"/>
+                </a:fontRef>
+              </p:style>
+              <p:txBody>
+                <a:bodyPr rtlCol="0" anchor="t"/>
+                <a:lstStyle/>
+                <a:p>
+                  <a:pPr algn="ctr"/>
+                  <a:endParaRPr lang="en-US" sz="3200" b="1" dirty="0">
+                    <a:solidFill>
+                      <a:schemeClr val="tx1">
+                        <a:lumMod val="85000"/>
+                        <a:lumOff val="15000"/>
+                      </a:schemeClr>
+                    </a:solidFill>
+                  </a:endParaRPr>
+                </a:p>
+              </p:txBody>
+            </p:sp>
+            <p:sp>
+              <p:nvSpPr>
+                <p:cNvPr id="1063" name="Rectangle 1062">
+                  <a:extLst>
+                    <a:ext uri="{FF2B5EF4-FFF2-40B4-BE49-F238E27FC236}">
+                      <a16:creationId xmlns:a16="http://schemas.microsoft.com/office/drawing/2014/main" id="{2262D40D-F126-AF1E-4BC2-93A3198CEB20}"/>
+                    </a:ext>
+                  </a:extLst>
+                </p:cNvPr>
+                <p:cNvSpPr/>
+                <p:nvPr/>
+              </p:nvSpPr>
+              <p:spPr>
+                <a:xfrm>
+                  <a:off x="6558285" y="2597263"/>
+                  <a:ext cx="469232" cy="268492"/>
+                </a:xfrm>
+                <a:prstGeom prst="rect">
+                  <a:avLst/>
+                </a:prstGeom>
+                <a:solidFill>
+                  <a:schemeClr val="accent4">
+                    <a:lumMod val="20000"/>
+                    <a:lumOff val="80000"/>
+                  </a:schemeClr>
+                </a:solidFill>
+                <a:ln>
+                  <a:solidFill>
+                    <a:schemeClr val="tx1"/>
+                  </a:solidFill>
+                </a:ln>
+              </p:spPr>
+              <p:style>
+                <a:lnRef idx="2">
+                  <a:schemeClr val="accent1">
+                    <a:shade val="15000"/>
+                  </a:schemeClr>
+                </a:lnRef>
+                <a:fillRef idx="1">
+                  <a:schemeClr val="accent1"/>
+                </a:fillRef>
+                <a:effectRef idx="0">
+                  <a:schemeClr val="accent1"/>
+                </a:effectRef>
+                <a:fontRef idx="minor">
+                  <a:schemeClr val="lt1"/>
+                </a:fontRef>
+              </p:style>
+              <p:txBody>
+                <a:bodyPr rtlCol="0" anchor="t"/>
+                <a:lstStyle/>
+                <a:p>
+                  <a:pPr algn="ctr"/>
+                  <a:endParaRPr lang="en-US" sz="3200" b="1" dirty="0">
+                    <a:solidFill>
+                      <a:schemeClr val="tx1">
+                        <a:lumMod val="85000"/>
+                        <a:lumOff val="15000"/>
+                      </a:schemeClr>
+                    </a:solidFill>
+                  </a:endParaRPr>
+                </a:p>
+              </p:txBody>
+            </p:sp>
+            <p:sp>
+              <p:nvSpPr>
+                <p:cNvPr id="1056" name="Rectangle 1055">
+                  <a:extLst>
+                    <a:ext uri="{FF2B5EF4-FFF2-40B4-BE49-F238E27FC236}">
+                      <a16:creationId xmlns:a16="http://schemas.microsoft.com/office/drawing/2014/main" id="{2E2B102D-8247-8E20-F230-06D01ACAA27A}"/>
+                    </a:ext>
+                  </a:extLst>
+                </p:cNvPr>
+                <p:cNvSpPr/>
+                <p:nvPr/>
+              </p:nvSpPr>
+              <p:spPr>
+                <a:xfrm>
+                  <a:off x="6089053" y="2328111"/>
+                  <a:ext cx="469232" cy="268492"/>
+                </a:xfrm>
+                <a:prstGeom prst="rect">
+                  <a:avLst/>
+                </a:prstGeom>
+                <a:solidFill>
+                  <a:srgbClr val="FFDDFE"/>
+                </a:solidFill>
+                <a:ln>
+                  <a:solidFill>
+                    <a:schemeClr val="tx1"/>
+                  </a:solidFill>
+                </a:ln>
+              </p:spPr>
+              <p:style>
+                <a:lnRef idx="2">
+                  <a:schemeClr val="accent1">
+                    <a:shade val="15000"/>
+                  </a:schemeClr>
+                </a:lnRef>
+                <a:fillRef idx="1">
+                  <a:schemeClr val="accent1"/>
+                </a:fillRef>
+                <a:effectRef idx="0">
+                  <a:schemeClr val="accent1"/>
+                </a:effectRef>
+                <a:fontRef idx="minor">
+                  <a:schemeClr val="lt1"/>
+                </a:fontRef>
+              </p:style>
+              <p:txBody>
+                <a:bodyPr rtlCol="0" anchor="t"/>
+                <a:lstStyle/>
+                <a:p>
+                  <a:pPr algn="ctr"/>
+                  <a:endParaRPr lang="en-US" sz="3200" b="1" dirty="0">
+                    <a:solidFill>
+                      <a:schemeClr val="tx1">
+                        <a:lumMod val="85000"/>
+                        <a:lumOff val="15000"/>
+                      </a:schemeClr>
+                    </a:solidFill>
+                  </a:endParaRPr>
+                </a:p>
+              </p:txBody>
+            </p:sp>
+            <p:sp>
+              <p:nvSpPr>
+                <p:cNvPr id="1057" name="Rectangle 1056">
+                  <a:extLst>
+                    <a:ext uri="{FF2B5EF4-FFF2-40B4-BE49-F238E27FC236}">
+                      <a16:creationId xmlns:a16="http://schemas.microsoft.com/office/drawing/2014/main" id="{61473339-A682-9111-8510-82F95B629691}"/>
+                    </a:ext>
+                  </a:extLst>
+                </p:cNvPr>
+                <p:cNvSpPr/>
+                <p:nvPr/>
+              </p:nvSpPr>
+              <p:spPr>
+                <a:xfrm>
+                  <a:off x="6558285" y="2328111"/>
+                  <a:ext cx="469232" cy="268492"/>
+                </a:xfrm>
+                <a:prstGeom prst="rect">
+                  <a:avLst/>
+                </a:prstGeom>
+                <a:solidFill>
+                  <a:srgbClr val="FFDDFE"/>
+                </a:solidFill>
+                <a:ln>
+                  <a:solidFill>
+                    <a:schemeClr val="tx1"/>
+                  </a:solidFill>
+                </a:ln>
+              </p:spPr>
+              <p:style>
+                <a:lnRef idx="2">
+                  <a:schemeClr val="accent1">
+                    <a:shade val="15000"/>
+                  </a:schemeClr>
+                </a:lnRef>
+                <a:fillRef idx="1">
+                  <a:schemeClr val="accent1"/>
+                </a:fillRef>
+                <a:effectRef idx="0">
+                  <a:schemeClr val="accent1"/>
+                </a:effectRef>
+                <a:fontRef idx="minor">
+                  <a:schemeClr val="lt1"/>
+                </a:fontRef>
+              </p:style>
+              <p:txBody>
+                <a:bodyPr rtlCol="0" anchor="t"/>
+                <a:lstStyle/>
+                <a:p>
+                  <a:pPr algn="ctr"/>
+                  <a:endParaRPr lang="en-US" sz="3200" b="1" dirty="0">
+                    <a:solidFill>
+                      <a:schemeClr val="tx1">
+                        <a:lumMod val="85000"/>
+                        <a:lumOff val="15000"/>
+                      </a:schemeClr>
+                    </a:solidFill>
+                  </a:endParaRPr>
+                </a:p>
+              </p:txBody>
+            </p:sp>
+            <p:sp>
+              <p:nvSpPr>
+                <p:cNvPr id="1058" name="Rectangle 1057">
+                  <a:extLst>
+                    <a:ext uri="{FF2B5EF4-FFF2-40B4-BE49-F238E27FC236}">
+                      <a16:creationId xmlns:a16="http://schemas.microsoft.com/office/drawing/2014/main" id="{668AE2B6-E27F-DEB4-141E-D949B369BC3C}"/>
+                    </a:ext>
+                  </a:extLst>
+                </p:cNvPr>
+                <p:cNvSpPr/>
+                <p:nvPr/>
+              </p:nvSpPr>
+              <p:spPr>
+                <a:xfrm>
+                  <a:off x="7027516" y="2328111"/>
+                  <a:ext cx="469232" cy="268492"/>
+                </a:xfrm>
+                <a:prstGeom prst="rect">
+                  <a:avLst/>
+                </a:prstGeom>
+                <a:solidFill>
+                  <a:srgbClr val="FFDDFE"/>
+                </a:solidFill>
+                <a:ln>
+                  <a:solidFill>
+                    <a:schemeClr val="tx1"/>
+                  </a:solidFill>
+                </a:ln>
+              </p:spPr>
+              <p:style>
+                <a:lnRef idx="2">
+                  <a:schemeClr val="accent1">
+                    <a:shade val="15000"/>
+                  </a:schemeClr>
+                </a:lnRef>
+                <a:fillRef idx="1">
+                  <a:schemeClr val="accent1"/>
+                </a:fillRef>
+                <a:effectRef idx="0">
+                  <a:schemeClr val="accent1"/>
+                </a:effectRef>
+                <a:fontRef idx="minor">
+                  <a:schemeClr val="lt1"/>
+                </a:fontRef>
+              </p:style>
+              <p:txBody>
+                <a:bodyPr rtlCol="0" anchor="t"/>
+                <a:lstStyle/>
+                <a:p>
+                  <a:pPr algn="ctr"/>
+                  <a:endParaRPr lang="en-US" sz="3200" b="1" dirty="0">
+                    <a:solidFill>
+                      <a:schemeClr val="tx1">
+                        <a:lumMod val="85000"/>
+                        <a:lumOff val="15000"/>
+                      </a:schemeClr>
+                    </a:solidFill>
+                  </a:endParaRPr>
+                </a:p>
+              </p:txBody>
+            </p:sp>
+            <p:sp>
+              <p:nvSpPr>
+                <p:cNvPr id="1051" name="Rectangle 1050">
+                  <a:extLst>
+                    <a:ext uri="{FF2B5EF4-FFF2-40B4-BE49-F238E27FC236}">
+                      <a16:creationId xmlns:a16="http://schemas.microsoft.com/office/drawing/2014/main" id="{F455D375-B931-14D8-E12F-A49C1234EA89}"/>
+                    </a:ext>
+                  </a:extLst>
+                </p:cNvPr>
+                <p:cNvSpPr/>
+                <p:nvPr/>
+              </p:nvSpPr>
+              <p:spPr>
+                <a:xfrm>
+                  <a:off x="6558285" y="2061092"/>
+                  <a:ext cx="469232" cy="268492"/>
+                </a:xfrm>
+                <a:prstGeom prst="rect">
+                  <a:avLst/>
+                </a:prstGeom>
+                <a:solidFill>
+                  <a:schemeClr val="accent6">
+                    <a:lumMod val="20000"/>
+                    <a:lumOff val="80000"/>
+                  </a:schemeClr>
+                </a:solidFill>
+                <a:ln>
+                  <a:solidFill>
+                    <a:schemeClr val="tx1"/>
+                  </a:solidFill>
+                </a:ln>
+              </p:spPr>
+              <p:style>
+                <a:lnRef idx="2">
+                  <a:schemeClr val="accent1">
+                    <a:shade val="15000"/>
+                  </a:schemeClr>
+                </a:lnRef>
+                <a:fillRef idx="1">
+                  <a:schemeClr val="accent1"/>
+                </a:fillRef>
+                <a:effectRef idx="0">
+                  <a:schemeClr val="accent1"/>
+                </a:effectRef>
+                <a:fontRef idx="minor">
+                  <a:schemeClr val="lt1"/>
+                </a:fontRef>
+              </p:style>
+              <p:txBody>
+                <a:bodyPr rtlCol="0" anchor="t"/>
+                <a:lstStyle/>
+                <a:p>
+                  <a:pPr algn="ctr"/>
+                  <a:endParaRPr lang="en-US" sz="3200" b="1" dirty="0">
+                    <a:solidFill>
+                      <a:schemeClr val="tx1">
+                        <a:lumMod val="85000"/>
+                        <a:lumOff val="15000"/>
+                      </a:schemeClr>
+                    </a:solidFill>
+                  </a:endParaRPr>
+                </a:p>
+              </p:txBody>
+            </p:sp>
+            <p:sp>
+              <p:nvSpPr>
+                <p:cNvPr id="1052" name="Rectangle 1051">
+                  <a:extLst>
+                    <a:ext uri="{FF2B5EF4-FFF2-40B4-BE49-F238E27FC236}">
+                      <a16:creationId xmlns:a16="http://schemas.microsoft.com/office/drawing/2014/main" id="{2ECCCA79-2790-FC2A-38C5-921E014C09FB}"/>
+                    </a:ext>
+                  </a:extLst>
+                </p:cNvPr>
+                <p:cNvSpPr/>
+                <p:nvPr/>
+              </p:nvSpPr>
+              <p:spPr>
+                <a:xfrm>
+                  <a:off x="7027516" y="2061092"/>
+                  <a:ext cx="469232" cy="268492"/>
+                </a:xfrm>
+                <a:prstGeom prst="rect">
+                  <a:avLst/>
+                </a:prstGeom>
+                <a:solidFill>
+                  <a:schemeClr val="accent6">
+                    <a:lumMod val="20000"/>
+                    <a:lumOff val="80000"/>
+                  </a:schemeClr>
+                </a:solidFill>
+                <a:ln>
+                  <a:solidFill>
+                    <a:schemeClr val="tx1"/>
+                  </a:solidFill>
+                </a:ln>
+              </p:spPr>
+              <p:style>
+                <a:lnRef idx="2">
+                  <a:schemeClr val="accent1">
+                    <a:shade val="15000"/>
+                  </a:schemeClr>
+                </a:lnRef>
+                <a:fillRef idx="1">
+                  <a:schemeClr val="accent1"/>
+                </a:fillRef>
+                <a:effectRef idx="0">
+                  <a:schemeClr val="accent1"/>
+                </a:effectRef>
+                <a:fontRef idx="minor">
+                  <a:schemeClr val="lt1"/>
+                </a:fontRef>
+              </p:style>
+              <p:txBody>
+                <a:bodyPr rtlCol="0" anchor="t"/>
+                <a:lstStyle/>
+                <a:p>
+                  <a:pPr algn="ctr"/>
+                  <a:endParaRPr lang="en-US" sz="3200" b="1" dirty="0">
+                    <a:solidFill>
+                      <a:schemeClr val="tx1">
+                        <a:lumMod val="85000"/>
+                        <a:lumOff val="15000"/>
+                      </a:schemeClr>
+                    </a:solidFill>
+                  </a:endParaRPr>
+                </a:p>
+              </p:txBody>
+            </p:sp>
+            <p:sp>
+              <p:nvSpPr>
+                <p:cNvPr id="1041" name="Rectangle 1040">
+                  <a:extLst>
+                    <a:ext uri="{FF2B5EF4-FFF2-40B4-BE49-F238E27FC236}">
+                      <a16:creationId xmlns:a16="http://schemas.microsoft.com/office/drawing/2014/main" id="{DC5A6FBA-5624-98D7-8D44-5375FF7B6F2E}"/>
+                    </a:ext>
+                  </a:extLst>
+                </p:cNvPr>
+                <p:cNvSpPr/>
+                <p:nvPr/>
+              </p:nvSpPr>
+              <p:spPr>
+                <a:xfrm>
+                  <a:off x="6089053" y="1653554"/>
+                  <a:ext cx="469232" cy="140519"/>
+                </a:xfrm>
+                <a:prstGeom prst="rect">
+                  <a:avLst/>
+                </a:prstGeom>
+                <a:solidFill>
+                  <a:schemeClr val="accent5">
+                    <a:lumMod val="40000"/>
+                    <a:lumOff val="60000"/>
+                  </a:schemeClr>
+                </a:solidFill>
+                <a:ln>
+                  <a:solidFill>
+                    <a:schemeClr val="tx1"/>
+                  </a:solidFill>
+                </a:ln>
+              </p:spPr>
+              <p:style>
+                <a:lnRef idx="2">
+                  <a:schemeClr val="accent1">
+                    <a:shade val="15000"/>
+                  </a:schemeClr>
+                </a:lnRef>
+                <a:fillRef idx="1">
+                  <a:schemeClr val="accent1"/>
+                </a:fillRef>
+                <a:effectRef idx="0">
+                  <a:schemeClr val="accent1"/>
+                </a:effectRef>
+                <a:fontRef idx="minor">
+                  <a:schemeClr val="lt1"/>
+                </a:fontRef>
+              </p:style>
+              <p:txBody>
+                <a:bodyPr rtlCol="0" anchor="ctr"/>
+                <a:lstStyle/>
+                <a:p>
+                  <a:pPr algn="ctr"/>
+                  <a:endParaRPr lang="en-US" b="1" dirty="0">
+                    <a:solidFill>
+                      <a:schemeClr val="tx1">
+                        <a:lumMod val="85000"/>
+                        <a:lumOff val="15000"/>
+                      </a:schemeClr>
+                    </a:solidFill>
+                  </a:endParaRPr>
+                </a:p>
+              </p:txBody>
+            </p:sp>
+            <p:sp>
+              <p:nvSpPr>
+                <p:cNvPr id="1042" name="Rectangle 1041">
+                  <a:extLst>
+                    <a:ext uri="{FF2B5EF4-FFF2-40B4-BE49-F238E27FC236}">
+                      <a16:creationId xmlns:a16="http://schemas.microsoft.com/office/drawing/2014/main" id="{1FB0B9F5-7789-DA66-7A3C-6D6DA458F24C}"/>
+                    </a:ext>
+                  </a:extLst>
+                </p:cNvPr>
+                <p:cNvSpPr/>
+                <p:nvPr/>
+              </p:nvSpPr>
+              <p:spPr>
+                <a:xfrm>
+                  <a:off x="6558285" y="1653554"/>
+                  <a:ext cx="469232" cy="140519"/>
+                </a:xfrm>
+                <a:prstGeom prst="rect">
+                  <a:avLst/>
+                </a:prstGeom>
+                <a:solidFill>
+                  <a:schemeClr val="accent5">
+                    <a:lumMod val="40000"/>
+                    <a:lumOff val="60000"/>
+                  </a:schemeClr>
+                </a:solidFill>
+                <a:ln>
+                  <a:solidFill>
+                    <a:schemeClr val="tx1"/>
+                  </a:solidFill>
+                </a:ln>
+              </p:spPr>
+              <p:style>
+                <a:lnRef idx="2">
+                  <a:schemeClr val="accent1">
+                    <a:shade val="15000"/>
+                  </a:schemeClr>
+                </a:lnRef>
+                <a:fillRef idx="1">
+                  <a:schemeClr val="accent1"/>
+                </a:fillRef>
+                <a:effectRef idx="0">
+                  <a:schemeClr val="accent1"/>
+                </a:effectRef>
+                <a:fontRef idx="minor">
+                  <a:schemeClr val="lt1"/>
+                </a:fontRef>
+              </p:style>
+              <p:txBody>
+                <a:bodyPr rtlCol="0" anchor="ctr"/>
+                <a:lstStyle/>
+                <a:p>
+                  <a:pPr algn="ctr"/>
+                  <a:endParaRPr lang="en-US" b="1" dirty="0">
+                    <a:solidFill>
+                      <a:schemeClr val="tx1">
+                        <a:lumMod val="85000"/>
+                        <a:lumOff val="15000"/>
+                      </a:schemeClr>
+                    </a:solidFill>
+                  </a:endParaRPr>
+                </a:p>
+              </p:txBody>
+            </p:sp>
+            <p:sp>
+              <p:nvSpPr>
+                <p:cNvPr id="1043" name="Rectangle 1042">
+                  <a:extLst>
+                    <a:ext uri="{FF2B5EF4-FFF2-40B4-BE49-F238E27FC236}">
+                      <a16:creationId xmlns:a16="http://schemas.microsoft.com/office/drawing/2014/main" id="{A26E3347-9CDC-6228-F655-B021F25B95E4}"/>
+                    </a:ext>
+                  </a:extLst>
+                </p:cNvPr>
+                <p:cNvSpPr/>
+                <p:nvPr/>
+              </p:nvSpPr>
+              <p:spPr>
+                <a:xfrm>
+                  <a:off x="7027516" y="1653554"/>
+                  <a:ext cx="469232" cy="140519"/>
+                </a:xfrm>
+                <a:prstGeom prst="rect">
+                  <a:avLst/>
+                </a:prstGeom>
+                <a:solidFill>
+                  <a:schemeClr val="accent5">
+                    <a:lumMod val="40000"/>
+                    <a:lumOff val="60000"/>
+                  </a:schemeClr>
+                </a:solidFill>
+                <a:ln>
+                  <a:solidFill>
+                    <a:schemeClr val="tx1"/>
+                  </a:solidFill>
+                </a:ln>
+              </p:spPr>
+              <p:style>
+                <a:lnRef idx="2">
+                  <a:schemeClr val="accent1">
+                    <a:shade val="15000"/>
+                  </a:schemeClr>
+                </a:lnRef>
+                <a:fillRef idx="1">
+                  <a:schemeClr val="accent1"/>
+                </a:fillRef>
+                <a:effectRef idx="0">
+                  <a:schemeClr val="accent1"/>
+                </a:effectRef>
+                <a:fontRef idx="minor">
+                  <a:schemeClr val="lt1"/>
+                </a:fontRef>
+              </p:style>
+              <p:txBody>
+                <a:bodyPr rtlCol="0" anchor="ctr"/>
+                <a:lstStyle/>
+                <a:p>
+                  <a:pPr algn="ctr"/>
+                  <a:endParaRPr lang="en-US" b="1" dirty="0">
+                    <a:solidFill>
+                      <a:schemeClr val="tx1">
+                        <a:lumMod val="85000"/>
+                        <a:lumOff val="15000"/>
+                      </a:schemeClr>
+                    </a:solidFill>
+                  </a:endParaRPr>
+                </a:p>
+              </p:txBody>
+            </p:sp>
+            <p:sp>
+              <p:nvSpPr>
+                <p:cNvPr id="1044" name="Rectangle 1043">
+                  <a:extLst>
+                    <a:ext uri="{FF2B5EF4-FFF2-40B4-BE49-F238E27FC236}">
+                      <a16:creationId xmlns:a16="http://schemas.microsoft.com/office/drawing/2014/main" id="{82524DB4-45C2-BFD8-412C-E8D41715CAEB}"/>
+                    </a:ext>
+                  </a:extLst>
+                </p:cNvPr>
+                <p:cNvSpPr/>
+                <p:nvPr/>
+              </p:nvSpPr>
+              <p:spPr>
+                <a:xfrm>
+                  <a:off x="6089053" y="1794072"/>
+                  <a:ext cx="469232" cy="268492"/>
+                </a:xfrm>
+                <a:prstGeom prst="rect">
+                  <a:avLst/>
+                </a:prstGeom>
+                <a:solidFill>
+                  <a:schemeClr val="accent2">
+                    <a:lumMod val="20000"/>
+                    <a:lumOff val="80000"/>
+                  </a:schemeClr>
+                </a:solidFill>
+                <a:ln>
+                  <a:solidFill>
+                    <a:schemeClr val="tx1"/>
+                  </a:solidFill>
+                </a:ln>
+              </p:spPr>
+              <p:style>
+                <a:lnRef idx="2">
+                  <a:schemeClr val="accent1">
+                    <a:shade val="15000"/>
+                  </a:schemeClr>
+                </a:lnRef>
+                <a:fillRef idx="1">
+                  <a:schemeClr val="accent1"/>
+                </a:fillRef>
+                <a:effectRef idx="0">
+                  <a:schemeClr val="accent1"/>
+                </a:effectRef>
+                <a:fontRef idx="minor">
+                  <a:schemeClr val="lt1"/>
+                </a:fontRef>
+              </p:style>
+              <p:txBody>
+                <a:bodyPr rtlCol="0" anchor="t"/>
+                <a:lstStyle/>
+                <a:p>
+                  <a:pPr algn="ctr"/>
+                  <a:endParaRPr lang="en-US" sz="3200" b="1" dirty="0">
+                    <a:solidFill>
+                      <a:schemeClr val="tx1">
+                        <a:lumMod val="85000"/>
+                        <a:lumOff val="15000"/>
+                      </a:schemeClr>
+                    </a:solidFill>
+                  </a:endParaRPr>
+                </a:p>
+              </p:txBody>
+            </p:sp>
+            <p:sp>
+              <p:nvSpPr>
+                <p:cNvPr id="1045" name="Rectangle 1044">
+                  <a:extLst>
+                    <a:ext uri="{FF2B5EF4-FFF2-40B4-BE49-F238E27FC236}">
+                      <a16:creationId xmlns:a16="http://schemas.microsoft.com/office/drawing/2014/main" id="{1AFBF2D1-583D-CB30-E8B4-BF7FF83BD43A}"/>
+                    </a:ext>
+                  </a:extLst>
+                </p:cNvPr>
+                <p:cNvSpPr/>
+                <p:nvPr/>
+              </p:nvSpPr>
+              <p:spPr>
+                <a:xfrm>
+                  <a:off x="6558285" y="1794072"/>
+                  <a:ext cx="469232" cy="268492"/>
+                </a:xfrm>
+                <a:prstGeom prst="rect">
+                  <a:avLst/>
+                </a:prstGeom>
+                <a:solidFill>
+                  <a:schemeClr val="accent2">
+                    <a:lumMod val="20000"/>
+                    <a:lumOff val="80000"/>
+                  </a:schemeClr>
+                </a:solidFill>
+                <a:ln>
+                  <a:solidFill>
+                    <a:schemeClr val="tx1"/>
+                  </a:solidFill>
+                </a:ln>
+              </p:spPr>
+              <p:style>
+                <a:lnRef idx="2">
+                  <a:schemeClr val="accent1">
+                    <a:shade val="15000"/>
+                  </a:schemeClr>
+                </a:lnRef>
+                <a:fillRef idx="1">
+                  <a:schemeClr val="accent1"/>
+                </a:fillRef>
+                <a:effectRef idx="0">
+                  <a:schemeClr val="accent1"/>
+                </a:effectRef>
+                <a:fontRef idx="minor">
+                  <a:schemeClr val="lt1"/>
+                </a:fontRef>
+              </p:style>
+              <p:txBody>
+                <a:bodyPr rtlCol="0" anchor="t"/>
+                <a:lstStyle/>
+                <a:p>
+                  <a:pPr algn="ctr"/>
+                  <a:endParaRPr lang="en-US" sz="3200" b="1" dirty="0">
+                    <a:solidFill>
+                      <a:schemeClr val="tx1">
+                        <a:lumMod val="85000"/>
+                        <a:lumOff val="15000"/>
+                      </a:schemeClr>
+                    </a:solidFill>
+                  </a:endParaRPr>
+                </a:p>
+              </p:txBody>
+            </p:sp>
+            <p:sp>
+              <p:nvSpPr>
+                <p:cNvPr id="1046" name="Rectangle 1045">
+                  <a:extLst>
+                    <a:ext uri="{FF2B5EF4-FFF2-40B4-BE49-F238E27FC236}">
+                      <a16:creationId xmlns:a16="http://schemas.microsoft.com/office/drawing/2014/main" id="{6FAFD4C5-6E03-F597-D633-05FE50892020}"/>
+                    </a:ext>
+                  </a:extLst>
+                </p:cNvPr>
+                <p:cNvSpPr/>
+                <p:nvPr/>
+              </p:nvSpPr>
+              <p:spPr>
+                <a:xfrm>
+                  <a:off x="7027516" y="1794072"/>
+                  <a:ext cx="469232" cy="268492"/>
+                </a:xfrm>
+                <a:prstGeom prst="rect">
+                  <a:avLst/>
+                </a:prstGeom>
+                <a:solidFill>
+                  <a:schemeClr val="accent2">
+                    <a:lumMod val="20000"/>
+                    <a:lumOff val="80000"/>
+                  </a:schemeClr>
+                </a:solidFill>
+                <a:ln>
+                  <a:solidFill>
+                    <a:schemeClr val="tx1"/>
+                  </a:solidFill>
+                </a:ln>
+              </p:spPr>
+              <p:style>
+                <a:lnRef idx="2">
+                  <a:schemeClr val="accent1">
+                    <a:shade val="15000"/>
+                  </a:schemeClr>
+                </a:lnRef>
+                <a:fillRef idx="1">
+                  <a:schemeClr val="accent1"/>
+                </a:fillRef>
+                <a:effectRef idx="0">
+                  <a:schemeClr val="accent1"/>
+                </a:effectRef>
+                <a:fontRef idx="minor">
+                  <a:schemeClr val="lt1"/>
+                </a:fontRef>
+              </p:style>
+              <p:txBody>
+                <a:bodyPr rtlCol="0" anchor="t"/>
+                <a:lstStyle/>
+                <a:p>
+                  <a:pPr algn="ctr"/>
+                  <a:endParaRPr lang="en-US" sz="3200" b="1" dirty="0">
+                    <a:solidFill>
+                      <a:schemeClr val="tx1">
+                        <a:lumMod val="85000"/>
+                        <a:lumOff val="15000"/>
+                      </a:schemeClr>
+                    </a:solidFill>
+                  </a:endParaRPr>
+                </a:p>
+              </p:txBody>
+            </p:sp>
+          </p:grpSp>
+          <p:pic>
+            <p:nvPicPr>
+              <p:cNvPr id="83" name="Picture 4" descr="magic wand&quot; Emoji - Download for free – Iconduck">
+                <a:extLst>
+                  <a:ext uri="{FF2B5EF4-FFF2-40B4-BE49-F238E27FC236}">
+                    <a16:creationId xmlns:a16="http://schemas.microsoft.com/office/drawing/2014/main" id="{59BCA40A-0FBC-008B-D91F-678E48F06433}"/>
+                  </a:ext>
+                </a:extLst>
+              </p:cNvPr>
+              <p:cNvPicPr>
+                <a:picLocks noChangeAspect="1" noChangeArrowheads="1"/>
+              </p:cNvPicPr>
+              <p:nvPr/>
+            </p:nvPicPr>
+            <p:blipFill>
+              <a:blip r:embed="rId5">
+                <a:extLst>
+                  <a:ext uri="{28A0092B-C50C-407E-A947-70E740481C1C}">
+                    <a14:useLocalDpi xmlns:a14="http://schemas.microsoft.com/office/drawing/2010/main" val="0"/>
+                  </a:ext>
+                </a:extLst>
+              </a:blip>
+              <a:srcRect/>
+              <a:stretch>
+                <a:fillRect/>
+              </a:stretch>
+            </p:blipFill>
+            <p:spPr bwMode="auto">
+              <a:xfrm>
+                <a:off x="7136800" y="5130909"/>
+                <a:ext cx="305045" cy="294198"/>
+              </a:xfrm>
+              <a:prstGeom prst="rect">
+                <a:avLst/>
+              </a:prstGeom>
+              <a:noFill/>
+              <a:extLst>
+                <a:ext uri="{909E8E84-426E-40DD-AFC4-6F175D3DCCD1}">
+                  <a14:hiddenFill xmlns:a14="http://schemas.microsoft.com/office/drawing/2010/main">
+                    <a:solidFill>
+                      <a:srgbClr val="FFFFFF"/>
+                    </a:solidFill>
+                  </a14:hiddenFill>
+                </a:ext>
+              </a:extLst>
+            </p:spPr>
+          </p:pic>
+          <p:pic>
+            <p:nvPicPr>
+              <p:cNvPr id="84" name="Picture 4" descr="magic wand&quot; Emoji - Download for free – Iconduck">
+                <a:extLst>
+                  <a:ext uri="{FF2B5EF4-FFF2-40B4-BE49-F238E27FC236}">
+                    <a16:creationId xmlns:a16="http://schemas.microsoft.com/office/drawing/2014/main" id="{6293EFBF-0F08-7CAA-8D99-97AD216F5908}"/>
+                  </a:ext>
+                </a:extLst>
+              </p:cNvPr>
+              <p:cNvPicPr>
+                <a:picLocks noChangeAspect="1" noChangeArrowheads="1"/>
+              </p:cNvPicPr>
+              <p:nvPr/>
+            </p:nvPicPr>
+            <p:blipFill>
+              <a:blip r:embed="rId5">
+                <a:extLst>
+                  <a:ext uri="{28A0092B-C50C-407E-A947-70E740481C1C}">
+                    <a14:useLocalDpi xmlns:a14="http://schemas.microsoft.com/office/drawing/2010/main" val="0"/>
+                  </a:ext>
+                </a:extLst>
+              </a:blip>
+              <a:srcRect/>
+              <a:stretch>
+                <a:fillRect/>
+              </a:stretch>
+            </p:blipFill>
+            <p:spPr bwMode="auto">
+              <a:xfrm>
+                <a:off x="9010393" y="6460181"/>
+                <a:ext cx="305045" cy="294198"/>
+              </a:xfrm>
+              <a:prstGeom prst="rect">
+                <a:avLst/>
+              </a:prstGeom>
+              <a:noFill/>
+              <a:extLst>
+                <a:ext uri="{909E8E84-426E-40DD-AFC4-6F175D3DCCD1}">
+                  <a14:hiddenFill xmlns:a14="http://schemas.microsoft.com/office/drawing/2010/main">
+                    <a:solidFill>
+                      <a:srgbClr val="FFFFFF"/>
+                    </a:solidFill>
+                  </a14:hiddenFill>
+                </a:ext>
+              </a:extLst>
+            </p:spPr>
+          </p:pic>
+          <p:pic>
+            <p:nvPicPr>
+              <p:cNvPr id="86" name="Picture 4" descr="magic wand&quot; Emoji - Download for free – Iconduck">
+                <a:extLst>
+                  <a:ext uri="{FF2B5EF4-FFF2-40B4-BE49-F238E27FC236}">
+                    <a16:creationId xmlns:a16="http://schemas.microsoft.com/office/drawing/2014/main" id="{32EAAAB8-66AF-AD70-0845-AB156688253D}"/>
+                  </a:ext>
+                </a:extLst>
+              </p:cNvPr>
+              <p:cNvPicPr>
+                <a:picLocks noChangeAspect="1" noChangeArrowheads="1"/>
+              </p:cNvPicPr>
+              <p:nvPr/>
+            </p:nvPicPr>
+            <p:blipFill>
+              <a:blip r:embed="rId5">
+                <a:extLst>
+                  <a:ext uri="{28A0092B-C50C-407E-A947-70E740481C1C}">
+                    <a14:useLocalDpi xmlns:a14="http://schemas.microsoft.com/office/drawing/2010/main" val="0"/>
+                  </a:ext>
+                </a:extLst>
+              </a:blip>
+              <a:srcRect/>
+              <a:stretch>
+                <a:fillRect/>
+              </a:stretch>
+            </p:blipFill>
+            <p:spPr bwMode="auto">
+              <a:xfrm>
+                <a:off x="8968676" y="6268462"/>
+                <a:ext cx="156536" cy="150970"/>
+              </a:xfrm>
+              <a:prstGeom prst="rect">
+                <a:avLst/>
+              </a:prstGeom>
+              <a:noFill/>
+              <a:extLst>
+                <a:ext uri="{909E8E84-426E-40DD-AFC4-6F175D3DCCD1}">
+                  <a14:hiddenFill xmlns:a14="http://schemas.microsoft.com/office/drawing/2010/main">
+                    <a:solidFill>
+                      <a:srgbClr val="FFFFFF"/>
+                    </a:solidFill>
+                  </a14:hiddenFill>
+                </a:ext>
+              </a:extLst>
+            </p:spPr>
+          </p:pic>
+          <p:pic>
+            <p:nvPicPr>
+              <p:cNvPr id="87" name="Picture 4" descr="magic wand&quot; Emoji - Download for free – Iconduck">
+                <a:extLst>
+                  <a:ext uri="{FF2B5EF4-FFF2-40B4-BE49-F238E27FC236}">
+                    <a16:creationId xmlns:a16="http://schemas.microsoft.com/office/drawing/2014/main" id="{AA7A3889-1DC0-1900-BA29-5409BEEC784B}"/>
+                  </a:ext>
+                </a:extLst>
+              </p:cNvPr>
+              <p:cNvPicPr>
+                <a:picLocks noChangeAspect="1" noChangeArrowheads="1"/>
+              </p:cNvPicPr>
+              <p:nvPr/>
+            </p:nvPicPr>
+            <p:blipFill>
+              <a:blip r:embed="rId5">
+                <a:extLst>
+                  <a:ext uri="{28A0092B-C50C-407E-A947-70E740481C1C}">
+                    <a14:useLocalDpi xmlns:a14="http://schemas.microsoft.com/office/drawing/2010/main" val="0"/>
+                  </a:ext>
+                </a:extLst>
+              </a:blip>
+              <a:srcRect/>
+              <a:stretch>
+                <a:fillRect/>
+              </a:stretch>
+            </p:blipFill>
+            <p:spPr bwMode="auto">
+              <a:xfrm>
+                <a:off x="7199166" y="5471688"/>
+                <a:ext cx="156536" cy="150970"/>
+              </a:xfrm>
+              <a:prstGeom prst="rect">
+                <a:avLst/>
+              </a:prstGeom>
+              <a:noFill/>
+              <a:extLst>
+                <a:ext uri="{909E8E84-426E-40DD-AFC4-6F175D3DCCD1}">
+                  <a14:hiddenFill xmlns:a14="http://schemas.microsoft.com/office/drawing/2010/main">
+                    <a:solidFill>
+                      <a:srgbClr val="FFFFFF"/>
+                    </a:solidFill>
+                  </a14:hiddenFill>
+                </a:ext>
+              </a:extLst>
+            </p:spPr>
+          </p:pic>
+          <p:pic>
+            <p:nvPicPr>
+              <p:cNvPr id="89" name="Picture 4" descr="magic wand&quot; Emoji - Download for free – Iconduck">
+                <a:extLst>
+                  <a:ext uri="{FF2B5EF4-FFF2-40B4-BE49-F238E27FC236}">
+                    <a16:creationId xmlns:a16="http://schemas.microsoft.com/office/drawing/2014/main" id="{2B22D2FD-73CF-5BAB-0DC6-B0470A739208}"/>
+                  </a:ext>
+                </a:extLst>
+              </p:cNvPr>
+              <p:cNvPicPr>
+                <a:picLocks noChangeAspect="1" noChangeArrowheads="1"/>
+              </p:cNvPicPr>
+              <p:nvPr/>
+            </p:nvPicPr>
+            <p:blipFill>
+              <a:blip r:embed="rId5">
+                <a:extLst>
+                  <a:ext uri="{28A0092B-C50C-407E-A947-70E740481C1C}">
+                    <a14:useLocalDpi xmlns:a14="http://schemas.microsoft.com/office/drawing/2010/main" val="0"/>
+                  </a:ext>
+                </a:extLst>
+              </a:blip>
+              <a:srcRect/>
+              <a:stretch>
+                <a:fillRect/>
+              </a:stretch>
+            </p:blipFill>
+            <p:spPr bwMode="auto">
+              <a:xfrm>
+                <a:off x="7391249" y="5040773"/>
+                <a:ext cx="156536" cy="150970"/>
+              </a:xfrm>
+              <a:prstGeom prst="rect">
+                <a:avLst/>
+              </a:prstGeom>
+              <a:noFill/>
+              <a:extLst>
+                <a:ext uri="{909E8E84-426E-40DD-AFC4-6F175D3DCCD1}">
+                  <a14:hiddenFill xmlns:a14="http://schemas.microsoft.com/office/drawing/2010/main">
+                    <a:solidFill>
+                      <a:srgbClr val="FFFFFF"/>
+                    </a:solidFill>
+                  </a14:hiddenFill>
+                </a:ext>
+              </a:extLst>
+            </p:spPr>
+          </p:pic>
+          <p:pic>
+            <p:nvPicPr>
+              <p:cNvPr id="100" name="Picture 4" descr="magic wand&quot; Emoji - Download for free – Iconduck">
+                <a:extLst>
+                  <a:ext uri="{FF2B5EF4-FFF2-40B4-BE49-F238E27FC236}">
+                    <a16:creationId xmlns:a16="http://schemas.microsoft.com/office/drawing/2014/main" id="{46CCA7BA-6319-A895-D71C-05C68A052D99}"/>
+                  </a:ext>
+                </a:extLst>
+              </p:cNvPr>
+              <p:cNvPicPr>
+                <a:picLocks noChangeAspect="1" noChangeArrowheads="1"/>
+              </p:cNvPicPr>
+              <p:nvPr/>
+            </p:nvPicPr>
+            <p:blipFill>
+              <a:blip r:embed="rId5">
+                <a:extLst>
+                  <a:ext uri="{28A0092B-C50C-407E-A947-70E740481C1C}">
+                    <a14:useLocalDpi xmlns:a14="http://schemas.microsoft.com/office/drawing/2010/main" val="0"/>
+                  </a:ext>
+                </a:extLst>
+              </a:blip>
+              <a:srcRect/>
+              <a:stretch>
+                <a:fillRect/>
+              </a:stretch>
+            </p:blipFill>
+            <p:spPr bwMode="auto">
+              <a:xfrm>
+                <a:off x="8910859" y="5422885"/>
+                <a:ext cx="156536" cy="150970"/>
+              </a:xfrm>
+              <a:prstGeom prst="rect">
+                <a:avLst/>
+              </a:prstGeom>
+              <a:noFill/>
+              <a:extLst>
+                <a:ext uri="{909E8E84-426E-40DD-AFC4-6F175D3DCCD1}">
+                  <a14:hiddenFill xmlns:a14="http://schemas.microsoft.com/office/drawing/2010/main">
+                    <a:solidFill>
+                      <a:srgbClr val="FFFFFF"/>
+                    </a:solidFill>
+                  </a14:hiddenFill>
+                </a:ext>
+              </a:extLst>
+            </p:spPr>
+          </p:pic>
+          <p:pic>
+            <p:nvPicPr>
+              <p:cNvPr id="101" name="Picture 4" descr="magic wand&quot; Emoji - Download for free – Iconduck">
+                <a:extLst>
+                  <a:ext uri="{FF2B5EF4-FFF2-40B4-BE49-F238E27FC236}">
+                    <a16:creationId xmlns:a16="http://schemas.microsoft.com/office/drawing/2014/main" id="{02D25327-1578-4F9B-3421-40210323F399}"/>
+                  </a:ext>
+                </a:extLst>
+              </p:cNvPr>
+              <p:cNvPicPr>
+                <a:picLocks noChangeAspect="1" noChangeArrowheads="1"/>
+              </p:cNvPicPr>
+              <p:nvPr/>
+            </p:nvPicPr>
+            <p:blipFill>
+              <a:blip r:embed="rId5">
+                <a:extLst>
+                  <a:ext uri="{28A0092B-C50C-407E-A947-70E740481C1C}">
+                    <a14:useLocalDpi xmlns:a14="http://schemas.microsoft.com/office/drawing/2010/main" val="0"/>
+                  </a:ext>
+                </a:extLst>
+              </a:blip>
+              <a:srcRect/>
+              <a:stretch>
+                <a:fillRect/>
+              </a:stretch>
+            </p:blipFill>
+            <p:spPr bwMode="auto">
+              <a:xfrm>
+                <a:off x="7214492" y="6638462"/>
+                <a:ext cx="156536" cy="150970"/>
+              </a:xfrm>
+              <a:prstGeom prst="rect">
+                <a:avLst/>
+              </a:prstGeom>
+              <a:noFill/>
+              <a:extLst>
+                <a:ext uri="{909E8E84-426E-40DD-AFC4-6F175D3DCCD1}">
+                  <a14:hiddenFill xmlns:a14="http://schemas.microsoft.com/office/drawing/2010/main">
+                    <a:solidFill>
+                      <a:srgbClr val="FFFFFF"/>
+                    </a:solidFill>
+                  </a14:hiddenFill>
+                </a:ext>
+              </a:extLst>
+            </p:spPr>
+          </p:pic>
+          <p:pic>
+            <p:nvPicPr>
+              <p:cNvPr id="102" name="Picture 4" descr="magic wand&quot; Emoji - Download for free – Iconduck">
+                <a:extLst>
+                  <a:ext uri="{FF2B5EF4-FFF2-40B4-BE49-F238E27FC236}">
+                    <a16:creationId xmlns:a16="http://schemas.microsoft.com/office/drawing/2014/main" id="{BF39084B-5B58-2765-ED26-1071AF987AB6}"/>
+                  </a:ext>
+                </a:extLst>
+              </p:cNvPr>
+              <p:cNvPicPr>
+                <a:picLocks noChangeAspect="1" noChangeArrowheads="1"/>
+              </p:cNvPicPr>
+              <p:nvPr/>
+            </p:nvPicPr>
+            <p:blipFill>
+              <a:blip r:embed="rId5">
+                <a:extLst>
+                  <a:ext uri="{28A0092B-C50C-407E-A947-70E740481C1C}">
+                    <a14:useLocalDpi xmlns:a14="http://schemas.microsoft.com/office/drawing/2010/main" val="0"/>
+                  </a:ext>
+                </a:extLst>
+              </a:blip>
+              <a:srcRect/>
+              <a:stretch>
+                <a:fillRect/>
+              </a:stretch>
+            </p:blipFill>
+            <p:spPr bwMode="auto">
+              <a:xfrm>
+                <a:off x="7261070" y="6454410"/>
+                <a:ext cx="156536" cy="150970"/>
+              </a:xfrm>
+              <a:prstGeom prst="rect">
+                <a:avLst/>
+              </a:prstGeom>
+              <a:noFill/>
+              <a:extLst>
+                <a:ext uri="{909E8E84-426E-40DD-AFC4-6F175D3DCCD1}">
+                  <a14:hiddenFill xmlns:a14="http://schemas.microsoft.com/office/drawing/2010/main">
+                    <a:solidFill>
+                      <a:srgbClr val="FFFFFF"/>
+                    </a:solidFill>
+                  </a14:hiddenFill>
+                </a:ext>
+              </a:extLst>
+            </p:spPr>
+          </p:pic>
+        </p:grpSp>
+      </p:grpSp>
+      <p:sp>
+        <p:nvSpPr>
+          <p:cNvPr id="50" name="TextBox 49">
+            <a:extLst>
+              <a:ext uri="{FF2B5EF4-FFF2-40B4-BE49-F238E27FC236}">
+                <a16:creationId xmlns:a16="http://schemas.microsoft.com/office/drawing/2014/main" id="{79E4B131-C8E3-4944-85D6-0069451FFB7A}"/>
+              </a:ext>
+            </a:extLst>
+          </p:cNvPr>
+          <p:cNvSpPr txBox="1"/>
+          <p:nvPr/>
+        </p:nvSpPr>
+        <p:spPr>
+          <a:xfrm>
+            <a:off x="4082499" y="1512106"/>
+            <a:ext cx="2114681" cy="369332"/>
+          </a:xfrm>
+          <a:prstGeom prst="rect">
+            <a:avLst/>
+          </a:prstGeom>
+          <a:noFill/>
+        </p:spPr>
+        <p:txBody>
+          <a:bodyPr wrap="none" rtlCol="0">
+            <a:spAutoFit/>
+          </a:bodyPr>
+          <a:lstStyle/>
+          <a:p>
+            <a:pPr algn="ctr"/>
+            <a:r>
+              <a:rPr lang="en-US" b="1" i="1" dirty="0">
+                <a:latin typeface="Courier New" panose="02070309020205020404" pitchFamily="49" charset="0"/>
+                <a:cs typeface="Courier New" panose="02070309020205020404" pitchFamily="49" charset="0"/>
+              </a:rPr>
+              <a:t>harmonize(...)</a:t>
+            </a:r>
+          </a:p>
+        </p:txBody>
+      </p:sp>
+      <p:sp>
+        <p:nvSpPr>
+          <p:cNvPr id="51" name="Down Arrow 50">
+            <a:extLst>
+              <a:ext uri="{FF2B5EF4-FFF2-40B4-BE49-F238E27FC236}">
+                <a16:creationId xmlns:a16="http://schemas.microsoft.com/office/drawing/2014/main" id="{032E1019-180A-09F1-A61D-2D6284FF096C}"/>
+              </a:ext>
+            </a:extLst>
+          </p:cNvPr>
+          <p:cNvSpPr/>
+          <p:nvPr/>
+        </p:nvSpPr>
+        <p:spPr>
+          <a:xfrm rot="16200000">
+            <a:off x="3185144" y="1926619"/>
+            <a:ext cx="331011" cy="487782"/>
+          </a:xfrm>
+          <a:prstGeom prst="downArrow">
+            <a:avLst/>
+          </a:prstGeom>
+          <a:solidFill>
+            <a:schemeClr val="bg1"/>
+          </a:solidFill>
+          <a:ln>
+            <a:solidFill>
+              <a:schemeClr val="tx1">
+                <a:lumMod val="75000"/>
+                <a:lumOff val="25000"/>
+              </a:schemeClr>
+            </a:solidFill>
+          </a:ln>
+        </p:spPr>
+        <p:style>
+          <a:lnRef idx="2">
+            <a:schemeClr val="accent1">
+              <a:shade val="15000"/>
+            </a:schemeClr>
+          </a:lnRef>
+          <a:fillRef idx="1">
+            <a:schemeClr val="accent1"/>
+          </a:fillRef>
+          <a:effectRef idx="0">
+            <a:schemeClr val="accent1"/>
+          </a:effectRef>
+          <a:fontRef idx="minor">
+            <a:schemeClr val="lt1"/>
+          </a:fontRef>
+        </p:style>
+        <p:txBody>
+          <a:bodyPr rtlCol="0" anchor="ctr"/>
+          <a:lstStyle/>
+          <a:p>
+            <a:pPr algn="ctr"/>
+            <a:endParaRPr lang="en-US"/>
+          </a:p>
+        </p:txBody>
+      </p:sp>
+      <p:sp>
+        <p:nvSpPr>
+          <p:cNvPr id="52" name="Down Arrow 51">
+            <a:extLst>
+              <a:ext uri="{FF2B5EF4-FFF2-40B4-BE49-F238E27FC236}">
+                <a16:creationId xmlns:a16="http://schemas.microsoft.com/office/drawing/2014/main" id="{FDD2DC5E-870B-1C33-2CBB-541C940E91BC}"/>
+              </a:ext>
+            </a:extLst>
+          </p:cNvPr>
+          <p:cNvSpPr/>
+          <p:nvPr/>
+        </p:nvSpPr>
+        <p:spPr>
+          <a:xfrm rot="5400000" flipH="1">
+            <a:off x="6649848" y="1902411"/>
+            <a:ext cx="331011" cy="536199"/>
+          </a:xfrm>
+          <a:prstGeom prst="downArrow">
+            <a:avLst/>
+          </a:prstGeom>
+          <a:solidFill>
+            <a:schemeClr val="bg1"/>
+          </a:solidFill>
+          <a:ln>
+            <a:solidFill>
+              <a:schemeClr val="tx1">
+                <a:lumMod val="75000"/>
+                <a:lumOff val="25000"/>
+              </a:schemeClr>
+            </a:solidFill>
+          </a:ln>
+        </p:spPr>
+        <p:style>
+          <a:lnRef idx="2">
+            <a:schemeClr val="accent1">
+              <a:shade val="15000"/>
+            </a:schemeClr>
+          </a:lnRef>
+          <a:fillRef idx="1">
+            <a:schemeClr val="accent1"/>
+          </a:fillRef>
+          <a:effectRef idx="0">
+            <a:schemeClr val="accent1"/>
+          </a:effectRef>
+          <a:fontRef idx="minor">
+            <a:schemeClr val="lt1"/>
+          </a:fontRef>
+        </p:style>
+        <p:txBody>
+          <a:bodyPr rtlCol="0" anchor="ctr"/>
+          <a:lstStyle/>
+          <a:p>
+            <a:pPr algn="ctr"/>
+            <a:endParaRPr lang="en-US"/>
+          </a:p>
+        </p:txBody>
+      </p:sp>
+    </p:spTree>
+    <p:extLst>
+      <p:ext uri="{BB962C8B-B14F-4D97-AF65-F5344CB8AC3E}">
+        <p14:creationId xmlns:p14="http://schemas.microsoft.com/office/powerpoint/2010/main" val="1841349367"/>
+      </p:ext>
+    </p:extLst>
+  </p:cSld>
+  <p:clrMapOvr>
+    <a:masterClrMapping/>
+  </p:clrMapOvr>
+</p:sld>
+</file>
+
+<file path=ppt/slides/slide3.xml><?xml version="1.0" encoding="utf-8"?>
+<p:sld xmlns:a="http://schemas.openxmlformats.org/drawingml/2006/main" xmlns:r="http://schemas.openxmlformats.org/officeDocument/2006/relationships" xmlns:p="http://schemas.openxmlformats.org/presentationml/2006/main">
+  <p:cSld>
+    <p:spTree>
+      <p:nvGrpSpPr>
+        <p:cNvPr id="1" name=""/>
+        <p:cNvGrpSpPr/>
+        <p:nvPr/>
+      </p:nvGrpSpPr>
+      <p:grpSpPr>
+        <a:xfrm>
+          <a:off x="0" y="0"/>
+          <a:ext cx="0" cy="0"/>
+          <a:chOff x="0" y="0"/>
+          <a:chExt cx="0" cy="0"/>
+        </a:xfrm>
+      </p:grpSpPr>
+      <p:sp>
+        <p:nvSpPr>
           <p:cNvPr id="104" name="TextBox 103">
             <a:extLst>
               <a:ext uri="{FF2B5EF4-FFF2-40B4-BE49-F238E27FC236}">
@@ -3909,7 +11361,7 @@
         <p:spPr>
           <a:xfrm>
             <a:off x="0" y="35591"/>
-            <a:ext cx="4405370" cy="317933"/>
+            <a:ext cx="12192000" cy="317933"/>
           </a:xfrm>
         </p:spPr>
         <p:txBody>
@@ -3922,8 +11374,17 @@
               <a:rPr lang="en-US" sz="2400" dirty="0">
                 <a:latin typeface="+mn-lt"/>
               </a:rPr>
-              <a:t>Column Key Graphic (for Vignette)</a:t>
+              <a:t>Column Key Graphic (for Vignette) – </a:t>
             </a:r>
+            <a:r>
+              <a:rPr lang="en-US" sz="2400" b="1" dirty="0">
+                <a:latin typeface="+mn-lt"/>
+              </a:rPr>
+              <a:t>VERSION 1</a:t>
+            </a:r>
+            <a:endParaRPr lang="en-US" sz="2400" dirty="0">
+              <a:latin typeface="+mn-lt"/>
+            </a:endParaRPr>
           </a:p>
         </p:txBody>
       </p:sp>
@@ -11166,7 +18627,7 @@
     </p:spTree>
     <p:extLst>
       <p:ext uri="{BB962C8B-B14F-4D97-AF65-F5344CB8AC3E}">
-        <p14:creationId xmlns:p14="http://schemas.microsoft.com/office/powerpoint/2010/main" val="1841349367"/>
+        <p14:creationId xmlns:p14="http://schemas.microsoft.com/office/powerpoint/2010/main" val="4183299541"/>
       </p:ext>
     </p:extLst>
   </p:cSld>
